--- a/ppt/jsp_ppt/4장. jsp 서블릿 API.pptx
+++ b/ppt/jsp_ppt/4장. jsp 서블릿 API.pptx
@@ -5,7 +5,7 @@
     <p:sldMasterId id="2147483648" r:id="rId1"/>
   </p:sldMasterIdLst>
   <p:notesMasterIdLst>
-    <p:notesMasterId r:id="rId55"/>
+    <p:notesMasterId r:id="rId57"/>
   </p:notesMasterIdLst>
   <p:sldIdLst>
     <p:sldId id="256" r:id="rId2"/>
@@ -35,32 +35,34 @@
     <p:sldId id="392" r:id="rId26"/>
     <p:sldId id="443" r:id="rId27"/>
     <p:sldId id="382" r:id="rId28"/>
-    <p:sldId id="383" r:id="rId29"/>
-    <p:sldId id="442" r:id="rId30"/>
-    <p:sldId id="450" r:id="rId31"/>
-    <p:sldId id="444" r:id="rId32"/>
-    <p:sldId id="445" r:id="rId33"/>
-    <p:sldId id="393" r:id="rId34"/>
-    <p:sldId id="395" r:id="rId35"/>
+    <p:sldId id="451" r:id="rId29"/>
+    <p:sldId id="383" r:id="rId30"/>
+    <p:sldId id="442" r:id="rId31"/>
+    <p:sldId id="450" r:id="rId32"/>
+    <p:sldId id="444" r:id="rId33"/>
+    <p:sldId id="445" r:id="rId34"/>
+    <p:sldId id="393" r:id="rId35"/>
     <p:sldId id="394" r:id="rId36"/>
-    <p:sldId id="412" r:id="rId37"/>
-    <p:sldId id="441" r:id="rId38"/>
-    <p:sldId id="413" r:id="rId39"/>
-    <p:sldId id="414" r:id="rId40"/>
-    <p:sldId id="422" r:id="rId41"/>
-    <p:sldId id="423" r:id="rId42"/>
-    <p:sldId id="424" r:id="rId43"/>
-    <p:sldId id="425" r:id="rId44"/>
-    <p:sldId id="426" r:id="rId45"/>
-    <p:sldId id="446" r:id="rId46"/>
-    <p:sldId id="427" r:id="rId47"/>
-    <p:sldId id="428" r:id="rId48"/>
-    <p:sldId id="429" r:id="rId49"/>
-    <p:sldId id="430" r:id="rId50"/>
-    <p:sldId id="433" r:id="rId51"/>
-    <p:sldId id="434" r:id="rId52"/>
-    <p:sldId id="447" r:id="rId53"/>
-    <p:sldId id="448" r:id="rId54"/>
+    <p:sldId id="395" r:id="rId37"/>
+    <p:sldId id="412" r:id="rId38"/>
+    <p:sldId id="452" r:id="rId39"/>
+    <p:sldId id="441" r:id="rId40"/>
+    <p:sldId id="413" r:id="rId41"/>
+    <p:sldId id="414" r:id="rId42"/>
+    <p:sldId id="422" r:id="rId43"/>
+    <p:sldId id="423" r:id="rId44"/>
+    <p:sldId id="424" r:id="rId45"/>
+    <p:sldId id="425" r:id="rId46"/>
+    <p:sldId id="426" r:id="rId47"/>
+    <p:sldId id="446" r:id="rId48"/>
+    <p:sldId id="427" r:id="rId49"/>
+    <p:sldId id="428" r:id="rId50"/>
+    <p:sldId id="429" r:id="rId51"/>
+    <p:sldId id="430" r:id="rId52"/>
+    <p:sldId id="433" r:id="rId53"/>
+    <p:sldId id="434" r:id="rId54"/>
+    <p:sldId id="447" r:id="rId55"/>
+    <p:sldId id="448" r:id="rId56"/>
   </p:sldIdLst>
   <p:sldSz cx="9906000" cy="6858000" type="A4"/>
   <p:notesSz cx="6858000" cy="9144000"/>
@@ -260,7 +262,7 @@
           <a:p>
             <a:fld id="{7665CDAC-D627-4E87-877A-1B781DD4CADC}" type="datetimeFigureOut">
               <a:rPr lang="ko-KR" altLang="en-US" smtClean="0"/>
-              <a:t>2023-05-31</a:t>
+              <a:t>2023-06-01</a:t>
             </a:fld>
             <a:endParaRPr lang="ko-KR" altLang="en-US"/>
           </a:p>
@@ -677,7 +679,7 @@
           <a:p>
             <a:fld id="{0FADDD8A-FD4C-4C63-90D4-202AFE8080B2}" type="slidenum">
               <a:rPr lang="ko-KR" altLang="en-US" smtClean="0"/>
-              <a:t>33</a:t>
+              <a:t>34</a:t>
             </a:fld>
             <a:endParaRPr lang="ko-KR" altLang="en-US"/>
           </a:p>
@@ -761,7 +763,7 @@
           <a:p>
             <a:fld id="{0FADDD8A-FD4C-4C63-90D4-202AFE8080B2}" type="slidenum">
               <a:rPr lang="ko-KR" altLang="en-US" smtClean="0"/>
-              <a:t>34</a:t>
+              <a:t>35</a:t>
             </a:fld>
             <a:endParaRPr lang="ko-KR" altLang="en-US"/>
           </a:p>
@@ -845,7 +847,7 @@
           <a:p>
             <a:fld id="{0FADDD8A-FD4C-4C63-90D4-202AFE8080B2}" type="slidenum">
               <a:rPr lang="ko-KR" altLang="en-US" smtClean="0"/>
-              <a:t>35</a:t>
+              <a:t>36</a:t>
             </a:fld>
             <a:endParaRPr lang="ko-KR" altLang="en-US"/>
           </a:p>
@@ -1050,7 +1052,7 @@
           <a:p>
             <a:fld id="{F4AC81B4-D91A-4578-85B3-829E63FCFE17}" type="datetime1">
               <a:rPr lang="ko-KR" altLang="en-US" smtClean="0"/>
-              <a:t>2023-05-31</a:t>
+              <a:t>2023-06-01</a:t>
             </a:fld>
             <a:endParaRPr lang="ko-KR" altLang="en-US"/>
           </a:p>
@@ -1425,7 +1427,7 @@
           <a:p>
             <a:fld id="{F5B77542-37E5-48F2-BAE7-80CC6B0EB6A3}" type="datetime1">
               <a:rPr lang="ko-KR" altLang="en-US" smtClean="0"/>
-              <a:t>2023-05-31</a:t>
+              <a:t>2023-06-01</a:t>
             </a:fld>
             <a:endParaRPr lang="ko-KR" altLang="en-US"/>
           </a:p>
@@ -1605,7 +1607,7 @@
           <a:p>
             <a:fld id="{227CF174-B5AC-4A98-B673-0BE8126D3F27}" type="datetime1">
               <a:rPr lang="ko-KR" altLang="en-US" smtClean="0"/>
-              <a:t>2023-05-31</a:t>
+              <a:t>2023-06-01</a:t>
             </a:fld>
             <a:endParaRPr lang="ko-KR" altLang="en-US"/>
           </a:p>
@@ -1779,7 +1781,7 @@
           <a:p>
             <a:fld id="{E20FDEC8-1339-42E8-9704-2977280C2FD3}" type="datetime1">
               <a:rPr lang="ko-KR" altLang="en-US" smtClean="0"/>
-              <a:t>2023-05-31</a:t>
+              <a:t>2023-06-01</a:t>
             </a:fld>
             <a:endParaRPr lang="ko-KR" altLang="en-US"/>
           </a:p>
@@ -2025,7 +2027,7 @@
           <a:p>
             <a:fld id="{4D18DC76-A282-4817-B790-197F054E1215}" type="datetime1">
               <a:rPr lang="ko-KR" altLang="en-US" smtClean="0"/>
-              <a:t>2023-05-31</a:t>
+              <a:t>2023-06-01</a:t>
             </a:fld>
             <a:endParaRPr lang="ko-KR" altLang="en-US"/>
           </a:p>
@@ -2313,7 +2315,7 @@
           <a:p>
             <a:fld id="{6680AA6C-13D8-43E4-90F0-E6C88A2B9F16}" type="datetime1">
               <a:rPr lang="ko-KR" altLang="en-US" smtClean="0"/>
-              <a:t>2023-05-31</a:t>
+              <a:t>2023-06-01</a:t>
             </a:fld>
             <a:endParaRPr lang="ko-KR" altLang="en-US"/>
           </a:p>
@@ -2735,7 +2737,7 @@
           <a:p>
             <a:fld id="{3EF5B03B-20CC-436E-8601-C933C6C1F4A6}" type="datetime1">
               <a:rPr lang="ko-KR" altLang="en-US" smtClean="0"/>
-              <a:t>2023-05-31</a:t>
+              <a:t>2023-06-01</a:t>
             </a:fld>
             <a:endParaRPr lang="ko-KR" altLang="en-US"/>
           </a:p>
@@ -2853,7 +2855,7 @@
           <a:p>
             <a:fld id="{87B5A15D-8B08-482F-AB47-E416EC355EB6}" type="datetime1">
               <a:rPr lang="ko-KR" altLang="en-US" smtClean="0"/>
-              <a:t>2023-05-31</a:t>
+              <a:t>2023-06-01</a:t>
             </a:fld>
             <a:endParaRPr lang="ko-KR" altLang="en-US"/>
           </a:p>
@@ -2948,7 +2950,7 @@
           <a:p>
             <a:fld id="{A877D7F8-7B64-44F8-A411-CBD22F28CBFF}" type="datetime1">
               <a:rPr lang="ko-KR" altLang="en-US" smtClean="0"/>
-              <a:t>2023-05-31</a:t>
+              <a:t>2023-06-01</a:t>
             </a:fld>
             <a:endParaRPr lang="ko-KR" altLang="en-US"/>
           </a:p>
@@ -3225,7 +3227,7 @@
           <a:p>
             <a:fld id="{E12DBD9B-2BB6-4D1F-BCB4-1E48829C93C3}" type="datetime1">
               <a:rPr lang="ko-KR" altLang="en-US" smtClean="0"/>
-              <a:t>2023-05-31</a:t>
+              <a:t>2023-06-01</a:t>
             </a:fld>
             <a:endParaRPr lang="ko-KR" altLang="en-US"/>
           </a:p>
@@ -3478,7 +3480,7 @@
           <a:p>
             <a:fld id="{17564C48-0CD7-40EB-BE64-BBF4DB8C56AF}" type="datetime1">
               <a:rPr lang="ko-KR" altLang="en-US" smtClean="0"/>
-              <a:t>2023-05-31</a:t>
+              <a:t>2023-06-01</a:t>
             </a:fld>
             <a:endParaRPr lang="ko-KR" altLang="en-US"/>
           </a:p>
@@ -3658,7 +3660,7 @@
           <a:p>
             <a:fld id="{C116BCB4-B68B-4638-8167-F4BDC0A30DA1}" type="datetime1">
               <a:rPr lang="ko-KR" altLang="en-US" smtClean="0"/>
-              <a:t>2023-05-31</a:t>
+              <a:t>2023-06-01</a:t>
             </a:fld>
             <a:endParaRPr lang="ko-KR" altLang="en-US"/>
           </a:p>
@@ -12456,7 +12458,7 @@
       </p:sp>
       <p:pic>
         <p:nvPicPr>
-          <p:cNvPr id="2" name="그림 1"/>
+          <p:cNvPr id="5" name="그림 4"/>
           <p:cNvPicPr>
             <a:picLocks noChangeAspect="1"/>
           </p:cNvPicPr>
@@ -12476,8 +12478,8 @@
         </p:blipFill>
         <p:spPr>
           <a:xfrm>
-            <a:off x="1136576" y="1844824"/>
-            <a:ext cx="6970375" cy="4320480"/>
+            <a:off x="1064568" y="2094246"/>
+            <a:ext cx="4480948" cy="2263336"/>
           </a:xfrm>
           <a:prstGeom prst="rect">
             <a:avLst/>
@@ -12493,7 +12495,7 @@
       </p:pic>
       <p:pic>
         <p:nvPicPr>
-          <p:cNvPr id="3" name="그림 2"/>
+          <p:cNvPr id="6" name="그림 5"/>
           <p:cNvPicPr>
             <a:picLocks noChangeAspect="1"/>
           </p:cNvPicPr>
@@ -12513,8 +12515,8 @@
         </p:blipFill>
         <p:spPr>
           <a:xfrm>
-            <a:off x="6321152" y="2060848"/>
-            <a:ext cx="3299746" cy="1783235"/>
+            <a:off x="4736976" y="3933056"/>
+            <a:ext cx="4244708" cy="1470787"/>
           </a:xfrm>
           <a:prstGeom prst="rect">
             <a:avLst/>
@@ -12650,7 +12652,7 @@
         <p:spPr>
           <a:xfrm>
             <a:off x="776536" y="980728"/>
-            <a:ext cx="8496944" cy="494494"/>
+            <a:ext cx="8496944" cy="553998"/>
           </a:xfrm>
           <a:prstGeom prst="rect">
             <a:avLst/>
@@ -12678,7 +12680,23 @@
             </a:r>
             <a:r>
               <a:rPr lang="ko-KR" altLang="en-US" sz="2000" b="1" dirty="0" smtClean="0"/>
-              <a:t>생성</a:t>
+              <a:t>생성 </a:t>
+            </a:r>
+            <a:r>
+              <a:rPr lang="en-US" altLang="ko-KR" sz="2000" b="1" dirty="0" smtClean="0"/>
+              <a:t>– </a:t>
+            </a:r>
+            <a:r>
+              <a:rPr lang="ko-KR" altLang="en-US" sz="2000" b="1" dirty="0" smtClean="0"/>
+              <a:t>여러 개의 </a:t>
+            </a:r>
+            <a:r>
+              <a:rPr lang="en-US" altLang="ko-KR" sz="2000" b="1" dirty="0" smtClean="0"/>
+              <a:t>name</a:t>
+            </a:r>
+            <a:r>
+              <a:rPr lang="ko-KR" altLang="en-US" sz="2000" b="1" dirty="0" smtClean="0"/>
+              <a:t>을 전송할 때의 요청 처리</a:t>
             </a:r>
             <a:endParaRPr lang="en-US" altLang="ko-KR" sz="2000" b="1" dirty="0" smtClean="0"/>
           </a:p>
@@ -12686,7 +12704,7 @@
       </p:sp>
       <p:pic>
         <p:nvPicPr>
-          <p:cNvPr id="5" name="그림 4"/>
+          <p:cNvPr id="3" name="그림 2"/>
           <p:cNvPicPr>
             <a:picLocks noChangeAspect="1"/>
           </p:cNvPicPr>
@@ -12706,46 +12724,8 @@
         </p:blipFill>
         <p:spPr>
           <a:xfrm>
-            <a:off x="916607" y="1556792"/>
-            <a:ext cx="7279595" cy="4608512"/>
-          </a:xfrm>
-          <a:prstGeom prst="rect">
-            <a:avLst/>
-          </a:prstGeom>
-          <a:ln>
-            <a:solidFill>
-              <a:schemeClr val="accent5">
-                <a:lumMod val="40000"/>
-                <a:lumOff val="60000"/>
-              </a:schemeClr>
-            </a:solidFill>
-          </a:ln>
-        </p:spPr>
-      </p:pic>
-      <p:pic>
-        <p:nvPicPr>
-          <p:cNvPr id="2" name="그림 1"/>
-          <p:cNvPicPr>
-            <a:picLocks noChangeAspect="1"/>
-          </p:cNvPicPr>
-          <p:nvPr/>
-        </p:nvPicPr>
-        <p:blipFill>
-          <a:blip r:embed="rId3">
-            <a:extLst>
-              <a:ext uri="{28A0092B-C50C-407E-A947-70E740481C1C}">
-                <a14:useLocalDpi xmlns:a14="http://schemas.microsoft.com/office/drawing/2010/main" val="0"/>
-              </a:ext>
-            </a:extLst>
-          </a:blip>
-          <a:stretch>
-            <a:fillRect/>
-          </a:stretch>
-        </p:blipFill>
-        <p:spPr>
-          <a:xfrm>
-            <a:off x="6969224" y="4809034"/>
-            <a:ext cx="2194522" cy="1428278"/>
+            <a:off x="1064568" y="1687870"/>
+            <a:ext cx="8063202" cy="4488793"/>
           </a:xfrm>
           <a:prstGeom prst="rect">
             <a:avLst/>
@@ -12762,7 +12742,7 @@
     </p:spTree>
     <p:extLst>
       <p:ext uri="{BB962C8B-B14F-4D97-AF65-F5344CB8AC3E}">
-        <p14:creationId xmlns:p14="http://schemas.microsoft.com/office/powerpoint/2010/main" val="2720858460"/>
+        <p14:creationId xmlns:p14="http://schemas.microsoft.com/office/powerpoint/2010/main" val="279045354"/>
       </p:ext>
     </p:extLst>
   </p:cSld>
@@ -12841,13 +12821,77 @@
               <a:t> </a:t>
             </a:r>
             <a:r>
+              <a:rPr lang="en-US" altLang="ko-KR" b="1" dirty="0" smtClean="0">
+                <a:latin typeface="휴먼엑스포" panose="02030504000101010101" pitchFamily="18" charset="-127"/>
+                <a:ea typeface="휴먼엑스포" panose="02030504000101010101" pitchFamily="18" charset="-127"/>
+              </a:rPr>
+              <a:t>&lt;form&gt; </a:t>
+            </a:r>
+            <a:r>
               <a:rPr lang="ko-KR" altLang="en-US" b="1" dirty="0" smtClean="0">
                 <a:latin typeface="휴먼엑스포" panose="02030504000101010101" pitchFamily="18" charset="-127"/>
                 <a:ea typeface="휴먼엑스포" panose="02030504000101010101" pitchFamily="18" charset="-127"/>
               </a:rPr>
-              <a:t>간단한 계산기</a:t>
+              <a:t>태그로 </a:t>
+            </a:r>
+            <a:r>
+              <a:rPr lang="ko-KR" altLang="en-US" b="1" dirty="0" err="1" smtClean="0">
+                <a:latin typeface="휴먼엑스포" panose="02030504000101010101" pitchFamily="18" charset="-127"/>
+                <a:ea typeface="휴먼엑스포" panose="02030504000101010101" pitchFamily="18" charset="-127"/>
+              </a:rPr>
+              <a:t>서블릿에</a:t>
+            </a:r>
+            <a:r>
+              <a:rPr lang="ko-KR" altLang="en-US" b="1" dirty="0" smtClean="0">
+                <a:latin typeface="휴먼엑스포" panose="02030504000101010101" pitchFamily="18" charset="-127"/>
+                <a:ea typeface="휴먼엑스포" panose="02030504000101010101" pitchFamily="18" charset="-127"/>
+              </a:rPr>
+              <a:t> 요청하기</a:t>
             </a:r>
             <a:endParaRPr lang="ko-KR" altLang="en-US" dirty="0"/>
+          </a:p>
+        </p:txBody>
+      </p:sp>
+      <p:sp>
+        <p:nvSpPr>
+          <p:cNvPr id="4" name="TextBox 3"/>
+          <p:cNvSpPr txBox="1"/>
+          <p:nvPr/>
+        </p:nvSpPr>
+        <p:spPr>
+          <a:xfrm>
+            <a:off x="776536" y="980728"/>
+            <a:ext cx="8496944" cy="494494"/>
+          </a:xfrm>
+          <a:prstGeom prst="rect">
+            <a:avLst/>
+          </a:prstGeom>
+          <a:noFill/>
+        </p:spPr>
+        <p:txBody>
+          <a:bodyPr wrap="square" rtlCol="0">
+            <a:spAutoFit/>
+          </a:bodyPr>
+          <a:lstStyle/>
+          <a:p>
+            <a:pPr>
+              <a:lnSpc>
+                <a:spcPct val="150000"/>
+              </a:lnSpc>
+            </a:pPr>
+            <a:r>
+              <a:rPr lang="en-US" altLang="ko-KR" sz="2000" b="1" dirty="0" err="1" smtClean="0"/>
+              <a:t>RegisterServet</a:t>
+            </a:r>
+            <a:r>
+              <a:rPr lang="en-US" altLang="ko-KR" sz="2000" b="1" dirty="0" smtClean="0"/>
+              <a:t> </a:t>
+            </a:r>
+            <a:r>
+              <a:rPr lang="ko-KR" altLang="en-US" sz="2000" b="1" dirty="0" smtClean="0"/>
+              <a:t>생성</a:t>
+            </a:r>
+            <a:endParaRPr lang="en-US" altLang="ko-KR" sz="2000" b="1" dirty="0" smtClean="0"/>
           </a:p>
         </p:txBody>
       </p:sp>
@@ -12873,8 +12917,8 @@
         </p:blipFill>
         <p:spPr>
           <a:xfrm>
-            <a:off x="970924" y="1412776"/>
-            <a:ext cx="7920880" cy="2003475"/>
+            <a:off x="1148838" y="1623497"/>
+            <a:ext cx="7404562" cy="4761039"/>
           </a:xfrm>
           <a:prstGeom prst="rect">
             <a:avLst/>
@@ -12888,47 +12932,10 @@
           </a:ln>
         </p:spPr>
       </p:pic>
-      <p:pic>
-        <p:nvPicPr>
-          <p:cNvPr id="5" name="그림 4"/>
-          <p:cNvPicPr>
-            <a:picLocks noChangeAspect="1"/>
-          </p:cNvPicPr>
-          <p:nvPr/>
-        </p:nvPicPr>
-        <p:blipFill>
-          <a:blip r:embed="rId3">
-            <a:extLst>
-              <a:ext uri="{28A0092B-C50C-407E-A947-70E740481C1C}">
-                <a14:useLocalDpi xmlns:a14="http://schemas.microsoft.com/office/drawing/2010/main" val="0"/>
-              </a:ext>
-            </a:extLst>
-          </a:blip>
-          <a:stretch>
-            <a:fillRect/>
-          </a:stretch>
-        </p:blipFill>
-        <p:spPr>
-          <a:xfrm>
-            <a:off x="992560" y="3861048"/>
-            <a:ext cx="7920880" cy="2213821"/>
-          </a:xfrm>
-          <a:prstGeom prst="rect">
-            <a:avLst/>
-          </a:prstGeom>
-          <a:ln>
-            <a:solidFill>
-              <a:schemeClr val="bg1">
-                <a:lumMod val="85000"/>
-              </a:schemeClr>
-            </a:solidFill>
-          </a:ln>
-        </p:spPr>
-      </p:pic>
     </p:spTree>
     <p:extLst>
       <p:ext uri="{BB962C8B-B14F-4D97-AF65-F5344CB8AC3E}">
-        <p14:creationId xmlns:p14="http://schemas.microsoft.com/office/powerpoint/2010/main" val="3796363577"/>
+        <p14:creationId xmlns:p14="http://schemas.microsoft.com/office/powerpoint/2010/main" val="2720858460"/>
       </p:ext>
     </p:extLst>
   </p:cSld>
@@ -14004,7 +14011,7 @@
       </p:sp>
       <p:pic>
         <p:nvPicPr>
-          <p:cNvPr id="2" name="그림 1"/>
+          <p:cNvPr id="3" name="그림 2"/>
           <p:cNvPicPr>
             <a:picLocks noChangeAspect="1"/>
           </p:cNvPicPr>
@@ -14024,8 +14031,8 @@
         </p:blipFill>
         <p:spPr>
           <a:xfrm>
-            <a:off x="1568624" y="1196752"/>
-            <a:ext cx="6569009" cy="5159187"/>
+            <a:off x="970924" y="1412776"/>
+            <a:ext cx="7920880" cy="2003475"/>
           </a:xfrm>
           <a:prstGeom prst="rect">
             <a:avLst/>
@@ -14039,87 +14046,9 @@
           </a:ln>
         </p:spPr>
       </p:pic>
-      <p:sp>
-        <p:nvSpPr>
-          <p:cNvPr id="7" name="모서리가 둥근 직사각형 6">
-            <a:extLst>
-              <a:ext uri="{FF2B5EF4-FFF2-40B4-BE49-F238E27FC236}">
-                <a16:creationId xmlns:a16="http://schemas.microsoft.com/office/drawing/2014/main" id="{792DA8B4-17B2-454B-97AC-17311A4832C5}"/>
-              </a:ext>
-            </a:extLst>
-          </p:cNvPr>
-          <p:cNvSpPr/>
-          <p:nvPr/>
-        </p:nvSpPr>
-        <p:spPr>
-          <a:xfrm>
-            <a:off x="6825208" y="1700808"/>
-            <a:ext cx="2448272" cy="316149"/>
-          </a:xfrm>
-          <a:prstGeom prst="roundRect">
-            <a:avLst/>
-          </a:prstGeom>
-          <a:noFill/>
-          <a:ln w="12700">
-            <a:solidFill>
-              <a:schemeClr val="tx1"/>
-            </a:solidFill>
-          </a:ln>
-        </p:spPr>
-        <p:style>
-          <a:lnRef idx="2">
-            <a:schemeClr val="accent2"/>
-          </a:lnRef>
-          <a:fillRef idx="1">
-            <a:schemeClr val="lt1"/>
-          </a:fillRef>
-          <a:effectRef idx="0">
-            <a:schemeClr val="accent2"/>
-          </a:effectRef>
-          <a:fontRef idx="minor">
-            <a:schemeClr val="dk1"/>
-          </a:fontRef>
-        </p:style>
-        <p:txBody>
-          <a:bodyPr rtlCol="0" anchor="ctr"/>
-          <a:lstStyle/>
-          <a:p>
-            <a:pPr algn="ctr"/>
-            <a:r>
-              <a:rPr lang="en-US" altLang="ko-KR" sz="1600" dirty="0">
-                <a:solidFill>
-                  <a:sysClr val="windowText" lastClr="000000"/>
-                </a:solidFill>
-              </a:rPr>
-              <a:t>s</a:t>
-            </a:r>
-            <a:r>
-              <a:rPr lang="en-US" altLang="ko-KR" sz="1600" dirty="0" smtClean="0">
-                <a:solidFill>
-                  <a:sysClr val="windowText" lastClr="000000"/>
-                </a:solidFill>
-              </a:rPr>
-              <a:t>ervlet/</a:t>
-            </a:r>
-            <a:r>
-              <a:rPr lang="en-US" altLang="ko-KR" sz="1600" dirty="0" err="1" smtClean="0">
-                <a:solidFill>
-                  <a:sysClr val="windowText" lastClr="000000"/>
-                </a:solidFill>
-              </a:rPr>
-              <a:t>calcForm.jsp</a:t>
-            </a:r>
-            <a:endParaRPr lang="en-US" altLang="ko-KR" sz="1600" dirty="0" smtClean="0">
-              <a:solidFill>
-                <a:sysClr val="windowText" lastClr="000000"/>
-              </a:solidFill>
-            </a:endParaRPr>
-          </a:p>
-        </p:txBody>
-      </p:sp>
       <p:pic>
         <p:nvPicPr>
-          <p:cNvPr id="3" name="그림 2"/>
+          <p:cNvPr id="5" name="그림 4"/>
           <p:cNvPicPr>
             <a:picLocks noChangeAspect="1"/>
           </p:cNvPicPr>
@@ -14139,8 +14068,8 @@
         </p:blipFill>
         <p:spPr>
           <a:xfrm>
-            <a:off x="7251432" y="3284984"/>
-            <a:ext cx="2171888" cy="2453853"/>
+            <a:off x="992560" y="3861048"/>
+            <a:ext cx="7920880" cy="2213821"/>
           </a:xfrm>
           <a:prstGeom prst="rect">
             <a:avLst/>
@@ -14157,7 +14086,7 @@
     </p:spTree>
     <p:extLst>
       <p:ext uri="{BB962C8B-B14F-4D97-AF65-F5344CB8AC3E}">
-        <p14:creationId xmlns:p14="http://schemas.microsoft.com/office/powerpoint/2010/main" val="3224662542"/>
+        <p14:creationId xmlns:p14="http://schemas.microsoft.com/office/powerpoint/2010/main" val="3796363577"/>
       </p:ext>
     </p:extLst>
   </p:cSld>
@@ -14268,8 +14197,8 @@
         </p:blipFill>
         <p:spPr>
           <a:xfrm>
-            <a:off x="704528" y="1196752"/>
-            <a:ext cx="8458933" cy="4709568"/>
+            <a:off x="1568624" y="1196752"/>
+            <a:ext cx="6569009" cy="5159187"/>
           </a:xfrm>
           <a:prstGeom prst="rect">
             <a:avLst/>
@@ -14285,7 +14214,7 @@
       </p:pic>
       <p:sp>
         <p:nvSpPr>
-          <p:cNvPr id="5" name="모서리가 둥근 직사각형 4">
+          <p:cNvPr id="7" name="모서리가 둥근 직사각형 6">
             <a:extLst>
               <a:ext uri="{FF2B5EF4-FFF2-40B4-BE49-F238E27FC236}">
                 <a16:creationId xmlns:a16="http://schemas.microsoft.com/office/drawing/2014/main" id="{792DA8B4-17B2-454B-97AC-17311A4832C5}"/>
@@ -14297,8 +14226,8 @@
         </p:nvSpPr>
         <p:spPr>
           <a:xfrm>
-            <a:off x="6537176" y="1340768"/>
-            <a:ext cx="3131386" cy="316149"/>
+            <a:off x="6825208" y="1700808"/>
+            <a:ext cx="2448272" cy="316149"/>
           </a:xfrm>
           <a:prstGeom prst="roundRect">
             <a:avLst/>
@@ -14330,20 +14259,78 @@
           <a:p>
             <a:pPr algn="ctr"/>
             <a:r>
+              <a:rPr lang="en-US" altLang="ko-KR" sz="1600" dirty="0">
+                <a:solidFill>
+                  <a:sysClr val="windowText" lastClr="000000"/>
+                </a:solidFill>
+              </a:rPr>
+              <a:t>s</a:t>
+            </a:r>
+            <a:r>
               <a:rPr lang="en-US" altLang="ko-KR" sz="1600" dirty="0" smtClean="0">
                 <a:solidFill>
                   <a:sysClr val="windowText" lastClr="000000"/>
                 </a:solidFill>
               </a:rPr>
-              <a:t>servlet.CalcServlet.java</a:t>
-            </a:r>
-          </a:p>
-        </p:txBody>
-      </p:sp>
+              <a:t>ervlet/</a:t>
+            </a:r>
+            <a:r>
+              <a:rPr lang="en-US" altLang="ko-KR" sz="1600" dirty="0" err="1" smtClean="0">
+                <a:solidFill>
+                  <a:sysClr val="windowText" lastClr="000000"/>
+                </a:solidFill>
+              </a:rPr>
+              <a:t>calcForm.jsp</a:t>
+            </a:r>
+            <a:endParaRPr lang="en-US" altLang="ko-KR" sz="1600" dirty="0" smtClean="0">
+              <a:solidFill>
+                <a:sysClr val="windowText" lastClr="000000"/>
+              </a:solidFill>
+            </a:endParaRPr>
+          </a:p>
+        </p:txBody>
+      </p:sp>
+      <p:pic>
+        <p:nvPicPr>
+          <p:cNvPr id="3" name="그림 2"/>
+          <p:cNvPicPr>
+            <a:picLocks noChangeAspect="1"/>
+          </p:cNvPicPr>
+          <p:nvPr/>
+        </p:nvPicPr>
+        <p:blipFill>
+          <a:blip r:embed="rId3">
+            <a:extLst>
+              <a:ext uri="{28A0092B-C50C-407E-A947-70E740481C1C}">
+                <a14:useLocalDpi xmlns:a14="http://schemas.microsoft.com/office/drawing/2010/main" val="0"/>
+              </a:ext>
+            </a:extLst>
+          </a:blip>
+          <a:stretch>
+            <a:fillRect/>
+          </a:stretch>
+        </p:blipFill>
+        <p:spPr>
+          <a:xfrm>
+            <a:off x="7251432" y="3284984"/>
+            <a:ext cx="2171888" cy="2453853"/>
+          </a:xfrm>
+          <a:prstGeom prst="rect">
+            <a:avLst/>
+          </a:prstGeom>
+          <a:ln>
+            <a:solidFill>
+              <a:schemeClr val="bg1">
+                <a:lumMod val="85000"/>
+              </a:schemeClr>
+            </a:solidFill>
+          </a:ln>
+        </p:spPr>
+      </p:pic>
     </p:spTree>
     <p:extLst>
       <p:ext uri="{BB962C8B-B14F-4D97-AF65-F5344CB8AC3E}">
-        <p14:creationId xmlns:p14="http://schemas.microsoft.com/office/powerpoint/2010/main" val="980002226"/>
+        <p14:creationId xmlns:p14="http://schemas.microsoft.com/office/powerpoint/2010/main" val="3224662542"/>
       </p:ext>
     </p:extLst>
   </p:cSld>
@@ -14434,7 +14421,7 @@
       </p:sp>
       <p:pic>
         <p:nvPicPr>
-          <p:cNvPr id="4" name="그림 3"/>
+          <p:cNvPr id="3" name="그림 2"/>
           <p:cNvPicPr>
             <a:picLocks noChangeAspect="1"/>
           </p:cNvPicPr>
@@ -14454,8 +14441,8 @@
         </p:blipFill>
         <p:spPr>
           <a:xfrm>
-            <a:off x="488504" y="1484784"/>
-            <a:ext cx="9160034" cy="3924640"/>
+            <a:off x="848544" y="1124744"/>
+            <a:ext cx="8458933" cy="5121084"/>
           </a:xfrm>
           <a:prstGeom prst="rect">
             <a:avLst/>
@@ -14469,10 +14456,67 @@
           </a:ln>
         </p:spPr>
       </p:pic>
+      <p:sp>
+        <p:nvSpPr>
+          <p:cNvPr id="5" name="모서리가 둥근 직사각형 4">
+            <a:extLst>
+              <a:ext uri="{FF2B5EF4-FFF2-40B4-BE49-F238E27FC236}">
+                <a16:creationId xmlns:a16="http://schemas.microsoft.com/office/drawing/2014/main" id="{792DA8B4-17B2-454B-97AC-17311A4832C5}"/>
+              </a:ext>
+            </a:extLst>
+          </p:cNvPr>
+          <p:cNvSpPr/>
+          <p:nvPr/>
+        </p:nvSpPr>
+        <p:spPr>
+          <a:xfrm>
+            <a:off x="6537176" y="1340768"/>
+            <a:ext cx="3131386" cy="316149"/>
+          </a:xfrm>
+          <a:prstGeom prst="roundRect">
+            <a:avLst/>
+          </a:prstGeom>
+          <a:noFill/>
+          <a:ln w="12700">
+            <a:solidFill>
+              <a:schemeClr val="tx1"/>
+            </a:solidFill>
+          </a:ln>
+        </p:spPr>
+        <p:style>
+          <a:lnRef idx="2">
+            <a:schemeClr val="accent2"/>
+          </a:lnRef>
+          <a:fillRef idx="1">
+            <a:schemeClr val="lt1"/>
+          </a:fillRef>
+          <a:effectRef idx="0">
+            <a:schemeClr val="accent2"/>
+          </a:effectRef>
+          <a:fontRef idx="minor">
+            <a:schemeClr val="dk1"/>
+          </a:fontRef>
+        </p:style>
+        <p:txBody>
+          <a:bodyPr rtlCol="0" anchor="ctr"/>
+          <a:lstStyle/>
+          <a:p>
+            <a:pPr algn="ctr"/>
+            <a:r>
+              <a:rPr lang="en-US" altLang="ko-KR" sz="1600" dirty="0" smtClean="0">
+                <a:solidFill>
+                  <a:sysClr val="windowText" lastClr="000000"/>
+                </a:solidFill>
+              </a:rPr>
+              <a:t>servlet.CalcServlet.java</a:t>
+            </a:r>
+          </a:p>
+        </p:txBody>
+      </p:sp>
     </p:spTree>
     <p:extLst>
       <p:ext uri="{BB962C8B-B14F-4D97-AF65-F5344CB8AC3E}">
-        <p14:creationId xmlns:p14="http://schemas.microsoft.com/office/powerpoint/2010/main" val="4286007262"/>
+        <p14:creationId xmlns:p14="http://schemas.microsoft.com/office/powerpoint/2010/main" val="980002226"/>
       </p:ext>
     </p:extLst>
   </p:cSld>
@@ -14506,43 +14550,6 @@
           <a:chExt cx="0" cy="0"/>
         </a:xfrm>
       </p:grpSpPr>
-      <p:pic>
-        <p:nvPicPr>
-          <p:cNvPr id="6" name="그림 5"/>
-          <p:cNvPicPr>
-            <a:picLocks noChangeAspect="1"/>
-          </p:cNvPicPr>
-          <p:nvPr/>
-        </p:nvPicPr>
-        <p:blipFill>
-          <a:blip r:embed="rId3">
-            <a:extLst>
-              <a:ext uri="{28A0092B-C50C-407E-A947-70E740481C1C}">
-                <a14:useLocalDpi xmlns:a14="http://schemas.microsoft.com/office/drawing/2010/main" val="0"/>
-              </a:ext>
-            </a:extLst>
-          </a:blip>
-          <a:stretch>
-            <a:fillRect/>
-          </a:stretch>
-        </p:blipFill>
-        <p:spPr>
-          <a:xfrm>
-            <a:off x="1368237" y="1844824"/>
-            <a:ext cx="5601235" cy="2389860"/>
-          </a:xfrm>
-          <a:prstGeom prst="rect">
-            <a:avLst/>
-          </a:prstGeom>
-          <a:ln>
-            <a:solidFill>
-              <a:schemeClr val="bg1">
-                <a:lumMod val="85000"/>
-              </a:schemeClr>
-            </a:solidFill>
-          </a:ln>
-        </p:spPr>
-      </p:pic>
       <p:sp>
         <p:nvSpPr>
           <p:cNvPr id="15" name="제목 5"/>
@@ -14583,213 +14590,21 @@
               <a:rPr lang="en-US" altLang="ko-KR" dirty="0" smtClean="0"/>
               <a:t> </a:t>
             </a:r>
+            <a:r>
+              <a:rPr lang="ko-KR" altLang="en-US" dirty="0"/>
+              <a:t> </a:t>
+            </a:r>
+            <a:r>
+              <a:rPr lang="ko-KR" altLang="en-US" b="1" dirty="0" smtClean="0">
+                <a:latin typeface="휴먼엑스포" panose="02030504000101010101" pitchFamily="18" charset="-127"/>
+                <a:ea typeface="휴먼엑스포" panose="02030504000101010101" pitchFamily="18" charset="-127"/>
+              </a:rPr>
+              <a:t>간단한 계산기</a:t>
+            </a:r>
             <a:endParaRPr lang="ko-KR" altLang="en-US" dirty="0"/>
           </a:p>
         </p:txBody>
       </p:sp>
-      <p:sp>
-        <p:nvSpPr>
-          <p:cNvPr id="4" name="TextBox 3"/>
-          <p:cNvSpPr txBox="1"/>
-          <p:nvPr/>
-        </p:nvSpPr>
-        <p:spPr>
-          <a:xfrm>
-            <a:off x="776536" y="980728"/>
-            <a:ext cx="8496944" cy="494494"/>
-          </a:xfrm>
-          <a:prstGeom prst="rect">
-            <a:avLst/>
-          </a:prstGeom>
-          <a:noFill/>
-        </p:spPr>
-        <p:txBody>
-          <a:bodyPr wrap="square" rtlCol="0">
-            <a:spAutoFit/>
-          </a:bodyPr>
-          <a:lstStyle/>
-          <a:p>
-            <a:pPr>
-              <a:lnSpc>
-                <a:spcPct val="150000"/>
-              </a:lnSpc>
-            </a:pPr>
-            <a:r>
-              <a:rPr lang="en-US" altLang="ko-KR" sz="2000" b="1" dirty="0" smtClean="0"/>
-              <a:t>GET</a:t>
-            </a:r>
-            <a:r>
-              <a:rPr lang="ko-KR" altLang="en-US" sz="2000" b="1" dirty="0" smtClean="0"/>
-              <a:t>방식과 </a:t>
-            </a:r>
-            <a:r>
-              <a:rPr lang="en-US" altLang="ko-KR" sz="2000" b="1" dirty="0" smtClean="0"/>
-              <a:t>POST </a:t>
-            </a:r>
-            <a:r>
-              <a:rPr lang="ko-KR" altLang="en-US" sz="2000" b="1" dirty="0" smtClean="0"/>
-              <a:t>방식 요청 동시에 처리하기</a:t>
-            </a:r>
-            <a:endParaRPr lang="en-US" altLang="ko-KR" sz="2000" b="1" dirty="0" smtClean="0"/>
-          </a:p>
-        </p:txBody>
-      </p:sp>
-      <p:sp>
-        <p:nvSpPr>
-          <p:cNvPr id="14" name="모서리가 둥근 직사각형 13">
-            <a:extLst>
-              <a:ext uri="{FF2B5EF4-FFF2-40B4-BE49-F238E27FC236}">
-                <a16:creationId xmlns:a16="http://schemas.microsoft.com/office/drawing/2014/main" id="{792DA8B4-17B2-454B-97AC-17311A4832C5}"/>
-              </a:ext>
-            </a:extLst>
-          </p:cNvPr>
-          <p:cNvSpPr/>
-          <p:nvPr/>
-        </p:nvSpPr>
-        <p:spPr>
-          <a:xfrm>
-            <a:off x="5758712" y="1982908"/>
-            <a:ext cx="1622568" cy="299896"/>
-          </a:xfrm>
-          <a:prstGeom prst="roundRect">
-            <a:avLst/>
-          </a:prstGeom>
-          <a:noFill/>
-        </p:spPr>
-        <p:style>
-          <a:lnRef idx="2">
-            <a:schemeClr val="accent2"/>
-          </a:lnRef>
-          <a:fillRef idx="1">
-            <a:schemeClr val="lt1"/>
-          </a:fillRef>
-          <a:effectRef idx="0">
-            <a:schemeClr val="accent2"/>
-          </a:effectRef>
-          <a:fontRef idx="minor">
-            <a:schemeClr val="dk1"/>
-          </a:fontRef>
-        </p:style>
-        <p:txBody>
-          <a:bodyPr rtlCol="0" anchor="ctr"/>
-          <a:lstStyle/>
-          <a:p>
-            <a:r>
-              <a:rPr lang="en-US" altLang="ko-KR" sz="1600" dirty="0" smtClean="0">
-                <a:solidFill>
-                  <a:sysClr val="windowText" lastClr="000000"/>
-                </a:solidFill>
-              </a:rPr>
-              <a:t>get</a:t>
-            </a:r>
-            <a:r>
-              <a:rPr lang="ko-KR" altLang="en-US" sz="1600" dirty="0" smtClean="0">
-                <a:solidFill>
-                  <a:sysClr val="windowText" lastClr="000000"/>
-                </a:solidFill>
-              </a:rPr>
-              <a:t>으로 바꿈</a:t>
-            </a:r>
-            <a:endParaRPr lang="en-US" altLang="ko-KR" sz="1600" dirty="0" smtClean="0">
-              <a:solidFill>
-                <a:sysClr val="windowText" lastClr="000000"/>
-              </a:solidFill>
-            </a:endParaRPr>
-          </a:p>
-        </p:txBody>
-      </p:sp>
-      <p:sp>
-        <p:nvSpPr>
-          <p:cNvPr id="16" name="모서리가 둥근 직사각형 15">
-            <a:extLst>
-              <a:ext uri="{FF2B5EF4-FFF2-40B4-BE49-F238E27FC236}">
-                <a16:creationId xmlns:a16="http://schemas.microsoft.com/office/drawing/2014/main" id="{792DA8B4-17B2-454B-97AC-17311A4832C5}"/>
-              </a:ext>
-            </a:extLst>
-          </p:cNvPr>
-          <p:cNvSpPr/>
-          <p:nvPr/>
-        </p:nvSpPr>
-        <p:spPr>
-          <a:xfrm>
-            <a:off x="3550973" y="1694106"/>
-            <a:ext cx="1540230" cy="438750"/>
-          </a:xfrm>
-          <a:prstGeom prst="roundRect">
-            <a:avLst/>
-          </a:prstGeom>
-          <a:noFill/>
-          <a:ln>
-            <a:prstDash val="sysDash"/>
-          </a:ln>
-        </p:spPr>
-        <p:style>
-          <a:lnRef idx="2">
-            <a:schemeClr val="accent2"/>
-          </a:lnRef>
-          <a:fillRef idx="1">
-            <a:schemeClr val="lt1"/>
-          </a:fillRef>
-          <a:effectRef idx="0">
-            <a:schemeClr val="accent2"/>
-          </a:effectRef>
-          <a:fontRef idx="minor">
-            <a:schemeClr val="dk1"/>
-          </a:fontRef>
-        </p:style>
-        <p:txBody>
-          <a:bodyPr rtlCol="0" anchor="ctr"/>
-          <a:lstStyle/>
-          <a:p>
-            <a:pPr algn="ctr"/>
-            <a:endParaRPr lang="ko-KR" altLang="en-US" sz="1300" dirty="0">
-              <a:solidFill>
-                <a:sysClr val="windowText" lastClr="000000"/>
-              </a:solidFill>
-            </a:endParaRPr>
-          </a:p>
-        </p:txBody>
-      </p:sp>
-      <p:cxnSp>
-        <p:nvCxnSpPr>
-          <p:cNvPr id="17" name="직선 화살표 연결선 16"/>
-          <p:cNvCxnSpPr>
-            <a:stCxn id="14" idx="1"/>
-          </p:cNvCxnSpPr>
-          <p:nvPr/>
-        </p:nvCxnSpPr>
-        <p:spPr>
-          <a:xfrm flipH="1" flipV="1">
-            <a:off x="5181852" y="1982908"/>
-            <a:ext cx="576860" cy="149948"/>
-          </a:xfrm>
-          <a:prstGeom prst="straightConnector1">
-            <a:avLst/>
-          </a:prstGeom>
-          <a:ln w="9525">
-            <a:solidFill>
-              <a:srgbClr val="C00000"/>
-            </a:solidFill>
-            <a:prstDash val="solid"/>
-            <a:headEnd type="none" w="med" len="med"/>
-            <a:tailEnd type="triangle" w="med" len="med"/>
-          </a:ln>
-        </p:spPr>
-        <p:style>
-          <a:lnRef idx="1">
-            <a:schemeClr val="accent1"/>
-          </a:lnRef>
-          <a:fillRef idx="0">
-            <a:schemeClr val="accent1"/>
-          </a:fillRef>
-          <a:effectRef idx="0">
-            <a:schemeClr val="accent1"/>
-          </a:effectRef>
-          <a:fontRef idx="minor">
-            <a:schemeClr val="tx1"/>
-          </a:fontRef>
-        </p:style>
-      </p:cxnSp>
       <p:pic>
         <p:nvPicPr>
           <p:cNvPr id="2" name="그림 1"/>
@@ -14799,7 +14614,7 @@
           <p:nvPr/>
         </p:nvPicPr>
         <p:blipFill>
-          <a:blip r:embed="rId4">
+          <a:blip r:embed="rId2">
             <a:extLst>
               <a:ext uri="{28A0092B-C50C-407E-A947-70E740481C1C}">
                 <a14:useLocalDpi xmlns:a14="http://schemas.microsoft.com/office/drawing/2010/main" val="0"/>
@@ -14812,102 +14627,8 @@
         </p:blipFill>
         <p:spPr>
           <a:xfrm>
-            <a:off x="5937950" y="4383277"/>
-            <a:ext cx="2471433" cy="1393613"/>
-          </a:xfrm>
-          <a:prstGeom prst="rect">
-            <a:avLst/>
-          </a:prstGeom>
-          <a:ln>
-            <a:solidFill>
-              <a:schemeClr val="accent5">
-                <a:lumMod val="20000"/>
-                <a:lumOff val="80000"/>
-              </a:schemeClr>
-            </a:solidFill>
-          </a:ln>
-        </p:spPr>
-      </p:pic>
-      <p:sp>
-        <p:nvSpPr>
-          <p:cNvPr id="9" name="제목 5"/>
-          <p:cNvSpPr txBox="1">
-            <a:spLocks/>
-          </p:cNvSpPr>
-          <p:nvPr/>
-        </p:nvSpPr>
-        <p:spPr>
-          <a:xfrm>
-            <a:off x="152400" y="-27384"/>
-            <a:ext cx="8337376" cy="854968"/>
-          </a:xfrm>
-          <a:prstGeom prst="rect">
-            <a:avLst/>
-          </a:prstGeom>
-        </p:spPr>
-        <p:txBody>
-          <a:bodyPr anchor="ctr" anchorCtr="0"/>
-          <a:lstStyle>
-            <a:lvl1pPr algn="l" defTabSz="914400" rtl="0" eaLnBrk="1" latinLnBrk="1" hangingPunct="1">
-              <a:spcBef>
-                <a:spcPct val="0"/>
-              </a:spcBef>
-              <a:buNone/>
-              <a:defRPr sz="3200" kern="1200">
-                <a:solidFill>
-                  <a:schemeClr val="bg1"/>
-                </a:solidFill>
-                <a:latin typeface="HY헤드라인M" panose="02030600000101010101" pitchFamily="18" charset="-127"/>
-                <a:ea typeface="HY헤드라인M" panose="02030600000101010101" pitchFamily="18" charset="-127"/>
-                <a:cs typeface="+mj-cs"/>
-              </a:defRPr>
-            </a:lvl1pPr>
-          </a:lstStyle>
-          <a:p>
-            <a:r>
-              <a:rPr lang="en-US" altLang="ko-KR" dirty="0" smtClean="0"/>
-              <a:t> GET</a:t>
-            </a:r>
-            <a:r>
-              <a:rPr lang="ko-KR" altLang="en-US" dirty="0" smtClean="0"/>
-              <a:t>방식과 </a:t>
-            </a:r>
-            <a:r>
-              <a:rPr lang="en-US" altLang="ko-KR" dirty="0" smtClean="0"/>
-              <a:t>POST </a:t>
-            </a:r>
-            <a:r>
-              <a:rPr lang="ko-KR" altLang="en-US" dirty="0" smtClean="0"/>
-              <a:t>방식으로 동시 처리</a:t>
-            </a:r>
-            <a:endParaRPr lang="ko-KR" altLang="en-US" dirty="0"/>
-          </a:p>
-        </p:txBody>
-      </p:sp>
-      <p:pic>
-        <p:nvPicPr>
-          <p:cNvPr id="3" name="그림 2"/>
-          <p:cNvPicPr>
-            <a:picLocks noChangeAspect="1"/>
-          </p:cNvPicPr>
-          <p:nvPr/>
-        </p:nvPicPr>
-        <p:blipFill>
-          <a:blip r:embed="rId5">
-            <a:extLst>
-              <a:ext uri="{28A0092B-C50C-407E-A947-70E740481C1C}">
-                <a14:useLocalDpi xmlns:a14="http://schemas.microsoft.com/office/drawing/2010/main" val="0"/>
-              </a:ext>
-            </a:extLst>
-          </a:blip>
-          <a:stretch>
-            <a:fillRect/>
-          </a:stretch>
-        </p:blipFill>
-        <p:spPr>
-          <a:xfrm>
-            <a:off x="1367989" y="4383277"/>
-            <a:ext cx="3833854" cy="1700397"/>
+            <a:off x="560512" y="1484784"/>
+            <a:ext cx="9007621" cy="3436918"/>
           </a:xfrm>
           <a:prstGeom prst="rect">
             <a:avLst/>
@@ -14924,7 +14645,7 @@
     </p:spTree>
     <p:extLst>
       <p:ext uri="{BB962C8B-B14F-4D97-AF65-F5344CB8AC3E}">
-        <p14:creationId xmlns:p14="http://schemas.microsoft.com/office/powerpoint/2010/main" val="1498656667"/>
+        <p14:creationId xmlns:p14="http://schemas.microsoft.com/office/powerpoint/2010/main" val="4286007262"/>
       </p:ext>
     </p:extLst>
   </p:cSld>
@@ -14958,6 +14679,43 @@
           <a:chExt cx="0" cy="0"/>
         </a:xfrm>
       </p:grpSpPr>
+      <p:pic>
+        <p:nvPicPr>
+          <p:cNvPr id="5" name="그림 4"/>
+          <p:cNvPicPr>
+            <a:picLocks noChangeAspect="1"/>
+          </p:cNvPicPr>
+          <p:nvPr/>
+        </p:nvPicPr>
+        <p:blipFill>
+          <a:blip r:embed="rId3">
+            <a:extLst>
+              <a:ext uri="{28A0092B-C50C-407E-A947-70E740481C1C}">
+                <a14:useLocalDpi xmlns:a14="http://schemas.microsoft.com/office/drawing/2010/main" val="0"/>
+              </a:ext>
+            </a:extLst>
+          </a:blip>
+          <a:stretch>
+            <a:fillRect/>
+          </a:stretch>
+        </p:blipFill>
+        <p:spPr>
+          <a:xfrm>
+            <a:off x="1547181" y="1809077"/>
+            <a:ext cx="5243014" cy="3132091"/>
+          </a:xfrm>
+          <a:prstGeom prst="rect">
+            <a:avLst/>
+          </a:prstGeom>
+          <a:ln>
+            <a:solidFill>
+              <a:schemeClr val="bg1">
+                <a:lumMod val="85000"/>
+              </a:schemeClr>
+            </a:solidFill>
+          </a:ln>
+        </p:spPr>
+      </p:pic>
       <p:sp>
         <p:nvSpPr>
           <p:cNvPr id="15" name="제목 5"/>
@@ -15011,7 +14769,7 @@
         <p:spPr>
           <a:xfrm>
             <a:off x="776536" y="980728"/>
-            <a:ext cx="8496944" cy="1015663"/>
+            <a:ext cx="8496944" cy="494494"/>
           </a:xfrm>
           <a:prstGeom prst="rect">
             <a:avLst/>
@@ -15047,69 +14805,11 @@
             </a:r>
             <a:endParaRPr lang="en-US" altLang="ko-KR" sz="2000" b="1" dirty="0" smtClean="0"/>
           </a:p>
-          <a:p>
-            <a:pPr>
-              <a:lnSpc>
-                <a:spcPct val="150000"/>
-              </a:lnSpc>
-            </a:pPr>
-            <a:r>
-              <a:rPr lang="en-US" altLang="ko-KR" sz="2000" b="1" dirty="0"/>
-              <a:t>- </a:t>
-            </a:r>
-            <a:r>
-              <a:rPr lang="ko-KR" altLang="en-US" sz="2000" b="1" dirty="0"/>
-              <a:t>방법 </a:t>
-            </a:r>
-            <a:r>
-              <a:rPr lang="en-US" altLang="ko-KR" sz="2000" b="1" dirty="0" smtClean="0"/>
-              <a:t>1</a:t>
-            </a:r>
-            <a:endParaRPr lang="en-US" altLang="ko-KR" sz="2000" b="1" dirty="0"/>
-          </a:p>
-        </p:txBody>
-      </p:sp>
-      <p:pic>
-        <p:nvPicPr>
-          <p:cNvPr id="3" name="그림 2"/>
-          <p:cNvPicPr>
-            <a:picLocks noChangeAspect="1"/>
-          </p:cNvPicPr>
-          <p:nvPr/>
-        </p:nvPicPr>
-        <p:blipFill>
-          <a:blip r:embed="rId3">
-            <a:extLst>
-              <a:ext uri="{28A0092B-C50C-407E-A947-70E740481C1C}">
-                <a14:useLocalDpi xmlns:a14="http://schemas.microsoft.com/office/drawing/2010/main" val="0"/>
-              </a:ext>
-            </a:extLst>
-          </a:blip>
-          <a:stretch>
-            <a:fillRect/>
-          </a:stretch>
-        </p:blipFill>
-        <p:spPr>
-          <a:xfrm>
-            <a:off x="938229" y="1941965"/>
-            <a:ext cx="7888336" cy="4320582"/>
-          </a:xfrm>
-          <a:prstGeom prst="rect">
-            <a:avLst/>
-          </a:prstGeom>
-          <a:ln>
-            <a:solidFill>
-              <a:schemeClr val="accent5">
-                <a:lumMod val="20000"/>
-                <a:lumOff val="80000"/>
-              </a:schemeClr>
-            </a:solidFill>
-          </a:ln>
-        </p:spPr>
-      </p:pic>
-      <p:sp>
-        <p:nvSpPr>
-          <p:cNvPr id="13" name="모서리가 둥근 직사각형 12">
+        </p:txBody>
+      </p:sp>
+      <p:sp>
+        <p:nvSpPr>
+          <p:cNvPr id="14" name="모서리가 둥근 직사각형 13">
             <a:extLst>
               <a:ext uri="{FF2B5EF4-FFF2-40B4-BE49-F238E27FC236}">
                 <a16:creationId xmlns:a16="http://schemas.microsoft.com/office/drawing/2014/main" id="{792DA8B4-17B2-454B-97AC-17311A4832C5}"/>
@@ -15121,16 +14821,13 @@
         </p:nvSpPr>
         <p:spPr>
           <a:xfrm>
-            <a:off x="704528" y="4293096"/>
-            <a:ext cx="8784976" cy="2088232"/>
+            <a:off x="7041232" y="2144705"/>
+            <a:ext cx="1622568" cy="299896"/>
           </a:xfrm>
           <a:prstGeom prst="roundRect">
             <a:avLst/>
           </a:prstGeom>
           <a:noFill/>
-          <a:ln>
-            <a:prstDash val="sysDash"/>
-          </a:ln>
         </p:spPr>
         <p:style>
           <a:lnRef idx="2">
@@ -15150,6 +14847,73 @@
           <a:bodyPr rtlCol="0" anchor="ctr"/>
           <a:lstStyle/>
           <a:p>
+            <a:r>
+              <a:rPr lang="en-US" altLang="ko-KR" sz="1600" dirty="0" smtClean="0">
+                <a:solidFill>
+                  <a:sysClr val="windowText" lastClr="000000"/>
+                </a:solidFill>
+              </a:rPr>
+              <a:t>get</a:t>
+            </a:r>
+            <a:r>
+              <a:rPr lang="ko-KR" altLang="en-US" sz="1600" dirty="0" smtClean="0">
+                <a:solidFill>
+                  <a:sysClr val="windowText" lastClr="000000"/>
+                </a:solidFill>
+              </a:rPr>
+              <a:t>으로 바꿈</a:t>
+            </a:r>
+            <a:endParaRPr lang="en-US" altLang="ko-KR" sz="1600" dirty="0" smtClean="0">
+              <a:solidFill>
+                <a:sysClr val="windowText" lastClr="000000"/>
+              </a:solidFill>
+            </a:endParaRPr>
+          </a:p>
+        </p:txBody>
+      </p:sp>
+      <p:sp>
+        <p:nvSpPr>
+          <p:cNvPr id="16" name="모서리가 둥근 직사각형 15">
+            <a:extLst>
+              <a:ext uri="{FF2B5EF4-FFF2-40B4-BE49-F238E27FC236}">
+                <a16:creationId xmlns:a16="http://schemas.microsoft.com/office/drawing/2014/main" id="{792DA8B4-17B2-454B-97AC-17311A4832C5}"/>
+              </a:ext>
+            </a:extLst>
+          </p:cNvPr>
+          <p:cNvSpPr/>
+          <p:nvPr/>
+        </p:nvSpPr>
+        <p:spPr>
+          <a:xfrm>
+            <a:off x="4886084" y="1686648"/>
+            <a:ext cx="1723099" cy="438750"/>
+          </a:xfrm>
+          <a:prstGeom prst="roundRect">
+            <a:avLst/>
+          </a:prstGeom>
+          <a:noFill/>
+          <a:ln>
+            <a:prstDash val="sysDash"/>
+          </a:ln>
+        </p:spPr>
+        <p:style>
+          <a:lnRef idx="2">
+            <a:schemeClr val="accent2"/>
+          </a:lnRef>
+          <a:fillRef idx="1">
+            <a:schemeClr val="lt1"/>
+          </a:fillRef>
+          <a:effectRef idx="0">
+            <a:schemeClr val="accent2"/>
+          </a:effectRef>
+          <a:fontRef idx="minor">
+            <a:schemeClr val="dk1"/>
+          </a:fontRef>
+        </p:style>
+        <p:txBody>
+          <a:bodyPr rtlCol="0" anchor="ctr"/>
+          <a:lstStyle/>
+          <a:p>
             <a:pPr algn="ctr"/>
             <a:endParaRPr lang="ko-KR" altLang="en-US" sz="1300" dirty="0">
               <a:solidFill>
@@ -15159,9 +14923,49 @@
           </a:p>
         </p:txBody>
       </p:sp>
-      <p:sp>
-        <p:nvSpPr>
-          <p:cNvPr id="7" name="제목 5"/>
+      <p:cxnSp>
+        <p:nvCxnSpPr>
+          <p:cNvPr id="17" name="직선 화살표 연결선 16"/>
+          <p:cNvCxnSpPr>
+            <a:stCxn id="14" idx="1"/>
+          </p:cNvCxnSpPr>
+          <p:nvPr/>
+        </p:nvCxnSpPr>
+        <p:spPr>
+          <a:xfrm flipH="1" flipV="1">
+            <a:off x="6464372" y="2144705"/>
+            <a:ext cx="576860" cy="149948"/>
+          </a:xfrm>
+          <a:prstGeom prst="straightConnector1">
+            <a:avLst/>
+          </a:prstGeom>
+          <a:ln w="9525">
+            <a:solidFill>
+              <a:srgbClr val="C00000"/>
+            </a:solidFill>
+            <a:prstDash val="solid"/>
+            <a:headEnd type="none" w="med" len="med"/>
+            <a:tailEnd type="triangle" w="med" len="med"/>
+          </a:ln>
+        </p:spPr>
+        <p:style>
+          <a:lnRef idx="1">
+            <a:schemeClr val="accent1"/>
+          </a:lnRef>
+          <a:fillRef idx="0">
+            <a:schemeClr val="accent1"/>
+          </a:fillRef>
+          <a:effectRef idx="0">
+            <a:schemeClr val="accent1"/>
+          </a:effectRef>
+          <a:fontRef idx="minor">
+            <a:schemeClr val="tx1"/>
+          </a:fontRef>
+        </p:style>
+      </p:cxnSp>
+      <p:sp>
+        <p:nvSpPr>
+          <p:cNvPr id="9" name="제목 5"/>
           <p:cNvSpPr txBox="1">
             <a:spLocks/>
           </p:cNvSpPr>
@@ -15215,10 +15019,47 @@
           </a:p>
         </p:txBody>
       </p:sp>
+      <p:pic>
+        <p:nvPicPr>
+          <p:cNvPr id="3" name="그림 2"/>
+          <p:cNvPicPr>
+            <a:picLocks noChangeAspect="1"/>
+          </p:cNvPicPr>
+          <p:nvPr/>
+        </p:nvPicPr>
+        <p:blipFill>
+          <a:blip r:embed="rId4">
+            <a:extLst>
+              <a:ext uri="{28A0092B-C50C-407E-A947-70E740481C1C}">
+                <a14:useLocalDpi xmlns:a14="http://schemas.microsoft.com/office/drawing/2010/main" val="0"/>
+              </a:ext>
+            </a:extLst>
+          </a:blip>
+          <a:stretch>
+            <a:fillRect/>
+          </a:stretch>
+        </p:blipFill>
+        <p:spPr>
+          <a:xfrm>
+            <a:off x="5211484" y="4725144"/>
+            <a:ext cx="3833854" cy="1700397"/>
+          </a:xfrm>
+          <a:prstGeom prst="rect">
+            <a:avLst/>
+          </a:prstGeom>
+          <a:ln>
+            <a:solidFill>
+              <a:schemeClr val="bg1">
+                <a:lumMod val="85000"/>
+              </a:schemeClr>
+            </a:solidFill>
+          </a:ln>
+        </p:spPr>
+      </p:pic>
     </p:spTree>
     <p:extLst>
       <p:ext uri="{BB962C8B-B14F-4D97-AF65-F5344CB8AC3E}">
-        <p14:creationId xmlns:p14="http://schemas.microsoft.com/office/powerpoint/2010/main" val="1026214474"/>
+        <p14:creationId xmlns:p14="http://schemas.microsoft.com/office/powerpoint/2010/main" val="1498656667"/>
       </p:ext>
     </p:extLst>
   </p:cSld>
@@ -15252,6 +15093,43 @@
           <a:chExt cx="0" cy="0"/>
         </a:xfrm>
       </p:grpSpPr>
+      <p:pic>
+        <p:nvPicPr>
+          <p:cNvPr id="3" name="그림 2"/>
+          <p:cNvPicPr>
+            <a:picLocks noChangeAspect="1"/>
+          </p:cNvPicPr>
+          <p:nvPr/>
+        </p:nvPicPr>
+        <p:blipFill>
+          <a:blip r:embed="rId3">
+            <a:extLst>
+              <a:ext uri="{28A0092B-C50C-407E-A947-70E740481C1C}">
+                <a14:useLocalDpi xmlns:a14="http://schemas.microsoft.com/office/drawing/2010/main" val="0"/>
+              </a:ext>
+            </a:extLst>
+          </a:blip>
+          <a:stretch>
+            <a:fillRect/>
+          </a:stretch>
+        </p:blipFill>
+        <p:spPr>
+          <a:xfrm>
+            <a:off x="1169910" y="1950224"/>
+            <a:ext cx="7954831" cy="4463344"/>
+          </a:xfrm>
+          <a:prstGeom prst="rect">
+            <a:avLst/>
+          </a:prstGeom>
+          <a:ln>
+            <a:solidFill>
+              <a:schemeClr val="bg1">
+                <a:lumMod val="85000"/>
+              </a:schemeClr>
+            </a:solidFill>
+          </a:ln>
+        </p:spPr>
+      </p:pic>
       <p:sp>
         <p:nvSpPr>
           <p:cNvPr id="15" name="제목 5"/>
@@ -15337,7 +15215,11 @@
             </a:r>
             <a:r>
               <a:rPr lang="ko-KR" altLang="en-US" sz="2000" b="1" dirty="0" smtClean="0"/>
-              <a:t>방식 요청 동시에 처리하기 </a:t>
+              <a:t>방식 요청 동시에 </a:t>
+            </a:r>
+            <a:r>
+              <a:rPr lang="ko-KR" altLang="en-US" sz="2000" b="1" dirty="0" smtClean="0"/>
+              <a:t>처리하기 </a:t>
             </a:r>
             <a:r>
               <a:rPr lang="en-US" altLang="ko-KR" sz="2000" b="1" dirty="0" smtClean="0"/>
@@ -15347,7 +15229,6 @@
               <a:rPr lang="ko-KR" altLang="en-US" sz="2000" b="1" dirty="0" smtClean="0"/>
               <a:t>간단</a:t>
             </a:r>
-            <a:endParaRPr lang="en-US" altLang="ko-KR" sz="2000" b="1" dirty="0" smtClean="0"/>
           </a:p>
           <a:p>
             <a:pPr>
@@ -15364,51 +15245,13 @@
               <a:t>방법 </a:t>
             </a:r>
             <a:r>
-              <a:rPr lang="en-US" altLang="ko-KR" b="1" dirty="0"/>
-              <a:t>2</a:t>
+              <a:rPr lang="en-US" altLang="ko-KR" b="1" dirty="0" smtClean="0"/>
+              <a:t>1</a:t>
             </a:r>
             <a:endParaRPr lang="en-US" altLang="ko-KR" b="1" dirty="0" smtClean="0"/>
           </a:p>
         </p:txBody>
       </p:sp>
-      <p:pic>
-        <p:nvPicPr>
-          <p:cNvPr id="2" name="그림 1"/>
-          <p:cNvPicPr>
-            <a:picLocks noChangeAspect="1"/>
-          </p:cNvPicPr>
-          <p:nvPr/>
-        </p:nvPicPr>
-        <p:blipFill>
-          <a:blip r:embed="rId3">
-            <a:extLst>
-              <a:ext uri="{28A0092B-C50C-407E-A947-70E740481C1C}">
-                <a14:useLocalDpi xmlns:a14="http://schemas.microsoft.com/office/drawing/2010/main" val="0"/>
-              </a:ext>
-            </a:extLst>
-          </a:blip>
-          <a:stretch>
-            <a:fillRect/>
-          </a:stretch>
-        </p:blipFill>
-        <p:spPr>
-          <a:xfrm>
-            <a:off x="1313047" y="2060848"/>
-            <a:ext cx="7423922" cy="3934501"/>
-          </a:xfrm>
-          <a:prstGeom prst="rect">
-            <a:avLst/>
-          </a:prstGeom>
-          <a:ln>
-            <a:solidFill>
-              <a:schemeClr val="accent5">
-                <a:lumMod val="20000"/>
-                <a:lumOff val="80000"/>
-              </a:schemeClr>
-            </a:solidFill>
-          </a:ln>
-        </p:spPr>
-      </p:pic>
       <p:sp>
         <p:nvSpPr>
           <p:cNvPr id="13" name="모서리가 둥근 직사각형 12">
@@ -15423,8 +15266,8 @@
         </p:nvSpPr>
         <p:spPr>
           <a:xfrm>
-            <a:off x="1136576" y="3332689"/>
-            <a:ext cx="7776864" cy="653970"/>
+            <a:off x="1021170" y="2919720"/>
+            <a:ext cx="8252309" cy="869320"/>
           </a:xfrm>
           <a:prstGeom prst="roundRect">
             <a:avLst/>
@@ -15554,6 +15397,43 @@
           <a:chExt cx="0" cy="0"/>
         </a:xfrm>
       </p:grpSpPr>
+      <p:pic>
+        <p:nvPicPr>
+          <p:cNvPr id="2" name="그림 1"/>
+          <p:cNvPicPr>
+            <a:picLocks noChangeAspect="1"/>
+          </p:cNvPicPr>
+          <p:nvPr/>
+        </p:nvPicPr>
+        <p:blipFill>
+          <a:blip r:embed="rId3">
+            <a:extLst>
+              <a:ext uri="{28A0092B-C50C-407E-A947-70E740481C1C}">
+                <a14:useLocalDpi xmlns:a14="http://schemas.microsoft.com/office/drawing/2010/main" val="0"/>
+              </a:ext>
+            </a:extLst>
+          </a:blip>
+          <a:stretch>
+            <a:fillRect/>
+          </a:stretch>
+        </p:blipFill>
+        <p:spPr>
+          <a:xfrm>
+            <a:off x="813428" y="1996391"/>
+            <a:ext cx="8567175" cy="4423670"/>
+          </a:xfrm>
+          <a:prstGeom prst="rect">
+            <a:avLst/>
+          </a:prstGeom>
+          <a:ln>
+            <a:solidFill>
+              <a:schemeClr val="bg1">
+                <a:lumMod val="85000"/>
+              </a:schemeClr>
+            </a:solidFill>
+          </a:ln>
+        </p:spPr>
+      </p:pic>
       <p:sp>
         <p:nvSpPr>
           <p:cNvPr id="15" name="제목 5"/>
@@ -15565,7 +15445,7 @@
         <p:spPr>
           <a:xfrm>
             <a:off x="0" y="-27384"/>
-            <a:ext cx="7995338" cy="854968"/>
+            <a:ext cx="8337376" cy="854968"/>
           </a:xfrm>
           <a:prstGeom prst="rect">
             <a:avLst/>
@@ -15594,32 +15474,20 @@
               <a:rPr lang="en-US" altLang="ko-KR" dirty="0" smtClean="0"/>
               <a:t> </a:t>
             </a:r>
-            <a:r>
-              <a:rPr lang="ko-KR" altLang="en-US" dirty="0"/>
-              <a:t> </a:t>
-            </a:r>
-            <a:r>
-              <a:rPr lang="ko-KR" altLang="en-US" dirty="0" err="1" smtClean="0"/>
-              <a:t>서블릿</a:t>
-            </a:r>
-            <a:r>
-              <a:rPr lang="ko-KR" altLang="en-US" dirty="0" smtClean="0"/>
-              <a:t> 포워드 기능</a:t>
-            </a:r>
             <a:endParaRPr lang="ko-KR" altLang="en-US" dirty="0"/>
           </a:p>
         </p:txBody>
       </p:sp>
       <p:sp>
         <p:nvSpPr>
-          <p:cNvPr id="5" name="TextBox 4"/>
+          <p:cNvPr id="4" name="TextBox 3"/>
           <p:cNvSpPr txBox="1"/>
           <p:nvPr/>
         </p:nvSpPr>
         <p:spPr>
           <a:xfrm>
             <a:off x="776536" y="980728"/>
-            <a:ext cx="7272808" cy="969496"/>
+            <a:ext cx="8496944" cy="1015663"/>
           </a:xfrm>
           <a:prstGeom prst="rect">
             <a:avLst/>
@@ -15638,80 +15506,23 @@
               </a:lnSpc>
             </a:pPr>
             <a:r>
+              <a:rPr lang="en-US" altLang="ko-KR" sz="2000" b="1" dirty="0" smtClean="0"/>
+              <a:t>GET</a:t>
+            </a:r>
+            <a:r>
               <a:rPr lang="ko-KR" altLang="en-US" sz="2000" b="1" dirty="0" smtClean="0"/>
-              <a:t>포워드</a:t>
+              <a:t>방식과 </a:t>
             </a:r>
             <a:r>
               <a:rPr lang="en-US" altLang="ko-KR" sz="2000" b="1" dirty="0" smtClean="0"/>
-              <a:t>(forward) </a:t>
+              <a:t>POST </a:t>
             </a:r>
             <a:r>
               <a:rPr lang="ko-KR" altLang="en-US" sz="2000" b="1" dirty="0" smtClean="0"/>
-              <a:t>기능</a:t>
+              <a:t>방식 요청 동시에 처리하기</a:t>
             </a:r>
             <a:endParaRPr lang="en-US" altLang="ko-KR" sz="2000" b="1" dirty="0" smtClean="0"/>
           </a:p>
-          <a:p>
-            <a:pPr marL="285750" indent="-285750">
-              <a:lnSpc>
-                <a:spcPct val="150000"/>
-              </a:lnSpc>
-              <a:buFont typeface="Arial" panose="020B0604020202020204" pitchFamily="34" charset="0"/>
-              <a:buChar char="•"/>
-            </a:pPr>
-            <a:r>
-              <a:rPr lang="ko-KR" altLang="en-US" dirty="0" smtClean="0"/>
-              <a:t>하나의 </a:t>
-            </a:r>
-            <a:r>
-              <a:rPr lang="ko-KR" altLang="en-US" dirty="0" err="1" smtClean="0"/>
-              <a:t>서블릿에서</a:t>
-            </a:r>
-            <a:r>
-              <a:rPr lang="ko-KR" altLang="en-US" dirty="0" smtClean="0"/>
-              <a:t> 다른 </a:t>
-            </a:r>
-            <a:r>
-              <a:rPr lang="ko-KR" altLang="en-US" dirty="0" err="1" smtClean="0"/>
-              <a:t>서블릿이나</a:t>
-            </a:r>
-            <a:r>
-              <a:rPr lang="ko-KR" altLang="en-US" dirty="0" smtClean="0"/>
-              <a:t> </a:t>
-            </a:r>
-            <a:r>
-              <a:rPr lang="en-US" altLang="ko-KR" dirty="0" smtClean="0"/>
-              <a:t>JSP</a:t>
-            </a:r>
-            <a:r>
-              <a:rPr lang="ko-KR" altLang="en-US" dirty="0" smtClean="0"/>
-              <a:t>와 연동하는 방법</a:t>
-            </a:r>
-            <a:endParaRPr lang="en-US" altLang="ko-KR" dirty="0" smtClean="0"/>
-          </a:p>
-        </p:txBody>
-      </p:sp>
-      <p:sp>
-        <p:nvSpPr>
-          <p:cNvPr id="7" name="TextBox 6"/>
-          <p:cNvSpPr txBox="1"/>
-          <p:nvPr/>
-        </p:nvSpPr>
-        <p:spPr>
-          <a:xfrm>
-            <a:off x="776536" y="1988840"/>
-            <a:ext cx="7272808" cy="1384995"/>
-          </a:xfrm>
-          <a:prstGeom prst="rect">
-            <a:avLst/>
-          </a:prstGeom>
-          <a:noFill/>
-        </p:spPr>
-        <p:txBody>
-          <a:bodyPr wrap="square" rtlCol="0">
-            <a:spAutoFit/>
-          </a:bodyPr>
-          <a:lstStyle/>
           <a:p>
             <a:pPr>
               <a:lnSpc>
@@ -15719,341 +15530,55 @@
               </a:lnSpc>
             </a:pPr>
             <a:r>
-              <a:rPr lang="ko-KR" altLang="en-US" sz="2000" b="1" dirty="0" smtClean="0"/>
-              <a:t>포워드</a:t>
+              <a:rPr lang="en-US" altLang="ko-KR" sz="2000" b="1" dirty="0"/>
+              <a:t>- </a:t>
+            </a:r>
+            <a:r>
+              <a:rPr lang="ko-KR" altLang="en-US" sz="2000" b="1" dirty="0"/>
+              <a:t>방법 </a:t>
             </a:r>
             <a:r>
               <a:rPr lang="en-US" altLang="ko-KR" sz="2000" b="1" dirty="0" smtClean="0"/>
-              <a:t>(forward) </a:t>
-            </a:r>
-            <a:r>
-              <a:rPr lang="ko-KR" altLang="en-US" sz="2000" b="1" dirty="0" smtClean="0"/>
-              <a:t>기능이 사용되는 용도</a:t>
-            </a:r>
-            <a:endParaRPr lang="en-US" altLang="ko-KR" sz="2000" b="1" dirty="0" smtClean="0"/>
-          </a:p>
-          <a:p>
-            <a:pPr marL="285750" indent="-285750">
-              <a:lnSpc>
-                <a:spcPct val="150000"/>
-              </a:lnSpc>
-              <a:buFont typeface="Wingdings" panose="05000000000000000000" pitchFamily="2" charset="2"/>
-              <a:buChar char="§"/>
-            </a:pPr>
-            <a:r>
-              <a:rPr lang="ko-KR" altLang="en-US" dirty="0" smtClean="0"/>
-              <a:t>요청</a:t>
-            </a:r>
-            <a:r>
-              <a:rPr lang="en-US" altLang="ko-KR" dirty="0" smtClean="0"/>
-              <a:t>(request)</a:t>
-            </a:r>
-            <a:r>
-              <a:rPr lang="ko-KR" altLang="en-US" dirty="0" smtClean="0"/>
-              <a:t>에 대한 추가 작업을 다른 </a:t>
-            </a:r>
-            <a:r>
-              <a:rPr lang="ko-KR" altLang="en-US" dirty="0" err="1" smtClean="0"/>
-              <a:t>서블릿에게</a:t>
-            </a:r>
-            <a:r>
-              <a:rPr lang="ko-KR" altLang="en-US" dirty="0" smtClean="0"/>
-              <a:t> </a:t>
-            </a:r>
-            <a:r>
-              <a:rPr lang="ko-KR" altLang="en-US" dirty="0" err="1" smtClean="0"/>
-              <a:t>수행하게함</a:t>
-            </a:r>
-            <a:endParaRPr lang="en-US" altLang="ko-KR" dirty="0" smtClean="0"/>
-          </a:p>
-          <a:p>
-            <a:pPr marL="285750" indent="-285750">
-              <a:lnSpc>
-                <a:spcPct val="150000"/>
-              </a:lnSpc>
-              <a:buFont typeface="Wingdings" panose="05000000000000000000" pitchFamily="2" charset="2"/>
-              <a:buChar char="§"/>
-            </a:pPr>
-            <a:r>
-              <a:rPr lang="ko-KR" altLang="en-US" dirty="0" smtClean="0"/>
-              <a:t>요청에 대한 정보를 포함시켜 다른 </a:t>
-            </a:r>
-            <a:r>
-              <a:rPr lang="ko-KR" altLang="en-US" dirty="0" err="1" smtClean="0"/>
-              <a:t>서블릿에게</a:t>
-            </a:r>
-            <a:r>
-              <a:rPr lang="ko-KR" altLang="en-US" dirty="0" smtClean="0"/>
-              <a:t> 전달할 수 있음</a:t>
-            </a:r>
-            <a:endParaRPr lang="en-US" altLang="ko-KR" dirty="0" smtClean="0"/>
-          </a:p>
-        </p:txBody>
-      </p:sp>
-      <p:sp>
-        <p:nvSpPr>
-          <p:cNvPr id="8" name="TextBox 7"/>
-          <p:cNvSpPr txBox="1"/>
-          <p:nvPr/>
-        </p:nvSpPr>
-        <p:spPr>
-          <a:xfrm>
-            <a:off x="776536" y="3429000"/>
-            <a:ext cx="8352928" cy="2215991"/>
-          </a:xfrm>
-          <a:prstGeom prst="rect">
+              <a:t>2</a:t>
+            </a:r>
+            <a:endParaRPr lang="en-US" altLang="ko-KR" sz="2000" b="1" dirty="0"/>
+          </a:p>
+        </p:txBody>
+      </p:sp>
+      <p:sp>
+        <p:nvSpPr>
+          <p:cNvPr id="13" name="모서리가 둥근 직사각형 12">
+            <a:extLst>
+              <a:ext uri="{FF2B5EF4-FFF2-40B4-BE49-F238E27FC236}">
+                <a16:creationId xmlns:a16="http://schemas.microsoft.com/office/drawing/2014/main" id="{792DA8B4-17B2-454B-97AC-17311A4832C5}"/>
+              </a:ext>
+            </a:extLst>
+          </p:cNvPr>
+          <p:cNvSpPr/>
+          <p:nvPr/>
+        </p:nvSpPr>
+        <p:spPr>
+          <a:xfrm>
+            <a:off x="776536" y="4797152"/>
+            <a:ext cx="8784976" cy="1800200"/>
+          </a:xfrm>
+          <a:prstGeom prst="roundRect">
             <a:avLst/>
           </a:prstGeom>
           <a:noFill/>
-        </p:spPr>
-        <p:txBody>
-          <a:bodyPr wrap="square" rtlCol="0">
-            <a:spAutoFit/>
-          </a:bodyPr>
-          <a:lstStyle/>
-          <a:p>
-            <a:pPr>
-              <a:lnSpc>
-                <a:spcPct val="150000"/>
-              </a:lnSpc>
-            </a:pPr>
-            <a:r>
-              <a:rPr lang="ko-KR" altLang="en-US" sz="2000" b="1" dirty="0" smtClean="0"/>
-              <a:t>포워드 방법</a:t>
-            </a:r>
-            <a:endParaRPr lang="en-US" altLang="ko-KR" sz="2000" b="1" dirty="0" smtClean="0"/>
-          </a:p>
-          <a:p>
-            <a:pPr marL="342900" indent="-342900">
-              <a:lnSpc>
-                <a:spcPct val="150000"/>
-              </a:lnSpc>
-              <a:buFont typeface="+mj-lt"/>
-              <a:buAutoNum type="arabicPeriod"/>
-            </a:pPr>
-            <a:r>
-              <a:rPr lang="en-US" altLang="ko-KR" dirty="0" smtClean="0"/>
-              <a:t>redirect </a:t>
-            </a:r>
-            <a:r>
-              <a:rPr lang="ko-KR" altLang="en-US" dirty="0" smtClean="0"/>
-              <a:t>방법 </a:t>
-            </a:r>
-            <a:r>
-              <a:rPr lang="en-US" altLang="ko-KR" dirty="0" smtClean="0"/>
-              <a:t>– </a:t>
-            </a:r>
-            <a:r>
-              <a:rPr lang="en-US" altLang="ko-KR" dirty="0" err="1" smtClean="0"/>
-              <a:t>HttpServletResponse</a:t>
-            </a:r>
-            <a:r>
-              <a:rPr lang="en-US" altLang="ko-KR" dirty="0" smtClean="0"/>
-              <a:t> </a:t>
-            </a:r>
-            <a:r>
-              <a:rPr lang="ko-KR" altLang="en-US" dirty="0" smtClean="0"/>
-              <a:t>객체의 </a:t>
-            </a:r>
-            <a:r>
-              <a:rPr lang="en-US" altLang="ko-KR" dirty="0" err="1" smtClean="0"/>
-              <a:t>sendRedirect</a:t>
-            </a:r>
-            <a:r>
-              <a:rPr lang="en-US" altLang="ko-KR" dirty="0" smtClean="0"/>
-              <a:t>() </a:t>
-            </a:r>
-            <a:r>
-              <a:rPr lang="ko-KR" altLang="en-US" dirty="0" err="1" smtClean="0"/>
-              <a:t>메서드</a:t>
-            </a:r>
-            <a:r>
-              <a:rPr lang="ko-KR" altLang="en-US" dirty="0" smtClean="0"/>
-              <a:t> 이용</a:t>
-            </a:r>
-            <a:endParaRPr lang="en-US" altLang="ko-KR" dirty="0" smtClean="0"/>
-          </a:p>
-          <a:p>
-            <a:pPr marL="342900" indent="-342900">
-              <a:lnSpc>
-                <a:spcPct val="150000"/>
-              </a:lnSpc>
-              <a:buFont typeface="+mj-lt"/>
-              <a:buAutoNum type="arabicPeriod"/>
-            </a:pPr>
-            <a:r>
-              <a:rPr lang="en-US" altLang="ko-KR" dirty="0" smtClean="0"/>
-              <a:t>Refresh </a:t>
-            </a:r>
-            <a:r>
-              <a:rPr lang="ko-KR" altLang="en-US" dirty="0" smtClean="0"/>
-              <a:t>방법 </a:t>
-            </a:r>
-            <a:r>
-              <a:rPr lang="en-US" altLang="ko-KR" dirty="0" smtClean="0"/>
-              <a:t>- </a:t>
-            </a:r>
-            <a:r>
-              <a:rPr lang="en-US" altLang="ko-KR" dirty="0" err="1"/>
-              <a:t>HttpServletResponse</a:t>
-            </a:r>
-            <a:r>
-              <a:rPr lang="en-US" altLang="ko-KR" dirty="0"/>
-              <a:t> </a:t>
-            </a:r>
-            <a:r>
-              <a:rPr lang="ko-KR" altLang="en-US" dirty="0"/>
-              <a:t>객체의 </a:t>
-            </a:r>
-            <a:r>
-              <a:rPr lang="en-US" altLang="ko-KR" dirty="0" err="1" smtClean="0"/>
-              <a:t>addHeader</a:t>
-            </a:r>
-            <a:r>
-              <a:rPr lang="en-US" altLang="ko-KR" dirty="0" smtClean="0"/>
-              <a:t>() </a:t>
-            </a:r>
-            <a:r>
-              <a:rPr lang="ko-KR" altLang="en-US" dirty="0" err="1"/>
-              <a:t>메서드</a:t>
-            </a:r>
-            <a:r>
-              <a:rPr lang="ko-KR" altLang="en-US" dirty="0"/>
-              <a:t> </a:t>
-            </a:r>
-            <a:r>
-              <a:rPr lang="ko-KR" altLang="en-US" dirty="0" smtClean="0"/>
-              <a:t>이용</a:t>
-            </a:r>
-            <a:endParaRPr lang="en-US" altLang="ko-KR" dirty="0" smtClean="0"/>
-          </a:p>
-          <a:p>
-            <a:pPr marL="342900" indent="-342900">
-              <a:lnSpc>
-                <a:spcPct val="150000"/>
-              </a:lnSpc>
-              <a:buFont typeface="+mj-lt"/>
-              <a:buAutoNum type="arabicPeriod"/>
-            </a:pPr>
-            <a:r>
-              <a:rPr lang="en-US" altLang="ko-KR" dirty="0" smtClean="0"/>
-              <a:t>location </a:t>
-            </a:r>
-            <a:r>
-              <a:rPr lang="ko-KR" altLang="en-US" dirty="0" smtClean="0"/>
-              <a:t>방법 </a:t>
-            </a:r>
-            <a:r>
-              <a:rPr lang="en-US" altLang="ko-KR" dirty="0" smtClean="0"/>
-              <a:t>– </a:t>
-            </a:r>
-            <a:r>
-              <a:rPr lang="ko-KR" altLang="en-US" dirty="0" smtClean="0"/>
-              <a:t>자바스크립트 </a:t>
-            </a:r>
-            <a:r>
-              <a:rPr lang="en-US" altLang="ko-KR" dirty="0" smtClean="0"/>
-              <a:t>location </a:t>
-            </a:r>
-            <a:r>
-              <a:rPr lang="ko-KR" altLang="en-US" dirty="0" smtClean="0"/>
-              <a:t>객체의 </a:t>
-            </a:r>
-            <a:r>
-              <a:rPr lang="en-US" altLang="ko-KR" dirty="0" err="1" smtClean="0"/>
-              <a:t>href</a:t>
-            </a:r>
-            <a:r>
-              <a:rPr lang="en-US" altLang="ko-KR" dirty="0" smtClean="0"/>
-              <a:t> </a:t>
-            </a:r>
-            <a:r>
-              <a:rPr lang="ko-KR" altLang="en-US" dirty="0" smtClean="0"/>
-              <a:t>속성을 이용</a:t>
-            </a:r>
-            <a:endParaRPr lang="en-US" altLang="ko-KR" dirty="0" smtClean="0"/>
-          </a:p>
-          <a:p>
-            <a:pPr marL="342900" indent="-342900">
-              <a:lnSpc>
-                <a:spcPct val="150000"/>
-              </a:lnSpc>
-              <a:buFont typeface="+mj-lt"/>
-              <a:buAutoNum type="arabicPeriod"/>
-            </a:pPr>
-            <a:r>
-              <a:rPr lang="en-US" altLang="ko-KR" dirty="0" err="1"/>
-              <a:t>d</a:t>
-            </a:r>
-            <a:r>
-              <a:rPr lang="en-US" altLang="ko-KR" dirty="0" err="1" smtClean="0"/>
-              <a:t>spatch</a:t>
-            </a:r>
-            <a:r>
-              <a:rPr lang="en-US" altLang="ko-KR" dirty="0" smtClean="0"/>
-              <a:t> </a:t>
-            </a:r>
-            <a:r>
-              <a:rPr lang="ko-KR" altLang="en-US" dirty="0" smtClean="0"/>
-              <a:t>방법 </a:t>
-            </a:r>
-            <a:r>
-              <a:rPr lang="en-US" altLang="ko-KR" dirty="0" smtClean="0"/>
-              <a:t>– </a:t>
-            </a:r>
-            <a:r>
-              <a:rPr lang="en-US" altLang="ko-KR" dirty="0" err="1" smtClean="0"/>
-              <a:t>RequestDispatcher</a:t>
-            </a:r>
-            <a:r>
-              <a:rPr lang="en-US" altLang="ko-KR" dirty="0" smtClean="0"/>
-              <a:t> </a:t>
-            </a:r>
-            <a:r>
-              <a:rPr lang="ko-KR" altLang="en-US" dirty="0" smtClean="0"/>
-              <a:t>클래스의 </a:t>
-            </a:r>
-            <a:r>
-              <a:rPr lang="en-US" altLang="ko-KR" dirty="0" smtClean="0"/>
-              <a:t>forward() </a:t>
-            </a:r>
-            <a:r>
-              <a:rPr lang="ko-KR" altLang="en-US" dirty="0" err="1" smtClean="0"/>
-              <a:t>메서드</a:t>
-            </a:r>
-            <a:r>
-              <a:rPr lang="ko-KR" altLang="en-US" dirty="0" smtClean="0"/>
-              <a:t> 이용</a:t>
-            </a:r>
-            <a:endParaRPr lang="en-US" altLang="ko-KR" dirty="0" smtClean="0"/>
-          </a:p>
-        </p:txBody>
-      </p:sp>
-      <p:sp>
-        <p:nvSpPr>
-          <p:cNvPr id="4" name="모서리가 둥근 직사각형 3"/>
-          <p:cNvSpPr/>
-          <p:nvPr/>
-        </p:nvSpPr>
-        <p:spPr>
-          <a:xfrm>
-            <a:off x="1136576" y="5746847"/>
-            <a:ext cx="7992888" cy="360040"/>
-          </a:xfrm>
-          <a:prstGeom prst="roundRect">
-            <a:avLst/>
-          </a:prstGeom>
-          <a:ln/>
+          <a:ln>
+            <a:prstDash val="sysDash"/>
+          </a:ln>
         </p:spPr>
         <p:style>
           <a:lnRef idx="2">
-            <a:schemeClr val="accent1"/>
+            <a:schemeClr val="accent2"/>
           </a:lnRef>
           <a:fillRef idx="1">
             <a:schemeClr val="lt1"/>
           </a:fillRef>
           <a:effectRef idx="0">
-            <a:schemeClr val="accent1"/>
+            <a:schemeClr val="accent2"/>
           </a:effectRef>
           <a:fontRef idx="minor">
             <a:schemeClr val="dk1"/>
@@ -16064,45 +15589,65 @@
           <a:lstStyle/>
           <a:p>
             <a:pPr algn="ctr"/>
+            <a:endParaRPr lang="ko-KR" altLang="en-US" sz="1300" dirty="0">
+              <a:solidFill>
+                <a:sysClr val="windowText" lastClr="000000"/>
+              </a:solidFill>
+            </a:endParaRPr>
+          </a:p>
+        </p:txBody>
+      </p:sp>
+      <p:sp>
+        <p:nvSpPr>
+          <p:cNvPr id="7" name="제목 5"/>
+          <p:cNvSpPr txBox="1">
+            <a:spLocks/>
+          </p:cNvSpPr>
+          <p:nvPr/>
+        </p:nvSpPr>
+        <p:spPr>
+          <a:xfrm>
+            <a:off x="152400" y="-27384"/>
+            <a:ext cx="8337376" cy="854968"/>
+          </a:xfrm>
+          <a:prstGeom prst="rect">
+            <a:avLst/>
+          </a:prstGeom>
+        </p:spPr>
+        <p:txBody>
+          <a:bodyPr anchor="ctr" anchorCtr="0"/>
+          <a:lstStyle>
+            <a:lvl1pPr algn="l" defTabSz="914400" rtl="0" eaLnBrk="1" latinLnBrk="1" hangingPunct="1">
+              <a:spcBef>
+                <a:spcPct val="0"/>
+              </a:spcBef>
+              <a:buNone/>
+              <a:defRPr sz="3200" kern="1200">
+                <a:solidFill>
+                  <a:schemeClr val="bg1"/>
+                </a:solidFill>
+                <a:latin typeface="HY헤드라인M" panose="02030600000101010101" pitchFamily="18" charset="-127"/>
+                <a:ea typeface="HY헤드라인M" panose="02030600000101010101" pitchFamily="18" charset="-127"/>
+                <a:cs typeface="+mj-cs"/>
+              </a:defRPr>
+            </a:lvl1pPr>
+          </a:lstStyle>
+          <a:p>
             <a:r>
               <a:rPr lang="en-US" altLang="ko-KR" dirty="0" smtClean="0"/>
-              <a:t>1,2,3</a:t>
+              <a:t> GET</a:t>
             </a:r>
             <a:r>
               <a:rPr lang="ko-KR" altLang="en-US" dirty="0" smtClean="0"/>
-              <a:t>은 브라우저가 </a:t>
-            </a:r>
-            <a:r>
-              <a:rPr lang="ko-KR" altLang="en-US" dirty="0" err="1" smtClean="0"/>
-              <a:t>재요청하는</a:t>
+              <a:t>방식과 </a:t>
+            </a:r>
+            <a:r>
+              <a:rPr lang="en-US" altLang="ko-KR" dirty="0" smtClean="0"/>
+              <a:t>POST </a:t>
             </a:r>
             <a:r>
               <a:rPr lang="ko-KR" altLang="en-US" dirty="0" smtClean="0"/>
-              <a:t> 방식이고</a:t>
-            </a:r>
-            <a:r>
-              <a:rPr lang="en-US" altLang="ko-KR" dirty="0" smtClean="0"/>
-              <a:t>,</a:t>
-            </a:r>
-            <a:r>
-              <a:rPr lang="ko-KR" altLang="en-US" dirty="0" smtClean="0"/>
-              <a:t> </a:t>
-            </a:r>
-            <a:r>
-              <a:rPr lang="en-US" altLang="ko-KR" dirty="0" smtClean="0"/>
-              <a:t>4</a:t>
-            </a:r>
-            <a:r>
-              <a:rPr lang="ko-KR" altLang="en-US" dirty="0" smtClean="0"/>
-              <a:t>는 </a:t>
-            </a:r>
-            <a:r>
-              <a:rPr lang="ko-KR" altLang="en-US" dirty="0" err="1" smtClean="0"/>
-              <a:t>서블릿이</a:t>
-            </a:r>
-            <a:r>
-              <a:rPr lang="ko-KR" altLang="en-US" dirty="0" smtClean="0"/>
-              <a:t> 직접 요청하는 방식</a:t>
+              <a:t>방식으로 동시 처리</a:t>
             </a:r>
             <a:endParaRPr lang="ko-KR" altLang="en-US" dirty="0"/>
           </a:p>
@@ -16111,7 +15656,7 @@
     </p:spTree>
     <p:extLst>
       <p:ext uri="{BB962C8B-B14F-4D97-AF65-F5344CB8AC3E}">
-        <p14:creationId xmlns:p14="http://schemas.microsoft.com/office/powerpoint/2010/main" val="3255409032"/>
+        <p14:creationId xmlns:p14="http://schemas.microsoft.com/office/powerpoint/2010/main" val="1026214474"/>
       </p:ext>
     </p:extLst>
   </p:cSld>
@@ -16209,8 +15754,8 @@
         </p:nvSpPr>
         <p:spPr>
           <a:xfrm>
-            <a:off x="1070900" y="1124744"/>
-            <a:ext cx="3744416" cy="507831"/>
+            <a:off x="776536" y="980728"/>
+            <a:ext cx="7272808" cy="969496"/>
           </a:xfrm>
           <a:prstGeom prst="rect">
             <a:avLst/>
@@ -16227,6 +15772,770 @@
               <a:lnSpc>
                 <a:spcPct val="150000"/>
               </a:lnSpc>
+            </a:pPr>
+            <a:r>
+              <a:rPr lang="ko-KR" altLang="en-US" sz="2000" b="1" dirty="0" smtClean="0"/>
+              <a:t>포워드</a:t>
+            </a:r>
+            <a:r>
+              <a:rPr lang="en-US" altLang="ko-KR" sz="2000" b="1" dirty="0" smtClean="0"/>
+              <a:t>(forward) </a:t>
+            </a:r>
+            <a:r>
+              <a:rPr lang="ko-KR" altLang="en-US" sz="2000" b="1" dirty="0" smtClean="0"/>
+              <a:t>기능</a:t>
+            </a:r>
+            <a:endParaRPr lang="en-US" altLang="ko-KR" sz="2000" b="1" dirty="0" smtClean="0"/>
+          </a:p>
+          <a:p>
+            <a:pPr marL="285750" indent="-285750">
+              <a:lnSpc>
+                <a:spcPct val="150000"/>
+              </a:lnSpc>
+              <a:buFont typeface="Arial" panose="020B0604020202020204" pitchFamily="34" charset="0"/>
+              <a:buChar char="•"/>
+            </a:pPr>
+            <a:r>
+              <a:rPr lang="ko-KR" altLang="en-US" dirty="0" smtClean="0"/>
+              <a:t>하나의 </a:t>
+            </a:r>
+            <a:r>
+              <a:rPr lang="ko-KR" altLang="en-US" dirty="0" err="1" smtClean="0"/>
+              <a:t>서블릿에서</a:t>
+            </a:r>
+            <a:r>
+              <a:rPr lang="ko-KR" altLang="en-US" dirty="0" smtClean="0"/>
+              <a:t> 다른 </a:t>
+            </a:r>
+            <a:r>
+              <a:rPr lang="ko-KR" altLang="en-US" dirty="0" err="1" smtClean="0"/>
+              <a:t>서블릿이나</a:t>
+            </a:r>
+            <a:r>
+              <a:rPr lang="ko-KR" altLang="en-US" dirty="0" smtClean="0"/>
+              <a:t> </a:t>
+            </a:r>
+            <a:r>
+              <a:rPr lang="en-US" altLang="ko-KR" dirty="0" smtClean="0"/>
+              <a:t>JSP</a:t>
+            </a:r>
+            <a:r>
+              <a:rPr lang="ko-KR" altLang="en-US" dirty="0" smtClean="0"/>
+              <a:t>와 연동하는 방법</a:t>
+            </a:r>
+            <a:endParaRPr lang="en-US" altLang="ko-KR" dirty="0" smtClean="0"/>
+          </a:p>
+        </p:txBody>
+      </p:sp>
+      <p:sp>
+        <p:nvSpPr>
+          <p:cNvPr id="7" name="TextBox 6"/>
+          <p:cNvSpPr txBox="1"/>
+          <p:nvPr/>
+        </p:nvSpPr>
+        <p:spPr>
+          <a:xfrm>
+            <a:off x="776536" y="1988840"/>
+            <a:ext cx="7272808" cy="1384995"/>
+          </a:xfrm>
+          <a:prstGeom prst="rect">
+            <a:avLst/>
+          </a:prstGeom>
+          <a:noFill/>
+        </p:spPr>
+        <p:txBody>
+          <a:bodyPr wrap="square" rtlCol="0">
+            <a:spAutoFit/>
+          </a:bodyPr>
+          <a:lstStyle/>
+          <a:p>
+            <a:pPr>
+              <a:lnSpc>
+                <a:spcPct val="150000"/>
+              </a:lnSpc>
+            </a:pPr>
+            <a:r>
+              <a:rPr lang="ko-KR" altLang="en-US" sz="2000" b="1" dirty="0" smtClean="0"/>
+              <a:t>포워드</a:t>
+            </a:r>
+            <a:r>
+              <a:rPr lang="en-US" altLang="ko-KR" sz="2000" b="1" dirty="0" smtClean="0"/>
+              <a:t>(forward) </a:t>
+            </a:r>
+            <a:r>
+              <a:rPr lang="ko-KR" altLang="en-US" sz="2000" b="1" dirty="0" smtClean="0"/>
+              <a:t>기능이 사용되는 용도</a:t>
+            </a:r>
+            <a:endParaRPr lang="en-US" altLang="ko-KR" sz="2000" b="1" dirty="0" smtClean="0"/>
+          </a:p>
+          <a:p>
+            <a:pPr marL="285750" indent="-285750">
+              <a:lnSpc>
+                <a:spcPct val="150000"/>
+              </a:lnSpc>
+              <a:buFont typeface="Wingdings" panose="05000000000000000000" pitchFamily="2" charset="2"/>
+              <a:buChar char="§"/>
+            </a:pPr>
+            <a:r>
+              <a:rPr lang="ko-KR" altLang="en-US" dirty="0" smtClean="0"/>
+              <a:t>요청</a:t>
+            </a:r>
+            <a:r>
+              <a:rPr lang="en-US" altLang="ko-KR" dirty="0" smtClean="0"/>
+              <a:t>(request)</a:t>
+            </a:r>
+            <a:r>
+              <a:rPr lang="ko-KR" altLang="en-US" dirty="0" smtClean="0"/>
+              <a:t>에 대한 추가 작업을 다른 </a:t>
+            </a:r>
+            <a:r>
+              <a:rPr lang="ko-KR" altLang="en-US" dirty="0" err="1" smtClean="0"/>
+              <a:t>서블릿에게</a:t>
+            </a:r>
+            <a:r>
+              <a:rPr lang="ko-KR" altLang="en-US" dirty="0" smtClean="0"/>
+              <a:t> </a:t>
+            </a:r>
+            <a:r>
+              <a:rPr lang="ko-KR" altLang="en-US" dirty="0" err="1" smtClean="0"/>
+              <a:t>수행하게함</a:t>
+            </a:r>
+            <a:endParaRPr lang="en-US" altLang="ko-KR" dirty="0" smtClean="0"/>
+          </a:p>
+          <a:p>
+            <a:pPr marL="285750" indent="-285750">
+              <a:lnSpc>
+                <a:spcPct val="150000"/>
+              </a:lnSpc>
+              <a:buFont typeface="Wingdings" panose="05000000000000000000" pitchFamily="2" charset="2"/>
+              <a:buChar char="§"/>
+            </a:pPr>
+            <a:r>
+              <a:rPr lang="ko-KR" altLang="en-US" dirty="0" smtClean="0"/>
+              <a:t>요청에 대한 정보를 포함시켜 다른 </a:t>
+            </a:r>
+            <a:r>
+              <a:rPr lang="ko-KR" altLang="en-US" dirty="0" err="1" smtClean="0"/>
+              <a:t>서블릿에게</a:t>
+            </a:r>
+            <a:r>
+              <a:rPr lang="ko-KR" altLang="en-US" dirty="0" smtClean="0"/>
+              <a:t> 전달할 수 있음</a:t>
+            </a:r>
+            <a:endParaRPr lang="en-US" altLang="ko-KR" dirty="0" smtClean="0"/>
+          </a:p>
+        </p:txBody>
+      </p:sp>
+      <p:sp>
+        <p:nvSpPr>
+          <p:cNvPr id="8" name="TextBox 7"/>
+          <p:cNvSpPr txBox="1"/>
+          <p:nvPr/>
+        </p:nvSpPr>
+        <p:spPr>
+          <a:xfrm>
+            <a:off x="776536" y="3429000"/>
+            <a:ext cx="8352928" cy="2215991"/>
+          </a:xfrm>
+          <a:prstGeom prst="rect">
+            <a:avLst/>
+          </a:prstGeom>
+          <a:noFill/>
+        </p:spPr>
+        <p:txBody>
+          <a:bodyPr wrap="square" rtlCol="0">
+            <a:spAutoFit/>
+          </a:bodyPr>
+          <a:lstStyle/>
+          <a:p>
+            <a:pPr>
+              <a:lnSpc>
+                <a:spcPct val="150000"/>
+              </a:lnSpc>
+            </a:pPr>
+            <a:r>
+              <a:rPr lang="ko-KR" altLang="en-US" sz="2000" b="1" dirty="0" smtClean="0"/>
+              <a:t>포워드 방법</a:t>
+            </a:r>
+            <a:endParaRPr lang="en-US" altLang="ko-KR" sz="2000" b="1" dirty="0" smtClean="0"/>
+          </a:p>
+          <a:p>
+            <a:pPr marL="342900" indent="-342900">
+              <a:lnSpc>
+                <a:spcPct val="150000"/>
+              </a:lnSpc>
+              <a:buFont typeface="+mj-lt"/>
+              <a:buAutoNum type="arabicPeriod"/>
+            </a:pPr>
+            <a:r>
+              <a:rPr lang="en-US" altLang="ko-KR" dirty="0" smtClean="0"/>
+              <a:t>redirect </a:t>
+            </a:r>
+            <a:r>
+              <a:rPr lang="ko-KR" altLang="en-US" dirty="0" smtClean="0"/>
+              <a:t>방법 </a:t>
+            </a:r>
+            <a:r>
+              <a:rPr lang="en-US" altLang="ko-KR" dirty="0" smtClean="0"/>
+              <a:t>– </a:t>
+            </a:r>
+            <a:r>
+              <a:rPr lang="en-US" altLang="ko-KR" dirty="0" err="1" smtClean="0"/>
+              <a:t>HttpServletResponse</a:t>
+            </a:r>
+            <a:r>
+              <a:rPr lang="en-US" altLang="ko-KR" dirty="0" smtClean="0"/>
+              <a:t> </a:t>
+            </a:r>
+            <a:r>
+              <a:rPr lang="ko-KR" altLang="en-US" dirty="0" smtClean="0"/>
+              <a:t>객체의 </a:t>
+            </a:r>
+            <a:r>
+              <a:rPr lang="en-US" altLang="ko-KR" dirty="0" err="1" smtClean="0"/>
+              <a:t>sendRedirect</a:t>
+            </a:r>
+            <a:r>
+              <a:rPr lang="en-US" altLang="ko-KR" dirty="0" smtClean="0"/>
+              <a:t>() </a:t>
+            </a:r>
+            <a:r>
+              <a:rPr lang="ko-KR" altLang="en-US" dirty="0" err="1" smtClean="0"/>
+              <a:t>메서드</a:t>
+            </a:r>
+            <a:r>
+              <a:rPr lang="ko-KR" altLang="en-US" dirty="0" smtClean="0"/>
+              <a:t> 이용</a:t>
+            </a:r>
+            <a:endParaRPr lang="en-US" altLang="ko-KR" dirty="0" smtClean="0"/>
+          </a:p>
+          <a:p>
+            <a:pPr marL="342900" indent="-342900">
+              <a:lnSpc>
+                <a:spcPct val="150000"/>
+              </a:lnSpc>
+              <a:buFont typeface="+mj-lt"/>
+              <a:buAutoNum type="arabicPeriod"/>
+            </a:pPr>
+            <a:r>
+              <a:rPr lang="en-US" altLang="ko-KR" dirty="0" smtClean="0"/>
+              <a:t>Refresh </a:t>
+            </a:r>
+            <a:r>
+              <a:rPr lang="ko-KR" altLang="en-US" dirty="0" smtClean="0"/>
+              <a:t>방법 </a:t>
+            </a:r>
+            <a:r>
+              <a:rPr lang="en-US" altLang="ko-KR" dirty="0" smtClean="0"/>
+              <a:t>- </a:t>
+            </a:r>
+            <a:r>
+              <a:rPr lang="en-US" altLang="ko-KR" dirty="0" err="1"/>
+              <a:t>HttpServletResponse</a:t>
+            </a:r>
+            <a:r>
+              <a:rPr lang="en-US" altLang="ko-KR" dirty="0"/>
+              <a:t> </a:t>
+            </a:r>
+            <a:r>
+              <a:rPr lang="ko-KR" altLang="en-US" dirty="0"/>
+              <a:t>객체의 </a:t>
+            </a:r>
+            <a:r>
+              <a:rPr lang="en-US" altLang="ko-KR" dirty="0" err="1" smtClean="0"/>
+              <a:t>addHeader</a:t>
+            </a:r>
+            <a:r>
+              <a:rPr lang="en-US" altLang="ko-KR" dirty="0" smtClean="0"/>
+              <a:t>() </a:t>
+            </a:r>
+            <a:r>
+              <a:rPr lang="ko-KR" altLang="en-US" dirty="0" err="1"/>
+              <a:t>메서드</a:t>
+            </a:r>
+            <a:r>
+              <a:rPr lang="ko-KR" altLang="en-US" dirty="0"/>
+              <a:t> </a:t>
+            </a:r>
+            <a:r>
+              <a:rPr lang="ko-KR" altLang="en-US" dirty="0" smtClean="0"/>
+              <a:t>이용</a:t>
+            </a:r>
+            <a:endParaRPr lang="en-US" altLang="ko-KR" dirty="0" smtClean="0"/>
+          </a:p>
+          <a:p>
+            <a:pPr marL="342900" indent="-342900">
+              <a:lnSpc>
+                <a:spcPct val="150000"/>
+              </a:lnSpc>
+              <a:buFont typeface="+mj-lt"/>
+              <a:buAutoNum type="arabicPeriod"/>
+            </a:pPr>
+            <a:r>
+              <a:rPr lang="en-US" altLang="ko-KR" dirty="0" smtClean="0"/>
+              <a:t>location </a:t>
+            </a:r>
+            <a:r>
+              <a:rPr lang="ko-KR" altLang="en-US" dirty="0" smtClean="0"/>
+              <a:t>방법 </a:t>
+            </a:r>
+            <a:r>
+              <a:rPr lang="en-US" altLang="ko-KR" dirty="0" smtClean="0"/>
+              <a:t>– </a:t>
+            </a:r>
+            <a:r>
+              <a:rPr lang="ko-KR" altLang="en-US" dirty="0" smtClean="0"/>
+              <a:t>자바스크립트 </a:t>
+            </a:r>
+            <a:r>
+              <a:rPr lang="en-US" altLang="ko-KR" dirty="0" smtClean="0"/>
+              <a:t>location </a:t>
+            </a:r>
+            <a:r>
+              <a:rPr lang="ko-KR" altLang="en-US" dirty="0" smtClean="0"/>
+              <a:t>객체의 </a:t>
+            </a:r>
+            <a:r>
+              <a:rPr lang="en-US" altLang="ko-KR" dirty="0" err="1" smtClean="0"/>
+              <a:t>href</a:t>
+            </a:r>
+            <a:r>
+              <a:rPr lang="en-US" altLang="ko-KR" dirty="0" smtClean="0"/>
+              <a:t> </a:t>
+            </a:r>
+            <a:r>
+              <a:rPr lang="ko-KR" altLang="en-US" dirty="0" smtClean="0"/>
+              <a:t>속성을 이용</a:t>
+            </a:r>
+            <a:endParaRPr lang="en-US" altLang="ko-KR" dirty="0" smtClean="0"/>
+          </a:p>
+          <a:p>
+            <a:pPr marL="342900" indent="-342900">
+              <a:lnSpc>
+                <a:spcPct val="150000"/>
+              </a:lnSpc>
+              <a:buFont typeface="+mj-lt"/>
+              <a:buAutoNum type="arabicPeriod"/>
+            </a:pPr>
+            <a:r>
+              <a:rPr lang="en-US" altLang="ko-KR" dirty="0" err="1"/>
+              <a:t>d</a:t>
+            </a:r>
+            <a:r>
+              <a:rPr lang="en-US" altLang="ko-KR" dirty="0" err="1" smtClean="0"/>
+              <a:t>spatch</a:t>
+            </a:r>
+            <a:r>
+              <a:rPr lang="en-US" altLang="ko-KR" dirty="0" smtClean="0"/>
+              <a:t> </a:t>
+            </a:r>
+            <a:r>
+              <a:rPr lang="ko-KR" altLang="en-US" dirty="0" smtClean="0"/>
+              <a:t>방법 </a:t>
+            </a:r>
+            <a:r>
+              <a:rPr lang="en-US" altLang="ko-KR" dirty="0" smtClean="0"/>
+              <a:t>– </a:t>
+            </a:r>
+            <a:r>
+              <a:rPr lang="en-US" altLang="ko-KR" dirty="0" err="1" smtClean="0"/>
+              <a:t>RequestDispatcher</a:t>
+            </a:r>
+            <a:r>
+              <a:rPr lang="en-US" altLang="ko-KR" dirty="0" smtClean="0"/>
+              <a:t> </a:t>
+            </a:r>
+            <a:r>
+              <a:rPr lang="ko-KR" altLang="en-US" dirty="0" smtClean="0"/>
+              <a:t>클래스의 </a:t>
+            </a:r>
+            <a:r>
+              <a:rPr lang="en-US" altLang="ko-KR" dirty="0" smtClean="0"/>
+              <a:t>forward() </a:t>
+            </a:r>
+            <a:r>
+              <a:rPr lang="ko-KR" altLang="en-US" dirty="0" err="1" smtClean="0"/>
+              <a:t>메서드</a:t>
+            </a:r>
+            <a:r>
+              <a:rPr lang="ko-KR" altLang="en-US" dirty="0" smtClean="0"/>
+              <a:t> 이용</a:t>
+            </a:r>
+            <a:endParaRPr lang="en-US" altLang="ko-KR" dirty="0" smtClean="0"/>
+          </a:p>
+        </p:txBody>
+      </p:sp>
+      <p:sp>
+        <p:nvSpPr>
+          <p:cNvPr id="4" name="모서리가 둥근 직사각형 3"/>
+          <p:cNvSpPr/>
+          <p:nvPr/>
+        </p:nvSpPr>
+        <p:spPr>
+          <a:xfrm>
+            <a:off x="1136576" y="5746847"/>
+            <a:ext cx="7992888" cy="360040"/>
+          </a:xfrm>
+          <a:prstGeom prst="roundRect">
+            <a:avLst/>
+          </a:prstGeom>
+          <a:ln/>
+        </p:spPr>
+        <p:style>
+          <a:lnRef idx="2">
+            <a:schemeClr val="accent1"/>
+          </a:lnRef>
+          <a:fillRef idx="1">
+            <a:schemeClr val="lt1"/>
+          </a:fillRef>
+          <a:effectRef idx="0">
+            <a:schemeClr val="accent1"/>
+          </a:effectRef>
+          <a:fontRef idx="minor">
+            <a:schemeClr val="dk1"/>
+          </a:fontRef>
+        </p:style>
+        <p:txBody>
+          <a:bodyPr rtlCol="0" anchor="ctr"/>
+          <a:lstStyle/>
+          <a:p>
+            <a:pPr algn="ctr"/>
+            <a:r>
+              <a:rPr lang="en-US" altLang="ko-KR" dirty="0" smtClean="0"/>
+              <a:t>1,2,3</a:t>
+            </a:r>
+            <a:r>
+              <a:rPr lang="ko-KR" altLang="en-US" dirty="0" smtClean="0"/>
+              <a:t>은 브라우저가 </a:t>
+            </a:r>
+            <a:r>
+              <a:rPr lang="ko-KR" altLang="en-US" dirty="0" err="1" smtClean="0"/>
+              <a:t>재요청하는</a:t>
+            </a:r>
+            <a:r>
+              <a:rPr lang="ko-KR" altLang="en-US" dirty="0" smtClean="0"/>
+              <a:t> 방식이고</a:t>
+            </a:r>
+            <a:r>
+              <a:rPr lang="en-US" altLang="ko-KR" dirty="0" smtClean="0"/>
+              <a:t>,</a:t>
+            </a:r>
+            <a:r>
+              <a:rPr lang="ko-KR" altLang="en-US" dirty="0" smtClean="0"/>
+              <a:t> </a:t>
+            </a:r>
+            <a:r>
+              <a:rPr lang="en-US" altLang="ko-KR" dirty="0" smtClean="0"/>
+              <a:t>4</a:t>
+            </a:r>
+            <a:r>
+              <a:rPr lang="ko-KR" altLang="en-US" dirty="0" smtClean="0"/>
+              <a:t>는 </a:t>
+            </a:r>
+            <a:r>
+              <a:rPr lang="ko-KR" altLang="en-US" dirty="0" err="1" smtClean="0"/>
+              <a:t>서블릿이</a:t>
+            </a:r>
+            <a:r>
+              <a:rPr lang="ko-KR" altLang="en-US" dirty="0" smtClean="0"/>
+              <a:t> 직접 요청하는 방식</a:t>
+            </a:r>
+            <a:endParaRPr lang="ko-KR" altLang="en-US" dirty="0"/>
+          </a:p>
+        </p:txBody>
+      </p:sp>
+    </p:spTree>
+    <p:extLst>
+      <p:ext uri="{BB962C8B-B14F-4D97-AF65-F5344CB8AC3E}">
+        <p14:creationId xmlns:p14="http://schemas.microsoft.com/office/powerpoint/2010/main" val="3255409032"/>
+      </p:ext>
+    </p:extLst>
+  </p:cSld>
+  <p:clrMapOvr>
+    <a:masterClrMapping/>
+  </p:clrMapOvr>
+  <p:timing>
+    <p:tnLst>
+      <p:par>
+        <p:cTn id="1" dur="indefinite" restart="never" nodeType="tmRoot"/>
+      </p:par>
+    </p:tnLst>
+  </p:timing>
+</p:sld>
+</file>
+
+<file path=ppt/slides/slide38.xml><?xml version="1.0" encoding="utf-8"?>
+<p:sld xmlns:a="http://schemas.openxmlformats.org/drawingml/2006/main" xmlns:r="http://schemas.openxmlformats.org/officeDocument/2006/relationships" xmlns:p="http://schemas.openxmlformats.org/presentationml/2006/main">
+  <p:cSld>
+    <p:spTree>
+      <p:nvGrpSpPr>
+        <p:cNvPr id="1" name=""/>
+        <p:cNvGrpSpPr/>
+        <p:nvPr/>
+      </p:nvGrpSpPr>
+      <p:grpSpPr>
+        <a:xfrm>
+          <a:off x="0" y="0"/>
+          <a:ext cx="0" cy="0"/>
+          <a:chOff x="0" y="0"/>
+          <a:chExt cx="0" cy="0"/>
+        </a:xfrm>
+      </p:grpSpPr>
+      <p:sp>
+        <p:nvSpPr>
+          <p:cNvPr id="15" name="제목 5"/>
+          <p:cNvSpPr txBox="1">
+            <a:spLocks/>
+          </p:cNvSpPr>
+          <p:nvPr/>
+        </p:nvSpPr>
+        <p:spPr>
+          <a:xfrm>
+            <a:off x="0" y="-27384"/>
+            <a:ext cx="7995338" cy="854968"/>
+          </a:xfrm>
+          <a:prstGeom prst="rect">
+            <a:avLst/>
+          </a:prstGeom>
+        </p:spPr>
+        <p:txBody>
+          <a:bodyPr anchor="ctr" anchorCtr="0"/>
+          <a:lstStyle>
+            <a:lvl1pPr algn="l" defTabSz="914400" rtl="0" eaLnBrk="1" latinLnBrk="1" hangingPunct="1">
+              <a:spcBef>
+                <a:spcPct val="0"/>
+              </a:spcBef>
+              <a:buNone/>
+              <a:defRPr sz="3200" kern="1200">
+                <a:solidFill>
+                  <a:schemeClr val="bg1"/>
+                </a:solidFill>
+                <a:latin typeface="HY헤드라인M" panose="02030600000101010101" pitchFamily="18" charset="-127"/>
+                <a:ea typeface="HY헤드라인M" panose="02030600000101010101" pitchFamily="18" charset="-127"/>
+                <a:cs typeface="+mj-cs"/>
+              </a:defRPr>
+            </a:lvl1pPr>
+          </a:lstStyle>
+          <a:p>
+            <a:r>
+              <a:rPr lang="en-US" altLang="ko-KR" dirty="0" smtClean="0"/>
+              <a:t> </a:t>
+            </a:r>
+            <a:r>
+              <a:rPr lang="ko-KR" altLang="en-US" dirty="0"/>
+              <a:t> </a:t>
+            </a:r>
+            <a:r>
+              <a:rPr lang="ko-KR" altLang="en-US" dirty="0" err="1" smtClean="0"/>
+              <a:t>서블릿</a:t>
+            </a:r>
+            <a:r>
+              <a:rPr lang="ko-KR" altLang="en-US" dirty="0" smtClean="0"/>
+              <a:t> 포워드 기능</a:t>
+            </a:r>
+            <a:endParaRPr lang="ko-KR" altLang="en-US" dirty="0"/>
+          </a:p>
+        </p:txBody>
+      </p:sp>
+      <p:sp>
+        <p:nvSpPr>
+          <p:cNvPr id="5" name="TextBox 4"/>
+          <p:cNvSpPr txBox="1"/>
+          <p:nvPr/>
+        </p:nvSpPr>
+        <p:spPr>
+          <a:xfrm>
+            <a:off x="1070900" y="1124744"/>
+            <a:ext cx="3744416" cy="454292"/>
+          </a:xfrm>
+          <a:prstGeom prst="rect">
+            <a:avLst/>
+          </a:prstGeom>
+          <a:noFill/>
+        </p:spPr>
+        <p:txBody>
+          <a:bodyPr wrap="square" rtlCol="0">
+            <a:spAutoFit/>
+          </a:bodyPr>
+          <a:lstStyle/>
+          <a:p>
+            <a:pPr marL="342900" indent="-342900">
+              <a:lnSpc>
+                <a:spcPct val="150000"/>
+              </a:lnSpc>
+              <a:buFont typeface="Wingdings" panose="05000000000000000000" pitchFamily="2" charset="2"/>
+              <a:buChar char="l"/>
+            </a:pPr>
+            <a:r>
+              <a:rPr lang="ko-KR" altLang="en-US" b="1" dirty="0" err="1" smtClean="0"/>
+              <a:t>서블릿</a:t>
+            </a:r>
+            <a:r>
+              <a:rPr lang="ko-KR" altLang="en-US" b="1" dirty="0" smtClean="0"/>
+              <a:t> 포워드 실습</a:t>
+            </a:r>
+            <a:endParaRPr lang="en-US" altLang="ko-KR" sz="1600" b="1" dirty="0" smtClean="0"/>
+          </a:p>
+        </p:txBody>
+      </p:sp>
+      <p:pic>
+        <p:nvPicPr>
+          <p:cNvPr id="2" name="그림 1"/>
+          <p:cNvPicPr>
+            <a:picLocks noChangeAspect="1"/>
+          </p:cNvPicPr>
+          <p:nvPr/>
+        </p:nvPicPr>
+        <p:blipFill>
+          <a:blip r:embed="rId2">
+            <a:extLst>
+              <a:ext uri="{28A0092B-C50C-407E-A947-70E740481C1C}">
+                <a14:useLocalDpi xmlns:a14="http://schemas.microsoft.com/office/drawing/2010/main" val="0"/>
+              </a:ext>
+            </a:extLst>
+          </a:blip>
+          <a:stretch>
+            <a:fillRect/>
+          </a:stretch>
+        </p:blipFill>
+        <p:spPr>
+          <a:xfrm>
+            <a:off x="1496616" y="1891612"/>
+            <a:ext cx="2956117" cy="2160240"/>
+          </a:xfrm>
+          <a:prstGeom prst="rect">
+            <a:avLst/>
+          </a:prstGeom>
+          <a:ln>
+            <a:solidFill>
+              <a:schemeClr val="bg1">
+                <a:lumMod val="85000"/>
+              </a:schemeClr>
+            </a:solidFill>
+          </a:ln>
+        </p:spPr>
+      </p:pic>
+    </p:spTree>
+    <p:extLst>
+      <p:ext uri="{BB962C8B-B14F-4D97-AF65-F5344CB8AC3E}">
+        <p14:creationId xmlns:p14="http://schemas.microsoft.com/office/powerpoint/2010/main" val="4091341866"/>
+      </p:ext>
+    </p:extLst>
+  </p:cSld>
+  <p:clrMapOvr>
+    <a:masterClrMapping/>
+  </p:clrMapOvr>
+  <p:timing>
+    <p:tnLst>
+      <p:par>
+        <p:cTn id="1" dur="indefinite" restart="never" nodeType="tmRoot"/>
+      </p:par>
+    </p:tnLst>
+  </p:timing>
+</p:sld>
+</file>
+
+<file path=ppt/slides/slide39.xml><?xml version="1.0" encoding="utf-8"?>
+<p:sld xmlns:a="http://schemas.openxmlformats.org/drawingml/2006/main" xmlns:r="http://schemas.openxmlformats.org/officeDocument/2006/relationships" xmlns:p="http://schemas.openxmlformats.org/presentationml/2006/main">
+  <p:cSld>
+    <p:spTree>
+      <p:nvGrpSpPr>
+        <p:cNvPr id="1" name=""/>
+        <p:cNvGrpSpPr/>
+        <p:nvPr/>
+      </p:nvGrpSpPr>
+      <p:grpSpPr>
+        <a:xfrm>
+          <a:off x="0" y="0"/>
+          <a:ext cx="0" cy="0"/>
+          <a:chOff x="0" y="0"/>
+          <a:chExt cx="0" cy="0"/>
+        </a:xfrm>
+      </p:grpSpPr>
+      <p:sp>
+        <p:nvSpPr>
+          <p:cNvPr id="15" name="제목 5"/>
+          <p:cNvSpPr txBox="1">
+            <a:spLocks/>
+          </p:cNvSpPr>
+          <p:nvPr/>
+        </p:nvSpPr>
+        <p:spPr>
+          <a:xfrm>
+            <a:off x="0" y="-27384"/>
+            <a:ext cx="7995338" cy="854968"/>
+          </a:xfrm>
+          <a:prstGeom prst="rect">
+            <a:avLst/>
+          </a:prstGeom>
+        </p:spPr>
+        <p:txBody>
+          <a:bodyPr anchor="ctr" anchorCtr="0"/>
+          <a:lstStyle>
+            <a:lvl1pPr algn="l" defTabSz="914400" rtl="0" eaLnBrk="1" latinLnBrk="1" hangingPunct="1">
+              <a:spcBef>
+                <a:spcPct val="0"/>
+              </a:spcBef>
+              <a:buNone/>
+              <a:defRPr sz="3200" kern="1200">
+                <a:solidFill>
+                  <a:schemeClr val="bg1"/>
+                </a:solidFill>
+                <a:latin typeface="HY헤드라인M" panose="02030600000101010101" pitchFamily="18" charset="-127"/>
+                <a:ea typeface="HY헤드라인M" panose="02030600000101010101" pitchFamily="18" charset="-127"/>
+                <a:cs typeface="+mj-cs"/>
+              </a:defRPr>
+            </a:lvl1pPr>
+          </a:lstStyle>
+          <a:p>
+            <a:r>
+              <a:rPr lang="en-US" altLang="ko-KR" dirty="0" smtClean="0"/>
+              <a:t> </a:t>
+            </a:r>
+            <a:r>
+              <a:rPr lang="ko-KR" altLang="en-US" dirty="0"/>
+              <a:t> </a:t>
+            </a:r>
+            <a:r>
+              <a:rPr lang="ko-KR" altLang="en-US" dirty="0" err="1" smtClean="0"/>
+              <a:t>서블릿</a:t>
+            </a:r>
+            <a:r>
+              <a:rPr lang="ko-KR" altLang="en-US" dirty="0" smtClean="0"/>
+              <a:t> 포워드 기능</a:t>
+            </a:r>
+            <a:endParaRPr lang="ko-KR" altLang="en-US" dirty="0"/>
+          </a:p>
+        </p:txBody>
+      </p:sp>
+      <p:sp>
+        <p:nvSpPr>
+          <p:cNvPr id="5" name="TextBox 4"/>
+          <p:cNvSpPr txBox="1"/>
+          <p:nvPr/>
+        </p:nvSpPr>
+        <p:spPr>
+          <a:xfrm>
+            <a:off x="1070900" y="1124744"/>
+            <a:ext cx="3744416" cy="454292"/>
+          </a:xfrm>
+          <a:prstGeom prst="rect">
+            <a:avLst/>
+          </a:prstGeom>
+          <a:noFill/>
+        </p:spPr>
+        <p:txBody>
+          <a:bodyPr wrap="square" rtlCol="0">
+            <a:spAutoFit/>
+          </a:bodyPr>
+          <a:lstStyle/>
+          <a:p>
+            <a:pPr marL="342900" indent="-342900">
+              <a:lnSpc>
+                <a:spcPct val="150000"/>
+              </a:lnSpc>
+              <a:buFont typeface="Wingdings" panose="05000000000000000000" pitchFamily="2" charset="2"/>
+              <a:buChar char="Ø"/>
             </a:pPr>
             <a:r>
               <a:rPr lang="en-US" altLang="ko-KR" b="1" dirty="0" smtClean="0"/>
@@ -16900,532 +17209,6 @@
 </p:sld>
 </file>
 
-<file path=ppt/slides/slide38.xml><?xml version="1.0" encoding="utf-8"?>
-<p:sld xmlns:a="http://schemas.openxmlformats.org/drawingml/2006/main" xmlns:r="http://schemas.openxmlformats.org/officeDocument/2006/relationships" xmlns:p="http://schemas.openxmlformats.org/presentationml/2006/main">
-  <p:cSld>
-    <p:spTree>
-      <p:nvGrpSpPr>
-        <p:cNvPr id="1" name=""/>
-        <p:cNvGrpSpPr/>
-        <p:nvPr/>
-      </p:nvGrpSpPr>
-      <p:grpSpPr>
-        <a:xfrm>
-          <a:off x="0" y="0"/>
-          <a:ext cx="0" cy="0"/>
-          <a:chOff x="0" y="0"/>
-          <a:chExt cx="0" cy="0"/>
-        </a:xfrm>
-      </p:grpSpPr>
-      <p:sp>
-        <p:nvSpPr>
-          <p:cNvPr id="15" name="제목 5"/>
-          <p:cNvSpPr txBox="1">
-            <a:spLocks/>
-          </p:cNvSpPr>
-          <p:nvPr/>
-        </p:nvSpPr>
-        <p:spPr>
-          <a:xfrm>
-            <a:off x="0" y="-27384"/>
-            <a:ext cx="7995338" cy="854968"/>
-          </a:xfrm>
-          <a:prstGeom prst="rect">
-            <a:avLst/>
-          </a:prstGeom>
-        </p:spPr>
-        <p:txBody>
-          <a:bodyPr anchor="ctr" anchorCtr="0"/>
-          <a:lstStyle>
-            <a:lvl1pPr algn="l" defTabSz="914400" rtl="0" eaLnBrk="1" latinLnBrk="1" hangingPunct="1">
-              <a:spcBef>
-                <a:spcPct val="0"/>
-              </a:spcBef>
-              <a:buNone/>
-              <a:defRPr sz="3200" kern="1200">
-                <a:solidFill>
-                  <a:schemeClr val="bg1"/>
-                </a:solidFill>
-                <a:latin typeface="HY헤드라인M" panose="02030600000101010101" pitchFamily="18" charset="-127"/>
-                <a:ea typeface="HY헤드라인M" panose="02030600000101010101" pitchFamily="18" charset="-127"/>
-                <a:cs typeface="+mj-cs"/>
-              </a:defRPr>
-            </a:lvl1pPr>
-          </a:lstStyle>
-          <a:p>
-            <a:r>
-              <a:rPr lang="en-US" altLang="ko-KR" dirty="0" smtClean="0"/>
-              <a:t> </a:t>
-            </a:r>
-            <a:r>
-              <a:rPr lang="ko-KR" altLang="en-US" dirty="0"/>
-              <a:t> </a:t>
-            </a:r>
-            <a:r>
-              <a:rPr lang="ko-KR" altLang="en-US" dirty="0" err="1" smtClean="0"/>
-              <a:t>서블릿</a:t>
-            </a:r>
-            <a:r>
-              <a:rPr lang="ko-KR" altLang="en-US" dirty="0" smtClean="0"/>
-              <a:t> 포워드 기능</a:t>
-            </a:r>
-            <a:endParaRPr lang="ko-KR" altLang="en-US" dirty="0"/>
-          </a:p>
-        </p:txBody>
-      </p:sp>
-      <p:sp>
-        <p:nvSpPr>
-          <p:cNvPr id="5" name="TextBox 4"/>
-          <p:cNvSpPr txBox="1"/>
-          <p:nvPr/>
-        </p:nvSpPr>
-        <p:spPr>
-          <a:xfrm>
-            <a:off x="992560" y="1192977"/>
-            <a:ext cx="2664296" cy="507831"/>
-          </a:xfrm>
-          <a:prstGeom prst="rect">
-            <a:avLst/>
-          </a:prstGeom>
-          <a:noFill/>
-        </p:spPr>
-        <p:txBody>
-          <a:bodyPr wrap="square" rtlCol="0">
-            <a:spAutoFit/>
-          </a:bodyPr>
-          <a:lstStyle/>
-          <a:p>
-            <a:pPr>
-              <a:lnSpc>
-                <a:spcPct val="150000"/>
-              </a:lnSpc>
-            </a:pPr>
-            <a:r>
-              <a:rPr lang="en-US" altLang="ko-KR" b="1" dirty="0"/>
-              <a:t> </a:t>
-            </a:r>
-            <a:r>
-              <a:rPr lang="en-US" altLang="ko-KR" b="1" dirty="0" smtClean="0"/>
-              <a:t> redirect </a:t>
-            </a:r>
-            <a:r>
-              <a:rPr lang="ko-KR" altLang="en-US" b="1" dirty="0" smtClean="0"/>
-              <a:t>방법 실</a:t>
-            </a:r>
-            <a:r>
-              <a:rPr lang="ko-KR" altLang="en-US" b="1" dirty="0"/>
-              <a:t>습</a:t>
-            </a:r>
-            <a:endParaRPr lang="en-US" altLang="ko-KR" sz="1600" b="1" dirty="0" smtClean="0"/>
-          </a:p>
-        </p:txBody>
-      </p:sp>
-      <p:pic>
-        <p:nvPicPr>
-          <p:cNvPr id="2" name="그림 1"/>
-          <p:cNvPicPr>
-            <a:picLocks noChangeAspect="1"/>
-          </p:cNvPicPr>
-          <p:nvPr/>
-        </p:nvPicPr>
-        <p:blipFill>
-          <a:blip r:embed="rId2">
-            <a:extLst>
-              <a:ext uri="{28A0092B-C50C-407E-A947-70E740481C1C}">
-                <a14:useLocalDpi xmlns:a14="http://schemas.microsoft.com/office/drawing/2010/main" val="0"/>
-              </a:ext>
-            </a:extLst>
-          </a:blip>
-          <a:stretch>
-            <a:fillRect/>
-          </a:stretch>
-        </p:blipFill>
-        <p:spPr>
-          <a:xfrm>
-            <a:off x="1276054" y="1992420"/>
-            <a:ext cx="3825572" cy="784928"/>
-          </a:xfrm>
-          <a:prstGeom prst="rect">
-            <a:avLst/>
-          </a:prstGeom>
-          <a:ln>
-            <a:solidFill>
-              <a:schemeClr val="bg1">
-                <a:lumMod val="85000"/>
-              </a:schemeClr>
-            </a:solidFill>
-          </a:ln>
-        </p:spPr>
-      </p:pic>
-      <p:pic>
-        <p:nvPicPr>
-          <p:cNvPr id="3" name="그림 2"/>
-          <p:cNvPicPr>
-            <a:picLocks noChangeAspect="1"/>
-          </p:cNvPicPr>
-          <p:nvPr/>
-        </p:nvPicPr>
-        <p:blipFill>
-          <a:blip r:embed="rId3">
-            <a:extLst>
-              <a:ext uri="{28A0092B-C50C-407E-A947-70E740481C1C}">
-                <a14:useLocalDpi xmlns:a14="http://schemas.microsoft.com/office/drawing/2010/main" val="0"/>
-              </a:ext>
-            </a:extLst>
-          </a:blip>
-          <a:stretch>
-            <a:fillRect/>
-          </a:stretch>
-        </p:blipFill>
-        <p:spPr>
-          <a:xfrm>
-            <a:off x="1276054" y="3093706"/>
-            <a:ext cx="7004931" cy="2216555"/>
-          </a:xfrm>
-          <a:prstGeom prst="rect">
-            <a:avLst/>
-          </a:prstGeom>
-          <a:ln>
-            <a:solidFill>
-              <a:schemeClr val="bg1">
-                <a:lumMod val="85000"/>
-              </a:schemeClr>
-            </a:solidFill>
-          </a:ln>
-        </p:spPr>
-      </p:pic>
-      <p:pic>
-        <p:nvPicPr>
-          <p:cNvPr id="4" name="그림 3"/>
-          <p:cNvPicPr>
-            <a:picLocks noChangeAspect="1"/>
-          </p:cNvPicPr>
-          <p:nvPr/>
-        </p:nvPicPr>
-        <p:blipFill rotWithShape="1">
-          <a:blip r:embed="rId4">
-            <a:extLst>
-              <a:ext uri="{28A0092B-C50C-407E-A947-70E740481C1C}">
-                <a14:useLocalDpi xmlns:a14="http://schemas.microsoft.com/office/drawing/2010/main" val="0"/>
-              </a:ext>
-            </a:extLst>
-          </a:blip>
-          <a:srcRect b="54787"/>
-          <a:stretch/>
-        </p:blipFill>
-        <p:spPr>
-          <a:xfrm>
-            <a:off x="6729130" y="4725144"/>
-            <a:ext cx="2253233" cy="1368152"/>
-          </a:xfrm>
-          <a:prstGeom prst="rect">
-            <a:avLst/>
-          </a:prstGeom>
-          <a:ln>
-            <a:solidFill>
-              <a:schemeClr val="bg1">
-                <a:lumMod val="85000"/>
-              </a:schemeClr>
-            </a:solidFill>
-          </a:ln>
-        </p:spPr>
-      </p:pic>
-      <p:sp>
-        <p:nvSpPr>
-          <p:cNvPr id="7" name="모서리가 둥근 직사각형 6">
-            <a:extLst>
-              <a:ext uri="{FF2B5EF4-FFF2-40B4-BE49-F238E27FC236}">
-                <a16:creationId xmlns:a16="http://schemas.microsoft.com/office/drawing/2014/main" id="{792DA8B4-17B2-454B-97AC-17311A4832C5}"/>
-              </a:ext>
-            </a:extLst>
-          </p:cNvPr>
-          <p:cNvSpPr/>
-          <p:nvPr/>
-        </p:nvSpPr>
-        <p:spPr>
-          <a:xfrm>
-            <a:off x="5101626" y="2234936"/>
-            <a:ext cx="2754120" cy="299896"/>
-          </a:xfrm>
-          <a:prstGeom prst="roundRect">
-            <a:avLst/>
-          </a:prstGeom>
-          <a:noFill/>
-        </p:spPr>
-        <p:style>
-          <a:lnRef idx="2">
-            <a:schemeClr val="accent2"/>
-          </a:lnRef>
-          <a:fillRef idx="1">
-            <a:schemeClr val="lt1"/>
-          </a:fillRef>
-          <a:effectRef idx="0">
-            <a:schemeClr val="accent2"/>
-          </a:effectRef>
-          <a:fontRef idx="minor">
-            <a:schemeClr val="dk1"/>
-          </a:fontRef>
-        </p:style>
-        <p:txBody>
-          <a:bodyPr rtlCol="0" anchor="ctr"/>
-          <a:lstStyle/>
-          <a:p>
-            <a:r>
-              <a:rPr lang="ko-KR" altLang="en-US" sz="1600" dirty="0" smtClean="0">
-                <a:solidFill>
-                  <a:sysClr val="windowText" lastClr="000000"/>
-                </a:solidFill>
-              </a:rPr>
-              <a:t>주소 표시줄에서 요청한다</a:t>
-            </a:r>
-            <a:r>
-              <a:rPr lang="en-US" altLang="ko-KR" sz="1600" dirty="0" smtClean="0">
-                <a:solidFill>
-                  <a:sysClr val="windowText" lastClr="000000"/>
-                </a:solidFill>
-              </a:rPr>
-              <a:t>.</a:t>
-            </a:r>
-          </a:p>
-        </p:txBody>
-      </p:sp>
-      <p:cxnSp>
-        <p:nvCxnSpPr>
-          <p:cNvPr id="9" name="직선 화살표 연결선 8"/>
-          <p:cNvCxnSpPr>
-            <a:stCxn id="7" idx="1"/>
-          </p:cNvCxnSpPr>
-          <p:nvPr/>
-        </p:nvCxnSpPr>
-        <p:spPr>
-          <a:xfrm flipH="1" flipV="1">
-            <a:off x="4524766" y="2234936"/>
-            <a:ext cx="576860" cy="149948"/>
-          </a:xfrm>
-          <a:prstGeom prst="straightConnector1">
-            <a:avLst/>
-          </a:prstGeom>
-          <a:ln w="9525">
-            <a:solidFill>
-              <a:srgbClr val="C00000"/>
-            </a:solidFill>
-            <a:prstDash val="solid"/>
-            <a:headEnd type="none" w="med" len="med"/>
-            <a:tailEnd type="triangle" w="med" len="med"/>
-          </a:ln>
-        </p:spPr>
-        <p:style>
-          <a:lnRef idx="1">
-            <a:schemeClr val="accent1"/>
-          </a:lnRef>
-          <a:fillRef idx="0">
-            <a:schemeClr val="accent1"/>
-          </a:fillRef>
-          <a:effectRef idx="0">
-            <a:schemeClr val="accent1"/>
-          </a:effectRef>
-          <a:fontRef idx="minor">
-            <a:schemeClr val="tx1"/>
-          </a:fontRef>
-        </p:style>
-      </p:cxnSp>
-    </p:spTree>
-    <p:extLst>
-      <p:ext uri="{BB962C8B-B14F-4D97-AF65-F5344CB8AC3E}">
-        <p14:creationId xmlns:p14="http://schemas.microsoft.com/office/powerpoint/2010/main" val="4227906072"/>
-      </p:ext>
-    </p:extLst>
-  </p:cSld>
-  <p:clrMapOvr>
-    <a:masterClrMapping/>
-  </p:clrMapOvr>
-  <p:timing>
-    <p:tnLst>
-      <p:par>
-        <p:cTn id="1" dur="indefinite" restart="never" nodeType="tmRoot"/>
-      </p:par>
-    </p:tnLst>
-  </p:timing>
-</p:sld>
-</file>
-
-<file path=ppt/slides/slide39.xml><?xml version="1.0" encoding="utf-8"?>
-<p:sld xmlns:a="http://schemas.openxmlformats.org/drawingml/2006/main" xmlns:r="http://schemas.openxmlformats.org/officeDocument/2006/relationships" xmlns:p="http://schemas.openxmlformats.org/presentationml/2006/main">
-  <p:cSld>
-    <p:spTree>
-      <p:nvGrpSpPr>
-        <p:cNvPr id="1" name=""/>
-        <p:cNvGrpSpPr/>
-        <p:nvPr/>
-      </p:nvGrpSpPr>
-      <p:grpSpPr>
-        <a:xfrm>
-          <a:off x="0" y="0"/>
-          <a:ext cx="0" cy="0"/>
-          <a:chOff x="0" y="0"/>
-          <a:chExt cx="0" cy="0"/>
-        </a:xfrm>
-      </p:grpSpPr>
-      <p:sp>
-        <p:nvSpPr>
-          <p:cNvPr id="15" name="제목 5"/>
-          <p:cNvSpPr txBox="1">
-            <a:spLocks/>
-          </p:cNvSpPr>
-          <p:nvPr/>
-        </p:nvSpPr>
-        <p:spPr>
-          <a:xfrm>
-            <a:off x="0" y="-27384"/>
-            <a:ext cx="7995338" cy="854968"/>
-          </a:xfrm>
-          <a:prstGeom prst="rect">
-            <a:avLst/>
-          </a:prstGeom>
-        </p:spPr>
-        <p:txBody>
-          <a:bodyPr anchor="ctr" anchorCtr="0"/>
-          <a:lstStyle>
-            <a:lvl1pPr algn="l" defTabSz="914400" rtl="0" eaLnBrk="1" latinLnBrk="1" hangingPunct="1">
-              <a:spcBef>
-                <a:spcPct val="0"/>
-              </a:spcBef>
-              <a:buNone/>
-              <a:defRPr sz="3200" kern="1200">
-                <a:solidFill>
-                  <a:schemeClr val="bg1"/>
-                </a:solidFill>
-                <a:latin typeface="HY헤드라인M" panose="02030600000101010101" pitchFamily="18" charset="-127"/>
-                <a:ea typeface="HY헤드라인M" panose="02030600000101010101" pitchFamily="18" charset="-127"/>
-                <a:cs typeface="+mj-cs"/>
-              </a:defRPr>
-            </a:lvl1pPr>
-          </a:lstStyle>
-          <a:p>
-            <a:r>
-              <a:rPr lang="en-US" altLang="ko-KR" dirty="0" smtClean="0"/>
-              <a:t> </a:t>
-            </a:r>
-            <a:r>
-              <a:rPr lang="ko-KR" altLang="en-US" dirty="0"/>
-              <a:t> </a:t>
-            </a:r>
-            <a:r>
-              <a:rPr lang="ko-KR" altLang="en-US" dirty="0" err="1" smtClean="0"/>
-              <a:t>서블릿</a:t>
-            </a:r>
-            <a:r>
-              <a:rPr lang="ko-KR" altLang="en-US" dirty="0" smtClean="0"/>
-              <a:t> 포워드 기능</a:t>
-            </a:r>
-            <a:endParaRPr lang="ko-KR" altLang="en-US" dirty="0"/>
-          </a:p>
-        </p:txBody>
-      </p:sp>
-      <p:sp>
-        <p:nvSpPr>
-          <p:cNvPr id="5" name="TextBox 4"/>
-          <p:cNvSpPr txBox="1"/>
-          <p:nvPr/>
-        </p:nvSpPr>
-        <p:spPr>
-          <a:xfrm>
-            <a:off x="992560" y="1192977"/>
-            <a:ext cx="2664296" cy="507831"/>
-          </a:xfrm>
-          <a:prstGeom prst="rect">
-            <a:avLst/>
-          </a:prstGeom>
-          <a:noFill/>
-        </p:spPr>
-        <p:txBody>
-          <a:bodyPr wrap="square" rtlCol="0">
-            <a:spAutoFit/>
-          </a:bodyPr>
-          <a:lstStyle/>
-          <a:p>
-            <a:pPr>
-              <a:lnSpc>
-                <a:spcPct val="150000"/>
-              </a:lnSpc>
-            </a:pPr>
-            <a:r>
-              <a:rPr lang="en-US" altLang="ko-KR" b="1" dirty="0"/>
-              <a:t> </a:t>
-            </a:r>
-            <a:r>
-              <a:rPr lang="en-US" altLang="ko-KR" b="1" dirty="0" smtClean="0"/>
-              <a:t>redirect </a:t>
-            </a:r>
-            <a:r>
-              <a:rPr lang="ko-KR" altLang="en-US" b="1" dirty="0" smtClean="0"/>
-              <a:t>방법 실</a:t>
-            </a:r>
-            <a:r>
-              <a:rPr lang="ko-KR" altLang="en-US" b="1" dirty="0"/>
-              <a:t>습</a:t>
-            </a:r>
-            <a:endParaRPr lang="en-US" altLang="ko-KR" sz="1600" b="1" dirty="0" smtClean="0"/>
-          </a:p>
-        </p:txBody>
-      </p:sp>
-      <p:pic>
-        <p:nvPicPr>
-          <p:cNvPr id="4" name="그림 3"/>
-          <p:cNvPicPr>
-            <a:picLocks noChangeAspect="1"/>
-          </p:cNvPicPr>
-          <p:nvPr/>
-        </p:nvPicPr>
-        <p:blipFill>
-          <a:blip r:embed="rId2">
-            <a:extLst>
-              <a:ext uri="{28A0092B-C50C-407E-A947-70E740481C1C}">
-                <a14:useLocalDpi xmlns:a14="http://schemas.microsoft.com/office/drawing/2010/main" val="0"/>
-              </a:ext>
-            </a:extLst>
-          </a:blip>
-          <a:stretch>
-            <a:fillRect/>
-          </a:stretch>
-        </p:blipFill>
-        <p:spPr>
-          <a:xfrm>
-            <a:off x="1146785" y="1916832"/>
-            <a:ext cx="7041491" cy="2994920"/>
-          </a:xfrm>
-          <a:prstGeom prst="rect">
-            <a:avLst/>
-          </a:prstGeom>
-          <a:ln>
-            <a:solidFill>
-              <a:schemeClr val="bg1">
-                <a:lumMod val="85000"/>
-              </a:schemeClr>
-            </a:solidFill>
-          </a:ln>
-        </p:spPr>
-      </p:pic>
-    </p:spTree>
-    <p:extLst>
-      <p:ext uri="{BB962C8B-B14F-4D97-AF65-F5344CB8AC3E}">
-        <p14:creationId xmlns:p14="http://schemas.microsoft.com/office/powerpoint/2010/main" val="3499166900"/>
-      </p:ext>
-    </p:extLst>
-  </p:cSld>
-  <p:clrMapOvr>
-    <a:masterClrMapping/>
-  </p:clrMapOvr>
-  <p:timing>
-    <p:tnLst>
-      <p:par>
-        <p:cTn id="1" dur="indefinite" restart="never" nodeType="tmRoot"/>
-      </p:par>
-    </p:tnLst>
-  </p:timing>
-</p:sld>
-</file>
-
 <file path=ppt/slides/slide4.xml><?xml version="1.0" encoding="utf-8"?>
 <p:sld xmlns:a="http://schemas.openxmlformats.org/drawingml/2006/main" xmlns:r="http://schemas.openxmlformats.org/officeDocument/2006/relationships" xmlns:p="http://schemas.openxmlformats.org/presentationml/2006/main">
   <p:cSld>
@@ -17985,8 +17768,8 @@
         </p:nvSpPr>
         <p:spPr>
           <a:xfrm>
-            <a:off x="1070900" y="1124744"/>
-            <a:ext cx="3744416" cy="507831"/>
+            <a:off x="992560" y="1192977"/>
+            <a:ext cx="2664296" cy="507831"/>
           </a:xfrm>
           <a:prstGeom prst="rect">
             <a:avLst/>
@@ -18003,6 +17786,697 @@
               <a:lnSpc>
                 <a:spcPct val="150000"/>
               </a:lnSpc>
+            </a:pPr>
+            <a:r>
+              <a:rPr lang="en-US" altLang="ko-KR" b="1" dirty="0"/>
+              <a:t> </a:t>
+            </a:r>
+            <a:r>
+              <a:rPr lang="en-US" altLang="ko-KR" b="1" dirty="0" smtClean="0"/>
+              <a:t> redirect </a:t>
+            </a:r>
+            <a:r>
+              <a:rPr lang="ko-KR" altLang="en-US" b="1" dirty="0" smtClean="0"/>
+              <a:t>방법 실</a:t>
+            </a:r>
+            <a:r>
+              <a:rPr lang="ko-KR" altLang="en-US" b="1" dirty="0"/>
+              <a:t>습</a:t>
+            </a:r>
+            <a:endParaRPr lang="en-US" altLang="ko-KR" sz="1600" b="1" dirty="0" smtClean="0"/>
+          </a:p>
+        </p:txBody>
+      </p:sp>
+      <p:sp>
+        <p:nvSpPr>
+          <p:cNvPr id="7" name="모서리가 둥근 직사각형 6">
+            <a:extLst>
+              <a:ext uri="{FF2B5EF4-FFF2-40B4-BE49-F238E27FC236}">
+                <a16:creationId xmlns:a16="http://schemas.microsoft.com/office/drawing/2014/main" id="{792DA8B4-17B2-454B-97AC-17311A4832C5}"/>
+              </a:ext>
+            </a:extLst>
+          </p:cNvPr>
+          <p:cNvSpPr/>
+          <p:nvPr/>
+        </p:nvSpPr>
+        <p:spPr>
+          <a:xfrm>
+            <a:off x="6467093" y="2555543"/>
+            <a:ext cx="3056490" cy="820337"/>
+          </a:xfrm>
+          <a:prstGeom prst="roundRect">
+            <a:avLst/>
+          </a:prstGeom>
+          <a:noFill/>
+        </p:spPr>
+        <p:style>
+          <a:lnRef idx="2">
+            <a:schemeClr val="accent2"/>
+          </a:lnRef>
+          <a:fillRef idx="1">
+            <a:schemeClr val="lt1"/>
+          </a:fillRef>
+          <a:effectRef idx="0">
+            <a:schemeClr val="accent2"/>
+          </a:effectRef>
+          <a:fontRef idx="minor">
+            <a:schemeClr val="dk1"/>
+          </a:fontRef>
+        </p:style>
+        <p:txBody>
+          <a:bodyPr rtlCol="0" anchor="ctr"/>
+          <a:lstStyle/>
+          <a:p>
+            <a:r>
+              <a:rPr lang="ko-KR" altLang="en-US" sz="1600" dirty="0" smtClean="0">
+                <a:solidFill>
+                  <a:sysClr val="windowText" lastClr="000000"/>
+                </a:solidFill>
+              </a:rPr>
+              <a:t>주소 </a:t>
+            </a:r>
+            <a:r>
+              <a:rPr lang="ko-KR" altLang="en-US" sz="1600" dirty="0" smtClean="0">
+                <a:solidFill>
+                  <a:sysClr val="windowText" lastClr="000000"/>
+                </a:solidFill>
+              </a:rPr>
+              <a:t>표시줄에 </a:t>
+            </a:r>
+            <a:r>
+              <a:rPr lang="en-US" altLang="ko-KR" sz="1600" dirty="0" smtClean="0">
+                <a:solidFill>
+                  <a:sysClr val="windowText" lastClr="000000"/>
+                </a:solidFill>
+              </a:rPr>
+              <a:t>/</a:t>
+            </a:r>
+            <a:r>
+              <a:rPr lang="en-US" altLang="ko-KR" sz="1600" dirty="0" err="1" smtClean="0">
+                <a:solidFill>
+                  <a:sysClr val="windowText" lastClr="000000"/>
+                </a:solidFill>
+              </a:rPr>
+              <a:t>dir</a:t>
+            </a:r>
+            <a:r>
+              <a:rPr lang="en-US" altLang="ko-KR" sz="1600" dirty="0" smtClean="0">
+                <a:solidFill>
+                  <a:sysClr val="windowText" lastClr="000000"/>
+                </a:solidFill>
+              </a:rPr>
+              <a:t>/first</a:t>
+            </a:r>
+            <a:r>
+              <a:rPr lang="ko-KR" altLang="en-US" sz="1600" dirty="0" smtClean="0">
+                <a:solidFill>
+                  <a:sysClr val="windowText" lastClr="000000"/>
+                </a:solidFill>
+              </a:rPr>
+              <a:t>로 요청</a:t>
+            </a:r>
+            <a:r>
+              <a:rPr lang="ko-KR" altLang="en-US" sz="1600" dirty="0" smtClean="0">
+                <a:solidFill>
+                  <a:sysClr val="windowText" lastClr="000000"/>
+                </a:solidFill>
+              </a:rPr>
+              <a:t>하면 </a:t>
+            </a:r>
+            <a:r>
+              <a:rPr lang="en-US" altLang="ko-KR" sz="1600" dirty="0" smtClean="0">
+                <a:solidFill>
+                  <a:sysClr val="windowText" lastClr="000000"/>
+                </a:solidFill>
+              </a:rPr>
+              <a:t>/</a:t>
+            </a:r>
+            <a:r>
+              <a:rPr lang="en-US" altLang="ko-KR" sz="1600" dirty="0" err="1" smtClean="0">
+                <a:solidFill>
+                  <a:sysClr val="windowText" lastClr="000000"/>
+                </a:solidFill>
+              </a:rPr>
+              <a:t>dir</a:t>
+            </a:r>
+            <a:r>
+              <a:rPr lang="en-US" altLang="ko-KR" sz="1600" dirty="0" smtClean="0">
+                <a:solidFill>
+                  <a:sysClr val="windowText" lastClr="000000"/>
+                </a:solidFill>
+              </a:rPr>
+              <a:t>/second</a:t>
+            </a:r>
+            <a:r>
+              <a:rPr lang="ko-KR" altLang="en-US" sz="1600" dirty="0" smtClean="0">
+                <a:solidFill>
+                  <a:sysClr val="windowText" lastClr="000000"/>
+                </a:solidFill>
+              </a:rPr>
+              <a:t>로 이동함</a:t>
+            </a:r>
+            <a:endParaRPr lang="en-US" altLang="ko-KR" sz="1600" dirty="0" smtClean="0">
+              <a:solidFill>
+                <a:sysClr val="windowText" lastClr="000000"/>
+              </a:solidFill>
+            </a:endParaRPr>
+          </a:p>
+        </p:txBody>
+      </p:sp>
+      <p:cxnSp>
+        <p:nvCxnSpPr>
+          <p:cNvPr id="9" name="직선 화살표 연결선 8"/>
+          <p:cNvCxnSpPr/>
+          <p:nvPr/>
+        </p:nvCxnSpPr>
+        <p:spPr>
+          <a:xfrm flipH="1" flipV="1">
+            <a:off x="6276323" y="2160045"/>
+            <a:ext cx="548885" cy="395498"/>
+          </a:xfrm>
+          <a:prstGeom prst="straightConnector1">
+            <a:avLst/>
+          </a:prstGeom>
+          <a:ln w="9525">
+            <a:solidFill>
+              <a:srgbClr val="C00000"/>
+            </a:solidFill>
+            <a:prstDash val="solid"/>
+            <a:headEnd type="none" w="med" len="med"/>
+            <a:tailEnd type="triangle" w="med" len="med"/>
+          </a:ln>
+        </p:spPr>
+        <p:style>
+          <a:lnRef idx="1">
+            <a:schemeClr val="accent1"/>
+          </a:lnRef>
+          <a:fillRef idx="0">
+            <a:schemeClr val="accent1"/>
+          </a:fillRef>
+          <a:effectRef idx="0">
+            <a:schemeClr val="accent1"/>
+          </a:effectRef>
+          <a:fontRef idx="minor">
+            <a:schemeClr val="tx1"/>
+          </a:fontRef>
+        </p:style>
+      </p:cxnSp>
+      <p:sp>
+        <p:nvSpPr>
+          <p:cNvPr id="11" name="모서리가 둥근 직사각형 10">
+            <a:extLst>
+              <a:ext uri="{FF2B5EF4-FFF2-40B4-BE49-F238E27FC236}">
+                <a16:creationId xmlns:a16="http://schemas.microsoft.com/office/drawing/2014/main" id="{792DA8B4-17B2-454B-97AC-17311A4832C5}"/>
+              </a:ext>
+            </a:extLst>
+          </p:cNvPr>
+          <p:cNvSpPr/>
+          <p:nvPr/>
+        </p:nvSpPr>
+        <p:spPr>
+          <a:xfrm>
+            <a:off x="1208584" y="3195860"/>
+            <a:ext cx="3222358" cy="360040"/>
+          </a:xfrm>
+          <a:prstGeom prst="roundRect">
+            <a:avLst/>
+          </a:prstGeom>
+          <a:noFill/>
+          <a:ln w="12700">
+            <a:solidFill>
+              <a:schemeClr val="tx1"/>
+            </a:solidFill>
+          </a:ln>
+        </p:spPr>
+        <p:style>
+          <a:lnRef idx="2">
+            <a:schemeClr val="accent2"/>
+          </a:lnRef>
+          <a:fillRef idx="1">
+            <a:schemeClr val="lt1"/>
+          </a:fillRef>
+          <a:effectRef idx="0">
+            <a:schemeClr val="accent2"/>
+          </a:effectRef>
+          <a:fontRef idx="minor">
+            <a:schemeClr val="dk1"/>
+          </a:fontRef>
+        </p:style>
+        <p:txBody>
+          <a:bodyPr rtlCol="0" anchor="ctr"/>
+          <a:lstStyle/>
+          <a:p>
+            <a:pPr algn="ctr"/>
+            <a:r>
+              <a:rPr lang="en-US" altLang="ko-KR" sz="1600" dirty="0" smtClean="0">
+                <a:solidFill>
+                  <a:sysClr val="windowText" lastClr="000000"/>
+                </a:solidFill>
+              </a:rPr>
+              <a:t>redirect/FirstServlet.java</a:t>
+            </a:r>
+            <a:endParaRPr lang="en-US" altLang="ko-KR" sz="1600" dirty="0" smtClean="0">
+              <a:solidFill>
+                <a:sysClr val="windowText" lastClr="000000"/>
+              </a:solidFill>
+            </a:endParaRPr>
+          </a:p>
+        </p:txBody>
+      </p:sp>
+      <p:pic>
+        <p:nvPicPr>
+          <p:cNvPr id="10" name="그림 9"/>
+          <p:cNvPicPr>
+            <a:picLocks noChangeAspect="1"/>
+          </p:cNvPicPr>
+          <p:nvPr/>
+        </p:nvPicPr>
+        <p:blipFill>
+          <a:blip r:embed="rId2">
+            <a:extLst>
+              <a:ext uri="{28A0092B-C50C-407E-A947-70E740481C1C}">
+                <a14:useLocalDpi xmlns:a14="http://schemas.microsoft.com/office/drawing/2010/main" val="0"/>
+              </a:ext>
+            </a:extLst>
+          </a:blip>
+          <a:stretch>
+            <a:fillRect/>
+          </a:stretch>
+        </p:blipFill>
+        <p:spPr>
+          <a:xfrm>
+            <a:off x="1280592" y="3717032"/>
+            <a:ext cx="7776439" cy="2109226"/>
+          </a:xfrm>
+          <a:prstGeom prst="rect">
+            <a:avLst/>
+          </a:prstGeom>
+          <a:ln>
+            <a:solidFill>
+              <a:schemeClr val="bg1">
+                <a:lumMod val="85000"/>
+              </a:schemeClr>
+            </a:solidFill>
+          </a:ln>
+        </p:spPr>
+      </p:pic>
+      <p:pic>
+        <p:nvPicPr>
+          <p:cNvPr id="12" name="그림 11"/>
+          <p:cNvPicPr>
+            <a:picLocks noChangeAspect="1"/>
+          </p:cNvPicPr>
+          <p:nvPr/>
+        </p:nvPicPr>
+        <p:blipFill>
+          <a:blip r:embed="rId3">
+            <a:extLst>
+              <a:ext uri="{28A0092B-C50C-407E-A947-70E740481C1C}">
+                <a14:useLocalDpi xmlns:a14="http://schemas.microsoft.com/office/drawing/2010/main" val="0"/>
+              </a:ext>
+            </a:extLst>
+          </a:blip>
+          <a:stretch>
+            <a:fillRect/>
+          </a:stretch>
+        </p:blipFill>
+        <p:spPr>
+          <a:xfrm>
+            <a:off x="1208584" y="1861940"/>
+            <a:ext cx="5067739" cy="922100"/>
+          </a:xfrm>
+          <a:prstGeom prst="rect">
+            <a:avLst/>
+          </a:prstGeom>
+          <a:ln>
+            <a:solidFill>
+              <a:schemeClr val="bg1">
+                <a:lumMod val="85000"/>
+              </a:schemeClr>
+            </a:solidFill>
+          </a:ln>
+        </p:spPr>
+      </p:pic>
+    </p:spTree>
+    <p:extLst>
+      <p:ext uri="{BB962C8B-B14F-4D97-AF65-F5344CB8AC3E}">
+        <p14:creationId xmlns:p14="http://schemas.microsoft.com/office/powerpoint/2010/main" val="4227906072"/>
+      </p:ext>
+    </p:extLst>
+  </p:cSld>
+  <p:clrMapOvr>
+    <a:masterClrMapping/>
+  </p:clrMapOvr>
+  <p:timing>
+    <p:tnLst>
+      <p:par>
+        <p:cTn id="1" dur="indefinite" restart="never" nodeType="tmRoot"/>
+      </p:par>
+    </p:tnLst>
+  </p:timing>
+</p:sld>
+</file>
+
+<file path=ppt/slides/slide41.xml><?xml version="1.0" encoding="utf-8"?>
+<p:sld xmlns:a="http://schemas.openxmlformats.org/drawingml/2006/main" xmlns:r="http://schemas.openxmlformats.org/officeDocument/2006/relationships" xmlns:p="http://schemas.openxmlformats.org/presentationml/2006/main">
+  <p:cSld>
+    <p:spTree>
+      <p:nvGrpSpPr>
+        <p:cNvPr id="1" name=""/>
+        <p:cNvGrpSpPr/>
+        <p:nvPr/>
+      </p:nvGrpSpPr>
+      <p:grpSpPr>
+        <a:xfrm>
+          <a:off x="0" y="0"/>
+          <a:ext cx="0" cy="0"/>
+          <a:chOff x="0" y="0"/>
+          <a:chExt cx="0" cy="0"/>
+        </a:xfrm>
+      </p:grpSpPr>
+      <p:sp>
+        <p:nvSpPr>
+          <p:cNvPr id="15" name="제목 5"/>
+          <p:cNvSpPr txBox="1">
+            <a:spLocks/>
+          </p:cNvSpPr>
+          <p:nvPr/>
+        </p:nvSpPr>
+        <p:spPr>
+          <a:xfrm>
+            <a:off x="0" y="-27384"/>
+            <a:ext cx="7995338" cy="854968"/>
+          </a:xfrm>
+          <a:prstGeom prst="rect">
+            <a:avLst/>
+          </a:prstGeom>
+        </p:spPr>
+        <p:txBody>
+          <a:bodyPr anchor="ctr" anchorCtr="0"/>
+          <a:lstStyle>
+            <a:lvl1pPr algn="l" defTabSz="914400" rtl="0" eaLnBrk="1" latinLnBrk="1" hangingPunct="1">
+              <a:spcBef>
+                <a:spcPct val="0"/>
+              </a:spcBef>
+              <a:buNone/>
+              <a:defRPr sz="3200" kern="1200">
+                <a:solidFill>
+                  <a:schemeClr val="bg1"/>
+                </a:solidFill>
+                <a:latin typeface="HY헤드라인M" panose="02030600000101010101" pitchFamily="18" charset="-127"/>
+                <a:ea typeface="HY헤드라인M" panose="02030600000101010101" pitchFamily="18" charset="-127"/>
+                <a:cs typeface="+mj-cs"/>
+              </a:defRPr>
+            </a:lvl1pPr>
+          </a:lstStyle>
+          <a:p>
+            <a:r>
+              <a:rPr lang="en-US" altLang="ko-KR" dirty="0" smtClean="0"/>
+              <a:t> </a:t>
+            </a:r>
+            <a:r>
+              <a:rPr lang="ko-KR" altLang="en-US" dirty="0"/>
+              <a:t> </a:t>
+            </a:r>
+            <a:r>
+              <a:rPr lang="ko-KR" altLang="en-US" dirty="0" err="1" smtClean="0"/>
+              <a:t>서블릿</a:t>
+            </a:r>
+            <a:r>
+              <a:rPr lang="ko-KR" altLang="en-US" dirty="0" smtClean="0"/>
+              <a:t> 포워드 기능</a:t>
+            </a:r>
+            <a:endParaRPr lang="ko-KR" altLang="en-US" dirty="0"/>
+          </a:p>
+        </p:txBody>
+      </p:sp>
+      <p:sp>
+        <p:nvSpPr>
+          <p:cNvPr id="5" name="TextBox 4"/>
+          <p:cNvSpPr txBox="1"/>
+          <p:nvPr/>
+        </p:nvSpPr>
+        <p:spPr>
+          <a:xfrm>
+            <a:off x="992560" y="1192977"/>
+            <a:ext cx="2664296" cy="507831"/>
+          </a:xfrm>
+          <a:prstGeom prst="rect">
+            <a:avLst/>
+          </a:prstGeom>
+          <a:noFill/>
+        </p:spPr>
+        <p:txBody>
+          <a:bodyPr wrap="square" rtlCol="0">
+            <a:spAutoFit/>
+          </a:bodyPr>
+          <a:lstStyle/>
+          <a:p>
+            <a:pPr>
+              <a:lnSpc>
+                <a:spcPct val="150000"/>
+              </a:lnSpc>
+            </a:pPr>
+            <a:r>
+              <a:rPr lang="en-US" altLang="ko-KR" b="1" dirty="0"/>
+              <a:t> </a:t>
+            </a:r>
+            <a:r>
+              <a:rPr lang="en-US" altLang="ko-KR" b="1" dirty="0" smtClean="0"/>
+              <a:t>redirect </a:t>
+            </a:r>
+            <a:r>
+              <a:rPr lang="ko-KR" altLang="en-US" b="1" dirty="0" smtClean="0"/>
+              <a:t>방법 실</a:t>
+            </a:r>
+            <a:r>
+              <a:rPr lang="ko-KR" altLang="en-US" b="1" dirty="0"/>
+              <a:t>습</a:t>
+            </a:r>
+            <a:endParaRPr lang="en-US" altLang="ko-KR" sz="1600" b="1" dirty="0" smtClean="0"/>
+          </a:p>
+        </p:txBody>
+      </p:sp>
+      <p:sp>
+        <p:nvSpPr>
+          <p:cNvPr id="6" name="모서리가 둥근 직사각형 5">
+            <a:extLst>
+              <a:ext uri="{FF2B5EF4-FFF2-40B4-BE49-F238E27FC236}">
+                <a16:creationId xmlns:a16="http://schemas.microsoft.com/office/drawing/2014/main" id="{792DA8B4-17B2-454B-97AC-17311A4832C5}"/>
+              </a:ext>
+            </a:extLst>
+          </p:cNvPr>
+          <p:cNvSpPr/>
+          <p:nvPr/>
+        </p:nvSpPr>
+        <p:spPr>
+          <a:xfrm>
+            <a:off x="4978088" y="1844824"/>
+            <a:ext cx="3222358" cy="360040"/>
+          </a:xfrm>
+          <a:prstGeom prst="roundRect">
+            <a:avLst/>
+          </a:prstGeom>
+          <a:noFill/>
+          <a:ln w="12700">
+            <a:solidFill>
+              <a:schemeClr val="tx1"/>
+            </a:solidFill>
+          </a:ln>
+        </p:spPr>
+        <p:style>
+          <a:lnRef idx="2">
+            <a:schemeClr val="accent2"/>
+          </a:lnRef>
+          <a:fillRef idx="1">
+            <a:schemeClr val="lt1"/>
+          </a:fillRef>
+          <a:effectRef idx="0">
+            <a:schemeClr val="accent2"/>
+          </a:effectRef>
+          <a:fontRef idx="minor">
+            <a:schemeClr val="dk1"/>
+          </a:fontRef>
+        </p:style>
+        <p:txBody>
+          <a:bodyPr rtlCol="0" anchor="ctr"/>
+          <a:lstStyle/>
+          <a:p>
+            <a:pPr algn="ctr"/>
+            <a:r>
+              <a:rPr lang="en-US" altLang="ko-KR" sz="1600" dirty="0" smtClean="0">
+                <a:solidFill>
+                  <a:sysClr val="windowText" lastClr="000000"/>
+                </a:solidFill>
+              </a:rPr>
+              <a:t>redirect/SecondServlet.java</a:t>
+            </a:r>
+            <a:endParaRPr lang="en-US" altLang="ko-KR" sz="1600" dirty="0" smtClean="0">
+              <a:solidFill>
+                <a:sysClr val="windowText" lastClr="000000"/>
+              </a:solidFill>
+            </a:endParaRPr>
+          </a:p>
+        </p:txBody>
+      </p:sp>
+      <p:pic>
+        <p:nvPicPr>
+          <p:cNvPr id="2" name="그림 1"/>
+          <p:cNvPicPr>
+            <a:picLocks noChangeAspect="1"/>
+          </p:cNvPicPr>
+          <p:nvPr/>
+        </p:nvPicPr>
+        <p:blipFill>
+          <a:blip r:embed="rId2">
+            <a:extLst>
+              <a:ext uri="{28A0092B-C50C-407E-A947-70E740481C1C}">
+                <a14:useLocalDpi xmlns:a14="http://schemas.microsoft.com/office/drawing/2010/main" val="0"/>
+              </a:ext>
+            </a:extLst>
+          </a:blip>
+          <a:stretch>
+            <a:fillRect/>
+          </a:stretch>
+        </p:blipFill>
+        <p:spPr>
+          <a:xfrm>
+            <a:off x="992560" y="2420888"/>
+            <a:ext cx="7992888" cy="3004626"/>
+          </a:xfrm>
+          <a:prstGeom prst="rect">
+            <a:avLst/>
+          </a:prstGeom>
+          <a:ln>
+            <a:solidFill>
+              <a:schemeClr val="bg1">
+                <a:lumMod val="85000"/>
+              </a:schemeClr>
+            </a:solidFill>
+          </a:ln>
+        </p:spPr>
+      </p:pic>
+    </p:spTree>
+    <p:extLst>
+      <p:ext uri="{BB962C8B-B14F-4D97-AF65-F5344CB8AC3E}">
+        <p14:creationId xmlns:p14="http://schemas.microsoft.com/office/powerpoint/2010/main" val="3499166900"/>
+      </p:ext>
+    </p:extLst>
+  </p:cSld>
+  <p:clrMapOvr>
+    <a:masterClrMapping/>
+  </p:clrMapOvr>
+  <p:timing>
+    <p:tnLst>
+      <p:par>
+        <p:cTn id="1" dur="indefinite" restart="never" nodeType="tmRoot"/>
+      </p:par>
+    </p:tnLst>
+  </p:timing>
+</p:sld>
+</file>
+
+<file path=ppt/slides/slide42.xml><?xml version="1.0" encoding="utf-8"?>
+<p:sld xmlns:a="http://schemas.openxmlformats.org/drawingml/2006/main" xmlns:r="http://schemas.openxmlformats.org/officeDocument/2006/relationships" xmlns:p="http://schemas.openxmlformats.org/presentationml/2006/main">
+  <p:cSld>
+    <p:spTree>
+      <p:nvGrpSpPr>
+        <p:cNvPr id="1" name=""/>
+        <p:cNvGrpSpPr/>
+        <p:nvPr/>
+      </p:nvGrpSpPr>
+      <p:grpSpPr>
+        <a:xfrm>
+          <a:off x="0" y="0"/>
+          <a:ext cx="0" cy="0"/>
+          <a:chOff x="0" y="0"/>
+          <a:chExt cx="0" cy="0"/>
+        </a:xfrm>
+      </p:grpSpPr>
+      <p:sp>
+        <p:nvSpPr>
+          <p:cNvPr id="15" name="제목 5"/>
+          <p:cNvSpPr txBox="1">
+            <a:spLocks/>
+          </p:cNvSpPr>
+          <p:nvPr/>
+        </p:nvSpPr>
+        <p:spPr>
+          <a:xfrm>
+            <a:off x="0" y="-27384"/>
+            <a:ext cx="7995338" cy="854968"/>
+          </a:xfrm>
+          <a:prstGeom prst="rect">
+            <a:avLst/>
+          </a:prstGeom>
+        </p:spPr>
+        <p:txBody>
+          <a:bodyPr anchor="ctr" anchorCtr="0"/>
+          <a:lstStyle>
+            <a:lvl1pPr algn="l" defTabSz="914400" rtl="0" eaLnBrk="1" latinLnBrk="1" hangingPunct="1">
+              <a:spcBef>
+                <a:spcPct val="0"/>
+              </a:spcBef>
+              <a:buNone/>
+              <a:defRPr sz="3200" kern="1200">
+                <a:solidFill>
+                  <a:schemeClr val="bg1"/>
+                </a:solidFill>
+                <a:latin typeface="HY헤드라인M" panose="02030600000101010101" pitchFamily="18" charset="-127"/>
+                <a:ea typeface="HY헤드라인M" panose="02030600000101010101" pitchFamily="18" charset="-127"/>
+                <a:cs typeface="+mj-cs"/>
+              </a:defRPr>
+            </a:lvl1pPr>
+          </a:lstStyle>
+          <a:p>
+            <a:r>
+              <a:rPr lang="en-US" altLang="ko-KR" dirty="0" smtClean="0"/>
+              <a:t> </a:t>
+            </a:r>
+            <a:r>
+              <a:rPr lang="ko-KR" altLang="en-US" dirty="0"/>
+              <a:t> </a:t>
+            </a:r>
+            <a:r>
+              <a:rPr lang="ko-KR" altLang="en-US" dirty="0" err="1" smtClean="0"/>
+              <a:t>서블릿</a:t>
+            </a:r>
+            <a:r>
+              <a:rPr lang="ko-KR" altLang="en-US" dirty="0" smtClean="0"/>
+              <a:t> 포워드 기능</a:t>
+            </a:r>
+            <a:endParaRPr lang="ko-KR" altLang="en-US" dirty="0"/>
+          </a:p>
+        </p:txBody>
+      </p:sp>
+      <p:sp>
+        <p:nvSpPr>
+          <p:cNvPr id="5" name="TextBox 4"/>
+          <p:cNvSpPr txBox="1"/>
+          <p:nvPr/>
+        </p:nvSpPr>
+        <p:spPr>
+          <a:xfrm>
+            <a:off x="1070900" y="1124744"/>
+            <a:ext cx="3744416" cy="454292"/>
+          </a:xfrm>
+          <a:prstGeom prst="rect">
+            <a:avLst/>
+          </a:prstGeom>
+          <a:noFill/>
+        </p:spPr>
+        <p:txBody>
+          <a:bodyPr wrap="square" rtlCol="0">
+            <a:spAutoFit/>
+          </a:bodyPr>
+          <a:lstStyle/>
+          <a:p>
+            <a:pPr marL="285750" indent="-285750">
+              <a:lnSpc>
+                <a:spcPct val="150000"/>
+              </a:lnSpc>
+              <a:buFont typeface="Wingdings" panose="05000000000000000000" pitchFamily="2" charset="2"/>
+              <a:buChar char="Ø"/>
             </a:pPr>
             <a:r>
               <a:rPr lang="en-US" altLang="ko-KR" b="1" dirty="0"/>
@@ -18549,7 +19023,7 @@
 </p:sld>
 </file>
 
-<file path=ppt/slides/slide41.xml><?xml version="1.0" encoding="utf-8"?>
+<file path=ppt/slides/slide43.xml><?xml version="1.0" encoding="utf-8"?>
 <p:sld xmlns:a="http://schemas.openxmlformats.org/drawingml/2006/main" xmlns:r="http://schemas.openxmlformats.org/officeDocument/2006/relationships" xmlns:p="http://schemas.openxmlformats.org/presentationml/2006/main">
   <p:cSld>
     <p:spTree>
@@ -18880,557 +19354,6 @@
     <p:extLst>
       <p:ext uri="{BB962C8B-B14F-4D97-AF65-F5344CB8AC3E}">
         <p14:creationId xmlns:p14="http://schemas.microsoft.com/office/powerpoint/2010/main" val="2266938998"/>
-      </p:ext>
-    </p:extLst>
-  </p:cSld>
-  <p:clrMapOvr>
-    <a:masterClrMapping/>
-  </p:clrMapOvr>
-  <p:timing>
-    <p:tnLst>
-      <p:par>
-        <p:cTn id="1" dur="indefinite" restart="never" nodeType="tmRoot"/>
-      </p:par>
-    </p:tnLst>
-  </p:timing>
-</p:sld>
-</file>
-
-<file path=ppt/slides/slide42.xml><?xml version="1.0" encoding="utf-8"?>
-<p:sld xmlns:a="http://schemas.openxmlformats.org/drawingml/2006/main" xmlns:r="http://schemas.openxmlformats.org/officeDocument/2006/relationships" xmlns:p="http://schemas.openxmlformats.org/presentationml/2006/main">
-  <p:cSld>
-    <p:spTree>
-      <p:nvGrpSpPr>
-        <p:cNvPr id="1" name=""/>
-        <p:cNvGrpSpPr/>
-        <p:nvPr/>
-      </p:nvGrpSpPr>
-      <p:grpSpPr>
-        <a:xfrm>
-          <a:off x="0" y="0"/>
-          <a:ext cx="0" cy="0"/>
-          <a:chOff x="0" y="0"/>
-          <a:chExt cx="0" cy="0"/>
-        </a:xfrm>
-      </p:grpSpPr>
-      <p:sp>
-        <p:nvSpPr>
-          <p:cNvPr id="15" name="제목 5"/>
-          <p:cNvSpPr txBox="1">
-            <a:spLocks/>
-          </p:cNvSpPr>
-          <p:nvPr/>
-        </p:nvSpPr>
-        <p:spPr>
-          <a:xfrm>
-            <a:off x="0" y="-27384"/>
-            <a:ext cx="7995338" cy="854968"/>
-          </a:xfrm>
-          <a:prstGeom prst="rect">
-            <a:avLst/>
-          </a:prstGeom>
-        </p:spPr>
-        <p:txBody>
-          <a:bodyPr anchor="ctr" anchorCtr="0"/>
-          <a:lstStyle>
-            <a:lvl1pPr algn="l" defTabSz="914400" rtl="0" eaLnBrk="1" latinLnBrk="1" hangingPunct="1">
-              <a:spcBef>
-                <a:spcPct val="0"/>
-              </a:spcBef>
-              <a:buNone/>
-              <a:defRPr sz="3200" kern="1200">
-                <a:solidFill>
-                  <a:schemeClr val="bg1"/>
-                </a:solidFill>
-                <a:latin typeface="HY헤드라인M" panose="02030600000101010101" pitchFamily="18" charset="-127"/>
-                <a:ea typeface="HY헤드라인M" panose="02030600000101010101" pitchFamily="18" charset="-127"/>
-                <a:cs typeface="+mj-cs"/>
-              </a:defRPr>
-            </a:lvl1pPr>
-          </a:lstStyle>
-          <a:p>
-            <a:r>
-              <a:rPr lang="en-US" altLang="ko-KR" dirty="0" smtClean="0"/>
-              <a:t> </a:t>
-            </a:r>
-            <a:r>
-              <a:rPr lang="ko-KR" altLang="en-US" dirty="0"/>
-              <a:t> </a:t>
-            </a:r>
-            <a:r>
-              <a:rPr lang="ko-KR" altLang="en-US" dirty="0" err="1" smtClean="0"/>
-              <a:t>서블릿</a:t>
-            </a:r>
-            <a:r>
-              <a:rPr lang="ko-KR" altLang="en-US" dirty="0" smtClean="0"/>
-              <a:t> 포워드 기능</a:t>
-            </a:r>
-            <a:endParaRPr lang="ko-KR" altLang="en-US" dirty="0"/>
-          </a:p>
-        </p:txBody>
-      </p:sp>
-      <p:sp>
-        <p:nvSpPr>
-          <p:cNvPr id="5" name="TextBox 4"/>
-          <p:cNvSpPr txBox="1"/>
-          <p:nvPr/>
-        </p:nvSpPr>
-        <p:spPr>
-          <a:xfrm>
-            <a:off x="1141106" y="1242064"/>
-            <a:ext cx="2664296" cy="507831"/>
-          </a:xfrm>
-          <a:prstGeom prst="rect">
-            <a:avLst/>
-          </a:prstGeom>
-          <a:noFill/>
-        </p:spPr>
-        <p:txBody>
-          <a:bodyPr wrap="square" rtlCol="0">
-            <a:spAutoFit/>
-          </a:bodyPr>
-          <a:lstStyle/>
-          <a:p>
-            <a:pPr>
-              <a:lnSpc>
-                <a:spcPct val="150000"/>
-              </a:lnSpc>
-            </a:pPr>
-            <a:r>
-              <a:rPr lang="en-US" altLang="ko-KR" b="1" dirty="0"/>
-              <a:t> </a:t>
-            </a:r>
-            <a:r>
-              <a:rPr lang="en-US" altLang="ko-KR" b="1" dirty="0" smtClean="0"/>
-              <a:t> dispatch</a:t>
-            </a:r>
-            <a:r>
-              <a:rPr lang="ko-KR" altLang="en-US" b="1" dirty="0" smtClean="0"/>
-              <a:t>방법 실</a:t>
-            </a:r>
-            <a:r>
-              <a:rPr lang="ko-KR" altLang="en-US" b="1" dirty="0"/>
-              <a:t>습</a:t>
-            </a:r>
-            <a:endParaRPr lang="en-US" altLang="ko-KR" sz="1600" b="1" dirty="0" smtClean="0"/>
-          </a:p>
-        </p:txBody>
-      </p:sp>
-      <p:pic>
-        <p:nvPicPr>
-          <p:cNvPr id="2" name="그림 1"/>
-          <p:cNvPicPr>
-            <a:picLocks noChangeAspect="1"/>
-          </p:cNvPicPr>
-          <p:nvPr/>
-        </p:nvPicPr>
-        <p:blipFill>
-          <a:blip r:embed="rId2">
-            <a:extLst>
-              <a:ext uri="{28A0092B-C50C-407E-A947-70E740481C1C}">
-                <a14:useLocalDpi xmlns:a14="http://schemas.microsoft.com/office/drawing/2010/main" val="0"/>
-              </a:ext>
-            </a:extLst>
-          </a:blip>
-          <a:stretch>
-            <a:fillRect/>
-          </a:stretch>
-        </p:blipFill>
-        <p:spPr>
-          <a:xfrm>
-            <a:off x="1400892" y="1993336"/>
-            <a:ext cx="3452159" cy="998307"/>
-          </a:xfrm>
-          <a:prstGeom prst="rect">
-            <a:avLst/>
-          </a:prstGeom>
-          <a:ln>
-            <a:solidFill>
-              <a:schemeClr val="bg1">
-                <a:lumMod val="85000"/>
-              </a:schemeClr>
-            </a:solidFill>
-          </a:ln>
-        </p:spPr>
-      </p:pic>
-      <p:pic>
-        <p:nvPicPr>
-          <p:cNvPr id="6" name="그림 5"/>
-          <p:cNvPicPr>
-            <a:picLocks noChangeAspect="1"/>
-          </p:cNvPicPr>
-          <p:nvPr/>
-        </p:nvPicPr>
-        <p:blipFill>
-          <a:blip r:embed="rId3">
-            <a:extLst>
-              <a:ext uri="{28A0092B-C50C-407E-A947-70E740481C1C}">
-                <a14:useLocalDpi xmlns:a14="http://schemas.microsoft.com/office/drawing/2010/main" val="0"/>
-              </a:ext>
-            </a:extLst>
-          </a:blip>
-          <a:stretch>
-            <a:fillRect/>
-          </a:stretch>
-        </p:blipFill>
-        <p:spPr>
-          <a:xfrm>
-            <a:off x="1400892" y="3150145"/>
-            <a:ext cx="7658764" cy="2522439"/>
-          </a:xfrm>
-          <a:prstGeom prst="rect">
-            <a:avLst/>
-          </a:prstGeom>
-          <a:ln>
-            <a:solidFill>
-              <a:schemeClr val="bg1">
-                <a:lumMod val="85000"/>
-              </a:schemeClr>
-            </a:solidFill>
-          </a:ln>
-        </p:spPr>
-      </p:pic>
-      <p:sp>
-        <p:nvSpPr>
-          <p:cNvPr id="7" name="모서리가 둥근 직사각형 6">
-            <a:extLst>
-              <a:ext uri="{FF2B5EF4-FFF2-40B4-BE49-F238E27FC236}">
-                <a16:creationId xmlns:a16="http://schemas.microsoft.com/office/drawing/2014/main" id="{792DA8B4-17B2-454B-97AC-17311A4832C5}"/>
-              </a:ext>
-            </a:extLst>
-          </p:cNvPr>
-          <p:cNvSpPr/>
-          <p:nvPr/>
-        </p:nvSpPr>
-        <p:spPr>
-          <a:xfrm>
-            <a:off x="5025008" y="2192593"/>
-            <a:ext cx="2754120" cy="299896"/>
-          </a:xfrm>
-          <a:prstGeom prst="roundRect">
-            <a:avLst/>
-          </a:prstGeom>
-          <a:noFill/>
-        </p:spPr>
-        <p:style>
-          <a:lnRef idx="2">
-            <a:schemeClr val="accent2"/>
-          </a:lnRef>
-          <a:fillRef idx="1">
-            <a:schemeClr val="lt1"/>
-          </a:fillRef>
-          <a:effectRef idx="0">
-            <a:schemeClr val="accent2"/>
-          </a:effectRef>
-          <a:fontRef idx="minor">
-            <a:schemeClr val="dk1"/>
-          </a:fontRef>
-        </p:style>
-        <p:txBody>
-          <a:bodyPr rtlCol="0" anchor="ctr"/>
-          <a:lstStyle/>
-          <a:p>
-            <a:r>
-              <a:rPr lang="ko-KR" altLang="en-US" sz="1600" dirty="0" smtClean="0">
-                <a:solidFill>
-                  <a:sysClr val="windowText" lastClr="000000"/>
-                </a:solidFill>
-              </a:rPr>
-              <a:t>주소 표시줄에서 요청한다</a:t>
-            </a:r>
-            <a:r>
-              <a:rPr lang="en-US" altLang="ko-KR" sz="1600" dirty="0" smtClean="0">
-                <a:solidFill>
-                  <a:sysClr val="windowText" lastClr="000000"/>
-                </a:solidFill>
-              </a:rPr>
-              <a:t>.</a:t>
-            </a:r>
-          </a:p>
-        </p:txBody>
-      </p:sp>
-      <p:cxnSp>
-        <p:nvCxnSpPr>
-          <p:cNvPr id="8" name="직선 화살표 연결선 7"/>
-          <p:cNvCxnSpPr>
-            <a:stCxn id="7" idx="1"/>
-          </p:cNvCxnSpPr>
-          <p:nvPr/>
-        </p:nvCxnSpPr>
-        <p:spPr>
-          <a:xfrm flipH="1" flipV="1">
-            <a:off x="4448148" y="2192593"/>
-            <a:ext cx="576860" cy="149948"/>
-          </a:xfrm>
-          <a:prstGeom prst="straightConnector1">
-            <a:avLst/>
-          </a:prstGeom>
-          <a:ln w="9525">
-            <a:solidFill>
-              <a:srgbClr val="C00000"/>
-            </a:solidFill>
-            <a:prstDash val="solid"/>
-            <a:headEnd type="none" w="med" len="med"/>
-            <a:tailEnd type="triangle" w="med" len="med"/>
-          </a:ln>
-        </p:spPr>
-        <p:style>
-          <a:lnRef idx="1">
-            <a:schemeClr val="accent1"/>
-          </a:lnRef>
-          <a:fillRef idx="0">
-            <a:schemeClr val="accent1"/>
-          </a:fillRef>
-          <a:effectRef idx="0">
-            <a:schemeClr val="accent1"/>
-          </a:effectRef>
-          <a:fontRef idx="minor">
-            <a:schemeClr val="tx1"/>
-          </a:fontRef>
-        </p:style>
-      </p:cxnSp>
-      <p:sp>
-        <p:nvSpPr>
-          <p:cNvPr id="9" name="모서리가 둥근 직사각형 8">
-            <a:extLst>
-              <a:ext uri="{FF2B5EF4-FFF2-40B4-BE49-F238E27FC236}">
-                <a16:creationId xmlns:a16="http://schemas.microsoft.com/office/drawing/2014/main" id="{792DA8B4-17B2-454B-97AC-17311A4832C5}"/>
-              </a:ext>
-            </a:extLst>
-          </p:cNvPr>
-          <p:cNvSpPr/>
-          <p:nvPr/>
-        </p:nvSpPr>
-        <p:spPr>
-          <a:xfrm>
-            <a:off x="5745088" y="2655538"/>
-            <a:ext cx="3222358" cy="360040"/>
-          </a:xfrm>
-          <a:prstGeom prst="roundRect">
-            <a:avLst/>
-          </a:prstGeom>
-          <a:noFill/>
-          <a:ln w="12700">
-            <a:solidFill>
-              <a:schemeClr val="tx1"/>
-            </a:solidFill>
-          </a:ln>
-        </p:spPr>
-        <p:style>
-          <a:lnRef idx="2">
-            <a:schemeClr val="accent2"/>
-          </a:lnRef>
-          <a:fillRef idx="1">
-            <a:schemeClr val="lt1"/>
-          </a:fillRef>
-          <a:effectRef idx="0">
-            <a:schemeClr val="accent2"/>
-          </a:effectRef>
-          <a:fontRef idx="minor">
-            <a:schemeClr val="dk1"/>
-          </a:fontRef>
-        </p:style>
-        <p:txBody>
-          <a:bodyPr rtlCol="0" anchor="ctr"/>
-          <a:lstStyle/>
-          <a:p>
-            <a:pPr algn="ctr"/>
-            <a:r>
-              <a:rPr lang="en-US" altLang="ko-KR" sz="1600" dirty="0" err="1" smtClean="0">
-                <a:solidFill>
-                  <a:sysClr val="windowText" lastClr="000000"/>
-                </a:solidFill>
-              </a:rPr>
-              <a:t>com.servlet</a:t>
-            </a:r>
-            <a:r>
-              <a:rPr lang="en-US" altLang="ko-KR" sz="1600" dirty="0" smtClean="0">
-                <a:solidFill>
-                  <a:sysClr val="windowText" lastClr="000000"/>
-                </a:solidFill>
-              </a:rPr>
-              <a:t>/SecondServlet.java</a:t>
-            </a:r>
-          </a:p>
-        </p:txBody>
-      </p:sp>
-    </p:spTree>
-    <p:extLst>
-      <p:ext uri="{BB962C8B-B14F-4D97-AF65-F5344CB8AC3E}">
-        <p14:creationId xmlns:p14="http://schemas.microsoft.com/office/powerpoint/2010/main" val="178645080"/>
-      </p:ext>
-    </p:extLst>
-  </p:cSld>
-  <p:clrMapOvr>
-    <a:masterClrMapping/>
-  </p:clrMapOvr>
-  <p:timing>
-    <p:tnLst>
-      <p:par>
-        <p:cTn id="1" dur="indefinite" restart="never" nodeType="tmRoot"/>
-      </p:par>
-    </p:tnLst>
-  </p:timing>
-</p:sld>
-</file>
-
-<file path=ppt/slides/slide43.xml><?xml version="1.0" encoding="utf-8"?>
-<p:sld xmlns:a="http://schemas.openxmlformats.org/drawingml/2006/main" xmlns:r="http://schemas.openxmlformats.org/officeDocument/2006/relationships" xmlns:p="http://schemas.openxmlformats.org/presentationml/2006/main">
-  <p:cSld>
-    <p:spTree>
-      <p:nvGrpSpPr>
-        <p:cNvPr id="1" name=""/>
-        <p:cNvGrpSpPr/>
-        <p:nvPr/>
-      </p:nvGrpSpPr>
-      <p:grpSpPr>
-        <a:xfrm>
-          <a:off x="0" y="0"/>
-          <a:ext cx="0" cy="0"/>
-          <a:chOff x="0" y="0"/>
-          <a:chExt cx="0" cy="0"/>
-        </a:xfrm>
-      </p:grpSpPr>
-      <p:sp>
-        <p:nvSpPr>
-          <p:cNvPr id="15" name="제목 5"/>
-          <p:cNvSpPr txBox="1">
-            <a:spLocks/>
-          </p:cNvSpPr>
-          <p:nvPr/>
-        </p:nvSpPr>
-        <p:spPr>
-          <a:xfrm>
-            <a:off x="0" y="-27384"/>
-            <a:ext cx="7995338" cy="854968"/>
-          </a:xfrm>
-          <a:prstGeom prst="rect">
-            <a:avLst/>
-          </a:prstGeom>
-        </p:spPr>
-        <p:txBody>
-          <a:bodyPr anchor="ctr" anchorCtr="0"/>
-          <a:lstStyle>
-            <a:lvl1pPr algn="l" defTabSz="914400" rtl="0" eaLnBrk="1" latinLnBrk="1" hangingPunct="1">
-              <a:spcBef>
-                <a:spcPct val="0"/>
-              </a:spcBef>
-              <a:buNone/>
-              <a:defRPr sz="3200" kern="1200">
-                <a:solidFill>
-                  <a:schemeClr val="bg1"/>
-                </a:solidFill>
-                <a:latin typeface="HY헤드라인M" panose="02030600000101010101" pitchFamily="18" charset="-127"/>
-                <a:ea typeface="HY헤드라인M" panose="02030600000101010101" pitchFamily="18" charset="-127"/>
-                <a:cs typeface="+mj-cs"/>
-              </a:defRPr>
-            </a:lvl1pPr>
-          </a:lstStyle>
-          <a:p>
-            <a:r>
-              <a:rPr lang="en-US" altLang="ko-KR" dirty="0" smtClean="0"/>
-              <a:t> </a:t>
-            </a:r>
-            <a:r>
-              <a:rPr lang="ko-KR" altLang="en-US" dirty="0"/>
-              <a:t> </a:t>
-            </a:r>
-            <a:r>
-              <a:rPr lang="ko-KR" altLang="en-US" dirty="0" err="1" smtClean="0"/>
-              <a:t>서블릿</a:t>
-            </a:r>
-            <a:r>
-              <a:rPr lang="ko-KR" altLang="en-US" dirty="0" smtClean="0"/>
-              <a:t> 포워드 기능</a:t>
-            </a:r>
-            <a:endParaRPr lang="ko-KR" altLang="en-US" dirty="0"/>
-          </a:p>
-        </p:txBody>
-      </p:sp>
-      <p:sp>
-        <p:nvSpPr>
-          <p:cNvPr id="5" name="TextBox 4"/>
-          <p:cNvSpPr txBox="1"/>
-          <p:nvPr/>
-        </p:nvSpPr>
-        <p:spPr>
-          <a:xfrm>
-            <a:off x="1064568" y="1228315"/>
-            <a:ext cx="2664296" cy="507831"/>
-          </a:xfrm>
-          <a:prstGeom prst="rect">
-            <a:avLst/>
-          </a:prstGeom>
-          <a:noFill/>
-        </p:spPr>
-        <p:txBody>
-          <a:bodyPr wrap="square" rtlCol="0">
-            <a:spAutoFit/>
-          </a:bodyPr>
-          <a:lstStyle/>
-          <a:p>
-            <a:pPr>
-              <a:lnSpc>
-                <a:spcPct val="150000"/>
-              </a:lnSpc>
-            </a:pPr>
-            <a:r>
-              <a:rPr lang="en-US" altLang="ko-KR" b="1" dirty="0" smtClean="0"/>
-              <a:t>dispatch</a:t>
-            </a:r>
-            <a:r>
-              <a:rPr lang="ko-KR" altLang="en-US" b="1" dirty="0" smtClean="0"/>
-              <a:t>방법 실</a:t>
-            </a:r>
-            <a:r>
-              <a:rPr lang="ko-KR" altLang="en-US" b="1" dirty="0"/>
-              <a:t>습</a:t>
-            </a:r>
-            <a:endParaRPr lang="en-US" altLang="ko-KR" sz="1600" b="1" dirty="0" smtClean="0"/>
-          </a:p>
-        </p:txBody>
-      </p:sp>
-      <p:pic>
-        <p:nvPicPr>
-          <p:cNvPr id="4" name="그림 3"/>
-          <p:cNvPicPr>
-            <a:picLocks noChangeAspect="1"/>
-          </p:cNvPicPr>
-          <p:nvPr/>
-        </p:nvPicPr>
-        <p:blipFill>
-          <a:blip r:embed="rId2">
-            <a:extLst>
-              <a:ext uri="{28A0092B-C50C-407E-A947-70E740481C1C}">
-                <a14:useLocalDpi xmlns:a14="http://schemas.microsoft.com/office/drawing/2010/main" val="0"/>
-              </a:ext>
-            </a:extLst>
-          </a:blip>
-          <a:stretch>
-            <a:fillRect/>
-          </a:stretch>
-        </p:blipFill>
-        <p:spPr>
-          <a:xfrm>
-            <a:off x="1208583" y="1916832"/>
-            <a:ext cx="6950043" cy="3193057"/>
-          </a:xfrm>
-          <a:prstGeom prst="rect">
-            <a:avLst/>
-          </a:prstGeom>
-          <a:ln>
-            <a:solidFill>
-              <a:schemeClr val="bg1">
-                <a:lumMod val="85000"/>
-              </a:schemeClr>
-            </a:solidFill>
-          </a:ln>
-        </p:spPr>
-      </p:pic>
-    </p:spTree>
-    <p:extLst>
-      <p:ext uri="{BB962C8B-B14F-4D97-AF65-F5344CB8AC3E}">
-        <p14:creationId xmlns:p14="http://schemas.microsoft.com/office/powerpoint/2010/main" val="3546512560"/>
       </p:ext>
     </p:extLst>
   </p:cSld>
@@ -19506,11 +19429,15 @@
             </a:r>
             <a:r>
               <a:rPr lang="ko-KR" altLang="en-US" dirty="0"/>
-              <a:t> 쿠키</a:t>
-            </a:r>
-            <a:r>
-              <a:rPr lang="en-US" altLang="ko-KR" dirty="0"/>
-              <a:t>(cookie)</a:t>
+              <a:t> </a:t>
+            </a:r>
+            <a:r>
+              <a:rPr lang="ko-KR" altLang="en-US" dirty="0" err="1" smtClean="0"/>
+              <a:t>서블릿</a:t>
+            </a:r>
+            <a:r>
+              <a:rPr lang="ko-KR" altLang="en-US" dirty="0" smtClean="0"/>
+              <a:t> 포워드 기능</a:t>
             </a:r>
             <a:endParaRPr lang="ko-KR" altLang="en-US" dirty="0"/>
           </a:p>
@@ -19524,8 +19451,8 @@
         </p:nvSpPr>
         <p:spPr>
           <a:xfrm>
-            <a:off x="776536" y="980728"/>
-            <a:ext cx="8496944" cy="553998"/>
+            <a:off x="1141106" y="1242064"/>
+            <a:ext cx="2664296" cy="507831"/>
           </a:xfrm>
           <a:prstGeom prst="rect">
             <a:avLst/>
@@ -19544,20 +19471,90 @@
               </a:lnSpc>
             </a:pPr>
             <a:r>
-              <a:rPr lang="ko-KR" altLang="en-US" sz="2000" b="1" dirty="0" err="1" smtClean="0"/>
-              <a:t>서블릿에서</a:t>
-            </a:r>
-            <a:r>
-              <a:rPr lang="ko-KR" altLang="en-US" sz="2000" b="1" dirty="0" smtClean="0"/>
-              <a:t> 쿠키 사용하기</a:t>
-            </a:r>
-            <a:endParaRPr lang="en-US" altLang="ko-KR" dirty="0"/>
+              <a:rPr lang="en-US" altLang="ko-KR" b="1" dirty="0"/>
+              <a:t> </a:t>
+            </a:r>
+            <a:r>
+              <a:rPr lang="en-US" altLang="ko-KR" b="1" dirty="0" smtClean="0"/>
+              <a:t> dispatch</a:t>
+            </a:r>
+            <a:r>
+              <a:rPr lang="ko-KR" altLang="en-US" b="1" dirty="0" smtClean="0"/>
+              <a:t>방법 실</a:t>
+            </a:r>
+            <a:r>
+              <a:rPr lang="ko-KR" altLang="en-US" b="1" dirty="0"/>
+              <a:t>습</a:t>
+            </a:r>
+            <a:endParaRPr lang="en-US" altLang="ko-KR" sz="1600" b="1" dirty="0" smtClean="0"/>
+          </a:p>
+        </p:txBody>
+      </p:sp>
+      <p:sp>
+        <p:nvSpPr>
+          <p:cNvPr id="9" name="모서리가 둥근 직사각형 8">
+            <a:extLst>
+              <a:ext uri="{FF2B5EF4-FFF2-40B4-BE49-F238E27FC236}">
+                <a16:creationId xmlns:a16="http://schemas.microsoft.com/office/drawing/2014/main" id="{792DA8B4-17B2-454B-97AC-17311A4832C5}"/>
+              </a:ext>
+            </a:extLst>
+          </p:cNvPr>
+          <p:cNvSpPr/>
+          <p:nvPr/>
+        </p:nvSpPr>
+        <p:spPr>
+          <a:xfrm>
+            <a:off x="5702898" y="2846511"/>
+            <a:ext cx="3222358" cy="360040"/>
+          </a:xfrm>
+          <a:prstGeom prst="roundRect">
+            <a:avLst/>
+          </a:prstGeom>
+          <a:noFill/>
+          <a:ln w="12700">
+            <a:solidFill>
+              <a:schemeClr val="tx1"/>
+            </a:solidFill>
+          </a:ln>
+        </p:spPr>
+        <p:style>
+          <a:lnRef idx="2">
+            <a:schemeClr val="accent2"/>
+          </a:lnRef>
+          <a:fillRef idx="1">
+            <a:schemeClr val="lt1"/>
+          </a:fillRef>
+          <a:effectRef idx="0">
+            <a:schemeClr val="accent2"/>
+          </a:effectRef>
+          <a:fontRef idx="minor">
+            <a:schemeClr val="dk1"/>
+          </a:fontRef>
+        </p:style>
+        <p:txBody>
+          <a:bodyPr rtlCol="0" anchor="ctr"/>
+          <a:lstStyle/>
+          <a:p>
+            <a:pPr algn="ctr"/>
+            <a:r>
+              <a:rPr lang="en-US" altLang="ko-KR" sz="1600" dirty="0" smtClean="0">
+                <a:solidFill>
+                  <a:sysClr val="windowText" lastClr="000000"/>
+                </a:solidFill>
+              </a:rPr>
+              <a:t>dispatch/FirstServlet.java</a:t>
+            </a:r>
+            <a:endParaRPr lang="en-US" altLang="ko-KR" sz="1600" dirty="0" smtClean="0">
+              <a:solidFill>
+                <a:sysClr val="windowText" lastClr="000000"/>
+              </a:solidFill>
+            </a:endParaRPr>
           </a:p>
         </p:txBody>
       </p:sp>
       <p:pic>
         <p:nvPicPr>
-          <p:cNvPr id="4" name="그림 3"/>
+          <p:cNvPr id="3" name="그림 2"/>
           <p:cNvPicPr>
             <a:picLocks noChangeAspect="1"/>
           </p:cNvPicPr>
@@ -19577,8 +19574,8 @@
         </p:blipFill>
         <p:spPr>
           <a:xfrm>
-            <a:off x="776536" y="1600606"/>
-            <a:ext cx="8455836" cy="4132650"/>
+            <a:off x="1141106" y="3452088"/>
+            <a:ext cx="7813493" cy="2782888"/>
           </a:xfrm>
           <a:prstGeom prst="rect">
             <a:avLst/>
@@ -19594,7 +19591,7 @@
       </p:pic>
       <p:pic>
         <p:nvPicPr>
-          <p:cNvPr id="6" name="그림 5"/>
+          <p:cNvPr id="4" name="그림 3"/>
           <p:cNvPicPr>
             <a:picLocks noChangeAspect="1"/>
           </p:cNvPicPr>
@@ -19614,8 +19611,8 @@
         </p:blipFill>
         <p:spPr>
           <a:xfrm>
-            <a:off x="5950872" y="5157192"/>
-            <a:ext cx="3322608" cy="899238"/>
+            <a:off x="1352600" y="2001904"/>
+            <a:ext cx="3998978" cy="1153551"/>
           </a:xfrm>
           <a:prstGeom prst="rect">
             <a:avLst/>
@@ -19632,7 +19629,7 @@
     </p:spTree>
     <p:extLst>
       <p:ext uri="{BB962C8B-B14F-4D97-AF65-F5344CB8AC3E}">
-        <p14:creationId xmlns:p14="http://schemas.microsoft.com/office/powerpoint/2010/main" val="1362696016"/>
+        <p14:creationId xmlns:p14="http://schemas.microsoft.com/office/powerpoint/2010/main" val="178645080"/>
       </p:ext>
     </p:extLst>
   </p:cSld>
@@ -19708,13 +19705,122 @@
             </a:r>
             <a:r>
               <a:rPr lang="ko-KR" altLang="en-US" dirty="0"/>
-              <a:t> 쿠키</a:t>
-            </a:r>
-            <a:r>
-              <a:rPr lang="en-US" altLang="ko-KR" dirty="0"/>
-              <a:t>(cookie)</a:t>
+              <a:t> </a:t>
+            </a:r>
+            <a:r>
+              <a:rPr lang="ko-KR" altLang="en-US" dirty="0" err="1" smtClean="0"/>
+              <a:t>서블릿</a:t>
+            </a:r>
+            <a:r>
+              <a:rPr lang="ko-KR" altLang="en-US" dirty="0" smtClean="0"/>
+              <a:t> 포워드 기능</a:t>
             </a:r>
             <a:endParaRPr lang="ko-KR" altLang="en-US" dirty="0"/>
+          </a:p>
+        </p:txBody>
+      </p:sp>
+      <p:sp>
+        <p:nvSpPr>
+          <p:cNvPr id="5" name="TextBox 4"/>
+          <p:cNvSpPr txBox="1"/>
+          <p:nvPr/>
+        </p:nvSpPr>
+        <p:spPr>
+          <a:xfrm>
+            <a:off x="1064568" y="1228315"/>
+            <a:ext cx="2664296" cy="507831"/>
+          </a:xfrm>
+          <a:prstGeom prst="rect">
+            <a:avLst/>
+          </a:prstGeom>
+          <a:noFill/>
+        </p:spPr>
+        <p:txBody>
+          <a:bodyPr wrap="square" rtlCol="0">
+            <a:spAutoFit/>
+          </a:bodyPr>
+          <a:lstStyle/>
+          <a:p>
+            <a:pPr>
+              <a:lnSpc>
+                <a:spcPct val="150000"/>
+              </a:lnSpc>
+            </a:pPr>
+            <a:r>
+              <a:rPr lang="en-US" altLang="ko-KR" b="1" dirty="0" smtClean="0"/>
+              <a:t>dispatch</a:t>
+            </a:r>
+            <a:r>
+              <a:rPr lang="ko-KR" altLang="en-US" b="1" dirty="0" smtClean="0"/>
+              <a:t>방법 실</a:t>
+            </a:r>
+            <a:r>
+              <a:rPr lang="ko-KR" altLang="en-US" b="1" dirty="0"/>
+              <a:t>습</a:t>
+            </a:r>
+            <a:endParaRPr lang="en-US" altLang="ko-KR" sz="1600" b="1" dirty="0" smtClean="0"/>
+          </a:p>
+        </p:txBody>
+      </p:sp>
+      <p:sp>
+        <p:nvSpPr>
+          <p:cNvPr id="6" name="모서리가 둥근 직사각형 5">
+            <a:extLst>
+              <a:ext uri="{FF2B5EF4-FFF2-40B4-BE49-F238E27FC236}">
+                <a16:creationId xmlns:a16="http://schemas.microsoft.com/office/drawing/2014/main" id="{792DA8B4-17B2-454B-97AC-17311A4832C5}"/>
+              </a:ext>
+            </a:extLst>
+          </p:cNvPr>
+          <p:cNvSpPr/>
+          <p:nvPr/>
+        </p:nvSpPr>
+        <p:spPr>
+          <a:xfrm>
+            <a:off x="4936268" y="1783451"/>
+            <a:ext cx="3222358" cy="360040"/>
+          </a:xfrm>
+          <a:prstGeom prst="roundRect">
+            <a:avLst/>
+          </a:prstGeom>
+          <a:noFill/>
+          <a:ln w="12700">
+            <a:solidFill>
+              <a:schemeClr val="tx1"/>
+            </a:solidFill>
+          </a:ln>
+        </p:spPr>
+        <p:style>
+          <a:lnRef idx="2">
+            <a:schemeClr val="accent2"/>
+          </a:lnRef>
+          <a:fillRef idx="1">
+            <a:schemeClr val="lt1"/>
+          </a:fillRef>
+          <a:effectRef idx="0">
+            <a:schemeClr val="accent2"/>
+          </a:effectRef>
+          <a:fontRef idx="minor">
+            <a:schemeClr val="dk1"/>
+          </a:fontRef>
+        </p:style>
+        <p:txBody>
+          <a:bodyPr rtlCol="0" anchor="ctr"/>
+          <a:lstStyle/>
+          <a:p>
+            <a:pPr algn="ctr"/>
+            <a:r>
+              <a:rPr lang="en-US" altLang="ko-KR" sz="1600" dirty="0" smtClean="0">
+                <a:solidFill>
+                  <a:sysClr val="windowText" lastClr="000000"/>
+                </a:solidFill>
+              </a:rPr>
+              <a:t>dispatch/SecondServlet.java</a:t>
+            </a:r>
+            <a:endParaRPr lang="en-US" altLang="ko-KR" sz="1600" dirty="0" smtClean="0">
+              <a:solidFill>
+                <a:sysClr val="windowText" lastClr="000000"/>
+              </a:solidFill>
+            </a:endParaRPr>
           </a:p>
         </p:txBody>
       </p:sp>
@@ -19740,8 +19846,8 @@
         </p:blipFill>
         <p:spPr>
           <a:xfrm>
-            <a:off x="570316" y="3171394"/>
-            <a:ext cx="8073897" cy="1872208"/>
+            <a:off x="1271652" y="2348880"/>
+            <a:ext cx="7329232" cy="3456552"/>
           </a:xfrm>
           <a:prstGeom prst="rect">
             <a:avLst/>
@@ -19755,47 +19861,10 @@
           </a:ln>
         </p:spPr>
       </p:pic>
-      <p:pic>
-        <p:nvPicPr>
-          <p:cNvPr id="3" name="그림 2"/>
-          <p:cNvPicPr>
-            <a:picLocks noChangeAspect="1"/>
-          </p:cNvPicPr>
-          <p:nvPr/>
-        </p:nvPicPr>
-        <p:blipFill>
-          <a:blip r:embed="rId3">
-            <a:extLst>
-              <a:ext uri="{28A0092B-C50C-407E-A947-70E740481C1C}">
-                <a14:useLocalDpi xmlns:a14="http://schemas.microsoft.com/office/drawing/2010/main" val="0"/>
-              </a:ext>
-            </a:extLst>
-          </a:blip>
-          <a:stretch>
-            <a:fillRect/>
-          </a:stretch>
-        </p:blipFill>
-        <p:spPr>
-          <a:xfrm>
-            <a:off x="560512" y="1268760"/>
-            <a:ext cx="8680635" cy="1584176"/>
-          </a:xfrm>
-          <a:prstGeom prst="rect">
-            <a:avLst/>
-          </a:prstGeom>
-          <a:ln>
-            <a:solidFill>
-              <a:schemeClr val="bg1">
-                <a:lumMod val="85000"/>
-              </a:schemeClr>
-            </a:solidFill>
-          </a:ln>
-        </p:spPr>
-      </p:pic>
     </p:spTree>
     <p:extLst>
       <p:ext uri="{BB962C8B-B14F-4D97-AF65-F5344CB8AC3E}">
-        <p14:creationId xmlns:p14="http://schemas.microsoft.com/office/powerpoint/2010/main" val="1599346481"/>
+        <p14:creationId xmlns:p14="http://schemas.microsoft.com/office/powerpoint/2010/main" val="3546512560"/>
       </p:ext>
     </p:extLst>
   </p:cSld>
@@ -19890,7 +19959,7 @@
         <p:spPr>
           <a:xfrm>
             <a:off x="776536" y="980728"/>
-            <a:ext cx="8496944" cy="494494"/>
+            <a:ext cx="8496944" cy="553998"/>
           </a:xfrm>
           <a:prstGeom prst="rect">
             <a:avLst/>
@@ -19909,20 +19978,20 @@
               </a:lnSpc>
             </a:pPr>
             <a:r>
+              <a:rPr lang="ko-KR" altLang="en-US" sz="2000" b="1" dirty="0" err="1" smtClean="0"/>
+              <a:t>서블릿에서</a:t>
+            </a:r>
+            <a:r>
               <a:rPr lang="ko-KR" altLang="en-US" sz="2000" b="1" dirty="0" smtClean="0"/>
-              <a:t>쿠키 가져오</a:t>
-            </a:r>
-            <a:r>
-              <a:rPr lang="ko-KR" altLang="en-US" sz="2000" b="1" dirty="0"/>
-              <a:t>기</a:t>
-            </a:r>
-            <a:endParaRPr lang="en-US" altLang="ko-KR" sz="2000" b="1" dirty="0" smtClean="0"/>
+              <a:t> 쿠키 사용하기</a:t>
+            </a:r>
+            <a:endParaRPr lang="en-US" altLang="ko-KR" dirty="0"/>
           </a:p>
         </p:txBody>
       </p:sp>
       <p:pic>
         <p:nvPicPr>
-          <p:cNvPr id="2" name="그림 1"/>
+          <p:cNvPr id="4" name="그림 3"/>
           <p:cNvPicPr>
             <a:picLocks noChangeAspect="1"/>
           </p:cNvPicPr>
@@ -19942,8 +20011,8 @@
         </p:blipFill>
         <p:spPr>
           <a:xfrm>
-            <a:off x="632520" y="1628800"/>
-            <a:ext cx="8784976" cy="4204342"/>
+            <a:off x="776536" y="1600606"/>
+            <a:ext cx="8455836" cy="4132650"/>
           </a:xfrm>
           <a:prstGeom prst="rect">
             <a:avLst/>
@@ -19959,7 +20028,7 @@
       </p:pic>
       <p:pic>
         <p:nvPicPr>
-          <p:cNvPr id="3" name="그림 2"/>
+          <p:cNvPr id="6" name="그림 5"/>
           <p:cNvPicPr>
             <a:picLocks noChangeAspect="1"/>
           </p:cNvPicPr>
@@ -19979,8 +20048,8 @@
         </p:blipFill>
         <p:spPr>
           <a:xfrm>
-            <a:off x="5745088" y="5410195"/>
-            <a:ext cx="3482642" cy="845893"/>
+            <a:off x="5950872" y="5157192"/>
+            <a:ext cx="3322608" cy="899238"/>
           </a:xfrm>
           <a:prstGeom prst="rect">
             <a:avLst/>
@@ -19997,7 +20066,7 @@
     </p:spTree>
     <p:extLst>
       <p:ext uri="{BB962C8B-B14F-4D97-AF65-F5344CB8AC3E}">
-        <p14:creationId xmlns:p14="http://schemas.microsoft.com/office/powerpoint/2010/main" val="3511827381"/>
+        <p14:creationId xmlns:p14="http://schemas.microsoft.com/office/powerpoint/2010/main" val="1362696016"/>
       </p:ext>
     </p:extLst>
   </p:cSld>
@@ -20069,162 +20138,23 @@
           <a:p>
             <a:r>
               <a:rPr lang="en-US" altLang="ko-KR" dirty="0" smtClean="0"/>
-              <a:t>  </a:t>
-            </a:r>
-            <a:r>
-              <a:rPr lang="ko-KR" altLang="en-US" dirty="0" smtClean="0"/>
-              <a:t>세션</a:t>
+              <a:t> </a:t>
+            </a:r>
+            <a:r>
+              <a:rPr lang="ko-KR" altLang="en-US" dirty="0"/>
+              <a:t> 쿠키</a:t>
             </a:r>
             <a:r>
               <a:rPr lang="en-US" altLang="ko-KR" dirty="0"/>
-              <a:t>(session)</a:t>
+              <a:t>(cookie)</a:t>
             </a:r>
             <a:endParaRPr lang="ko-KR" altLang="en-US" dirty="0"/>
-          </a:p>
-        </p:txBody>
-      </p:sp>
-      <p:sp>
-        <p:nvSpPr>
-          <p:cNvPr id="5" name="TextBox 4"/>
-          <p:cNvSpPr txBox="1"/>
-          <p:nvPr/>
-        </p:nvSpPr>
-        <p:spPr>
-          <a:xfrm>
-            <a:off x="785326" y="974034"/>
-            <a:ext cx="8496944" cy="1708160"/>
-          </a:xfrm>
-          <a:prstGeom prst="rect">
-            <a:avLst/>
-          </a:prstGeom>
-          <a:noFill/>
-        </p:spPr>
-        <p:txBody>
-          <a:bodyPr wrap="square" rtlCol="0">
-            <a:spAutoFit/>
-          </a:bodyPr>
-          <a:lstStyle/>
-          <a:p>
-            <a:pPr>
-              <a:lnSpc>
-                <a:spcPct val="150000"/>
-              </a:lnSpc>
-            </a:pPr>
-            <a:r>
-              <a:rPr lang="ko-KR" altLang="en-US" sz="2000" b="1" dirty="0" err="1" smtClean="0"/>
-              <a:t>서블릿에서</a:t>
-            </a:r>
-            <a:r>
-              <a:rPr lang="ko-KR" altLang="en-US" sz="2000" b="1" dirty="0" smtClean="0"/>
-              <a:t> 세</a:t>
-            </a:r>
-            <a:r>
-              <a:rPr lang="ko-KR" altLang="en-US" sz="2000" b="1" dirty="0"/>
-              <a:t>션</a:t>
-            </a:r>
-            <a:r>
-              <a:rPr lang="ko-KR" altLang="en-US" sz="2000" b="1" dirty="0" smtClean="0"/>
-              <a:t> 사용하기</a:t>
-            </a:r>
-            <a:endParaRPr lang="en-US" altLang="ko-KR" sz="2000" b="1" dirty="0" smtClean="0"/>
-          </a:p>
-          <a:p>
-            <a:pPr>
-              <a:lnSpc>
-                <a:spcPct val="150000"/>
-              </a:lnSpc>
-            </a:pPr>
-            <a:r>
-              <a:rPr lang="en-US" altLang="ko-KR" sz="1600" dirty="0" err="1" smtClean="0"/>
-              <a:t>HttpSession</a:t>
-            </a:r>
-            <a:r>
-              <a:rPr lang="en-US" altLang="ko-KR" sz="1600" dirty="0"/>
-              <a:t> </a:t>
-            </a:r>
-            <a:r>
-              <a:rPr lang="en-US" altLang="ko-KR" sz="1600" dirty="0" smtClean="0"/>
-              <a:t>– Java EE API</a:t>
-            </a:r>
-            <a:r>
-              <a:rPr lang="ko-KR" altLang="en-US" sz="1600" dirty="0" smtClean="0"/>
-              <a:t>로 검색</a:t>
-            </a:r>
-            <a:endParaRPr lang="en-US" altLang="ko-KR" sz="1600" dirty="0" smtClean="0"/>
-          </a:p>
-          <a:p>
-            <a:pPr>
-              <a:lnSpc>
-                <a:spcPct val="150000"/>
-              </a:lnSpc>
-            </a:pPr>
-            <a:r>
-              <a:rPr lang="ko-KR" altLang="en-US" sz="1600" dirty="0" err="1" smtClean="0"/>
-              <a:t>서블릿에서</a:t>
-            </a:r>
-            <a:r>
-              <a:rPr lang="ko-KR" altLang="en-US" sz="1600" dirty="0" smtClean="0"/>
-              <a:t> 세션을 이용하려면 </a:t>
-            </a:r>
-            <a:r>
-              <a:rPr lang="en-US" altLang="ko-KR" sz="1600" dirty="0" err="1" smtClean="0"/>
-              <a:t>HttpSession</a:t>
-            </a:r>
-            <a:r>
-              <a:rPr lang="en-US" altLang="ko-KR" sz="1600" dirty="0" smtClean="0"/>
-              <a:t> </a:t>
-            </a:r>
-            <a:r>
-              <a:rPr lang="ko-KR" altLang="en-US" sz="1600" dirty="0" smtClean="0"/>
-              <a:t>인터페이스의 객체를 생성해야 한다</a:t>
-            </a:r>
-            <a:r>
-              <a:rPr lang="en-US" altLang="ko-KR" sz="1600" dirty="0" smtClean="0"/>
-              <a:t>. </a:t>
-            </a:r>
-            <a:r>
-              <a:rPr lang="en-US" altLang="ko-KR" sz="1600" dirty="0" err="1" smtClean="0"/>
-              <a:t>HttpSession</a:t>
-            </a:r>
-            <a:r>
-              <a:rPr lang="ko-KR" altLang="en-US" sz="1600" dirty="0" smtClean="0"/>
-              <a:t>객체는 </a:t>
-            </a:r>
-            <a:r>
-              <a:rPr lang="en-US" altLang="ko-KR" sz="1600" dirty="0" err="1" smtClean="0"/>
-              <a:t>HttpServletRequest</a:t>
-            </a:r>
-            <a:r>
-              <a:rPr lang="ko-KR" altLang="en-US" sz="1600" dirty="0" smtClean="0"/>
-              <a:t>의 </a:t>
-            </a:r>
-            <a:r>
-              <a:rPr lang="en-US" altLang="ko-KR" sz="1600" dirty="0" err="1" smtClean="0"/>
-              <a:t>getSession</a:t>
-            </a:r>
-            <a:r>
-              <a:rPr lang="en-US" altLang="ko-KR" sz="1600" dirty="0" smtClean="0"/>
-              <a:t>() </a:t>
-            </a:r>
-            <a:r>
-              <a:rPr lang="ko-KR" altLang="en-US" sz="1600" dirty="0" err="1" smtClean="0"/>
-              <a:t>메서드를</a:t>
-            </a:r>
-            <a:r>
-              <a:rPr lang="ko-KR" altLang="en-US" sz="1600" dirty="0" smtClean="0"/>
-              <a:t> 호출해서 생성한다</a:t>
-            </a:r>
-            <a:r>
-              <a:rPr lang="en-US" altLang="ko-KR" sz="1600" dirty="0" smtClean="0"/>
-              <a:t>. </a:t>
-            </a:r>
-            <a:endParaRPr lang="en-US" altLang="ko-KR" sz="1600" dirty="0"/>
           </a:p>
         </p:txBody>
       </p:sp>
       <p:pic>
         <p:nvPicPr>
-          <p:cNvPr id="12" name="그림 11"/>
+          <p:cNvPr id="2" name="그림 1"/>
           <p:cNvPicPr>
             <a:picLocks noChangeAspect="1"/>
           </p:cNvPicPr>
@@ -20244,8 +20174,8 @@
         </p:blipFill>
         <p:spPr>
           <a:xfrm>
-            <a:off x="848544" y="2924944"/>
-            <a:ext cx="4914419" cy="3146096"/>
+            <a:off x="570316" y="3171394"/>
+            <a:ext cx="8073897" cy="1872208"/>
           </a:xfrm>
           <a:prstGeom prst="rect">
             <a:avLst/>
@@ -20261,7 +20191,7 @@
       </p:pic>
       <p:pic>
         <p:nvPicPr>
-          <p:cNvPr id="11" name="그림 10"/>
+          <p:cNvPr id="3" name="그림 2"/>
           <p:cNvPicPr>
             <a:picLocks noChangeAspect="1"/>
           </p:cNvPicPr>
@@ -20281,8 +20211,8 @@
         </p:blipFill>
         <p:spPr>
           <a:xfrm>
-            <a:off x="3512840" y="4365104"/>
-            <a:ext cx="6002432" cy="1594723"/>
+            <a:off x="560512" y="1268760"/>
+            <a:ext cx="8680635" cy="1584176"/>
           </a:xfrm>
           <a:prstGeom prst="rect">
             <a:avLst/>
@@ -20299,7 +20229,7 @@
     </p:spTree>
     <p:extLst>
       <p:ext uri="{BB962C8B-B14F-4D97-AF65-F5344CB8AC3E}">
-        <p14:creationId xmlns:p14="http://schemas.microsoft.com/office/powerpoint/2010/main" val="2556190687"/>
+        <p14:creationId xmlns:p14="http://schemas.microsoft.com/office/powerpoint/2010/main" val="1599346481"/>
       </p:ext>
     </p:extLst>
   </p:cSld>
@@ -20371,6 +20301,891 @@
           <a:p>
             <a:r>
               <a:rPr lang="en-US" altLang="ko-KR" dirty="0" smtClean="0"/>
+              <a:t> </a:t>
+            </a:r>
+            <a:r>
+              <a:rPr lang="ko-KR" altLang="en-US" dirty="0"/>
+              <a:t> 쿠키</a:t>
+            </a:r>
+            <a:r>
+              <a:rPr lang="en-US" altLang="ko-KR" dirty="0"/>
+              <a:t>(cookie)</a:t>
+            </a:r>
+            <a:endParaRPr lang="ko-KR" altLang="en-US" dirty="0"/>
+          </a:p>
+        </p:txBody>
+      </p:sp>
+      <p:sp>
+        <p:nvSpPr>
+          <p:cNvPr id="5" name="TextBox 4"/>
+          <p:cNvSpPr txBox="1"/>
+          <p:nvPr/>
+        </p:nvSpPr>
+        <p:spPr>
+          <a:xfrm>
+            <a:off x="776536" y="980728"/>
+            <a:ext cx="8496944" cy="494494"/>
+          </a:xfrm>
+          <a:prstGeom prst="rect">
+            <a:avLst/>
+          </a:prstGeom>
+          <a:noFill/>
+        </p:spPr>
+        <p:txBody>
+          <a:bodyPr wrap="square" rtlCol="0">
+            <a:spAutoFit/>
+          </a:bodyPr>
+          <a:lstStyle/>
+          <a:p>
+            <a:pPr>
+              <a:lnSpc>
+                <a:spcPct val="150000"/>
+              </a:lnSpc>
+            </a:pPr>
+            <a:r>
+              <a:rPr lang="ko-KR" altLang="en-US" sz="2000" b="1" dirty="0" smtClean="0"/>
+              <a:t>쿠키 가져오</a:t>
+            </a:r>
+            <a:r>
+              <a:rPr lang="ko-KR" altLang="en-US" sz="2000" b="1" dirty="0"/>
+              <a:t>기</a:t>
+            </a:r>
+            <a:endParaRPr lang="en-US" altLang="ko-KR" sz="2000" b="1" dirty="0" smtClean="0"/>
+          </a:p>
+        </p:txBody>
+      </p:sp>
+      <p:pic>
+        <p:nvPicPr>
+          <p:cNvPr id="2" name="그림 1"/>
+          <p:cNvPicPr>
+            <a:picLocks noChangeAspect="1"/>
+          </p:cNvPicPr>
+          <p:nvPr/>
+        </p:nvPicPr>
+        <p:blipFill>
+          <a:blip r:embed="rId2">
+            <a:extLst>
+              <a:ext uri="{28A0092B-C50C-407E-A947-70E740481C1C}">
+                <a14:useLocalDpi xmlns:a14="http://schemas.microsoft.com/office/drawing/2010/main" val="0"/>
+              </a:ext>
+            </a:extLst>
+          </a:blip>
+          <a:stretch>
+            <a:fillRect/>
+          </a:stretch>
+        </p:blipFill>
+        <p:spPr>
+          <a:xfrm>
+            <a:off x="632520" y="1628800"/>
+            <a:ext cx="8784976" cy="4204342"/>
+          </a:xfrm>
+          <a:prstGeom prst="rect">
+            <a:avLst/>
+          </a:prstGeom>
+          <a:ln>
+            <a:solidFill>
+              <a:schemeClr val="bg1">
+                <a:lumMod val="85000"/>
+              </a:schemeClr>
+            </a:solidFill>
+          </a:ln>
+        </p:spPr>
+      </p:pic>
+      <p:pic>
+        <p:nvPicPr>
+          <p:cNvPr id="3" name="그림 2"/>
+          <p:cNvPicPr>
+            <a:picLocks noChangeAspect="1"/>
+          </p:cNvPicPr>
+          <p:nvPr/>
+        </p:nvPicPr>
+        <p:blipFill>
+          <a:blip r:embed="rId3">
+            <a:extLst>
+              <a:ext uri="{28A0092B-C50C-407E-A947-70E740481C1C}">
+                <a14:useLocalDpi xmlns:a14="http://schemas.microsoft.com/office/drawing/2010/main" val="0"/>
+              </a:ext>
+            </a:extLst>
+          </a:blip>
+          <a:stretch>
+            <a:fillRect/>
+          </a:stretch>
+        </p:blipFill>
+        <p:spPr>
+          <a:xfrm>
+            <a:off x="5745088" y="5410195"/>
+            <a:ext cx="3482642" cy="845893"/>
+          </a:xfrm>
+          <a:prstGeom prst="rect">
+            <a:avLst/>
+          </a:prstGeom>
+          <a:ln>
+            <a:solidFill>
+              <a:schemeClr val="bg1">
+                <a:lumMod val="85000"/>
+              </a:schemeClr>
+            </a:solidFill>
+          </a:ln>
+        </p:spPr>
+      </p:pic>
+    </p:spTree>
+    <p:extLst>
+      <p:ext uri="{BB962C8B-B14F-4D97-AF65-F5344CB8AC3E}">
+        <p14:creationId xmlns:p14="http://schemas.microsoft.com/office/powerpoint/2010/main" val="3511827381"/>
+      </p:ext>
+    </p:extLst>
+  </p:cSld>
+  <p:clrMapOvr>
+    <a:masterClrMapping/>
+  </p:clrMapOvr>
+  <p:timing>
+    <p:tnLst>
+      <p:par>
+        <p:cTn id="1" dur="indefinite" restart="never" nodeType="tmRoot"/>
+      </p:par>
+    </p:tnLst>
+  </p:timing>
+</p:sld>
+</file>
+
+<file path=ppt/slides/slide49.xml><?xml version="1.0" encoding="utf-8"?>
+<p:sld xmlns:a="http://schemas.openxmlformats.org/drawingml/2006/main" xmlns:r="http://schemas.openxmlformats.org/officeDocument/2006/relationships" xmlns:p="http://schemas.openxmlformats.org/presentationml/2006/main">
+  <p:cSld>
+    <p:spTree>
+      <p:nvGrpSpPr>
+        <p:cNvPr id="1" name=""/>
+        <p:cNvGrpSpPr/>
+        <p:nvPr/>
+      </p:nvGrpSpPr>
+      <p:grpSpPr>
+        <a:xfrm>
+          <a:off x="0" y="0"/>
+          <a:ext cx="0" cy="0"/>
+          <a:chOff x="0" y="0"/>
+          <a:chExt cx="0" cy="0"/>
+        </a:xfrm>
+      </p:grpSpPr>
+      <p:sp>
+        <p:nvSpPr>
+          <p:cNvPr id="15" name="제목 5"/>
+          <p:cNvSpPr txBox="1">
+            <a:spLocks/>
+          </p:cNvSpPr>
+          <p:nvPr/>
+        </p:nvSpPr>
+        <p:spPr>
+          <a:xfrm>
+            <a:off x="0" y="-27384"/>
+            <a:ext cx="7995338" cy="854968"/>
+          </a:xfrm>
+          <a:prstGeom prst="rect">
+            <a:avLst/>
+          </a:prstGeom>
+        </p:spPr>
+        <p:txBody>
+          <a:bodyPr anchor="ctr" anchorCtr="0"/>
+          <a:lstStyle>
+            <a:lvl1pPr algn="l" defTabSz="914400" rtl="0" eaLnBrk="1" latinLnBrk="1" hangingPunct="1">
+              <a:spcBef>
+                <a:spcPct val="0"/>
+              </a:spcBef>
+              <a:buNone/>
+              <a:defRPr sz="3200" kern="1200">
+                <a:solidFill>
+                  <a:schemeClr val="bg1"/>
+                </a:solidFill>
+                <a:latin typeface="HY헤드라인M" panose="02030600000101010101" pitchFamily="18" charset="-127"/>
+                <a:ea typeface="HY헤드라인M" panose="02030600000101010101" pitchFamily="18" charset="-127"/>
+                <a:cs typeface="+mj-cs"/>
+              </a:defRPr>
+            </a:lvl1pPr>
+          </a:lstStyle>
+          <a:p>
+            <a:r>
+              <a:rPr lang="en-US" altLang="ko-KR" dirty="0" smtClean="0"/>
+              <a:t>  </a:t>
+            </a:r>
+            <a:r>
+              <a:rPr lang="ko-KR" altLang="en-US" dirty="0" smtClean="0"/>
+              <a:t>세션</a:t>
+            </a:r>
+            <a:r>
+              <a:rPr lang="en-US" altLang="ko-KR" dirty="0"/>
+              <a:t>(session)</a:t>
+            </a:r>
+            <a:endParaRPr lang="ko-KR" altLang="en-US" dirty="0"/>
+          </a:p>
+        </p:txBody>
+      </p:sp>
+      <p:sp>
+        <p:nvSpPr>
+          <p:cNvPr id="5" name="TextBox 4"/>
+          <p:cNvSpPr txBox="1"/>
+          <p:nvPr/>
+        </p:nvSpPr>
+        <p:spPr>
+          <a:xfrm>
+            <a:off x="785326" y="974034"/>
+            <a:ext cx="8496944" cy="1708160"/>
+          </a:xfrm>
+          <a:prstGeom prst="rect">
+            <a:avLst/>
+          </a:prstGeom>
+          <a:noFill/>
+        </p:spPr>
+        <p:txBody>
+          <a:bodyPr wrap="square" rtlCol="0">
+            <a:spAutoFit/>
+          </a:bodyPr>
+          <a:lstStyle/>
+          <a:p>
+            <a:pPr>
+              <a:lnSpc>
+                <a:spcPct val="150000"/>
+              </a:lnSpc>
+            </a:pPr>
+            <a:r>
+              <a:rPr lang="ko-KR" altLang="en-US" sz="2000" b="1" dirty="0" err="1" smtClean="0"/>
+              <a:t>서블릿에서</a:t>
+            </a:r>
+            <a:r>
+              <a:rPr lang="ko-KR" altLang="en-US" sz="2000" b="1" dirty="0" smtClean="0"/>
+              <a:t> 세</a:t>
+            </a:r>
+            <a:r>
+              <a:rPr lang="ko-KR" altLang="en-US" sz="2000" b="1" dirty="0"/>
+              <a:t>션</a:t>
+            </a:r>
+            <a:r>
+              <a:rPr lang="ko-KR" altLang="en-US" sz="2000" b="1" dirty="0" smtClean="0"/>
+              <a:t> 사용하기</a:t>
+            </a:r>
+            <a:endParaRPr lang="en-US" altLang="ko-KR" sz="2000" b="1" dirty="0" smtClean="0"/>
+          </a:p>
+          <a:p>
+            <a:pPr>
+              <a:lnSpc>
+                <a:spcPct val="150000"/>
+              </a:lnSpc>
+            </a:pPr>
+            <a:r>
+              <a:rPr lang="en-US" altLang="ko-KR" sz="1600" dirty="0" err="1" smtClean="0"/>
+              <a:t>HttpSession</a:t>
+            </a:r>
+            <a:r>
+              <a:rPr lang="en-US" altLang="ko-KR" sz="1600" dirty="0"/>
+              <a:t> </a:t>
+            </a:r>
+            <a:r>
+              <a:rPr lang="en-US" altLang="ko-KR" sz="1600" dirty="0" smtClean="0"/>
+              <a:t>– Java EE API</a:t>
+            </a:r>
+            <a:r>
+              <a:rPr lang="ko-KR" altLang="en-US" sz="1600" dirty="0" smtClean="0"/>
+              <a:t>로 검색</a:t>
+            </a:r>
+            <a:endParaRPr lang="en-US" altLang="ko-KR" sz="1600" dirty="0" smtClean="0"/>
+          </a:p>
+          <a:p>
+            <a:pPr>
+              <a:lnSpc>
+                <a:spcPct val="150000"/>
+              </a:lnSpc>
+            </a:pPr>
+            <a:r>
+              <a:rPr lang="ko-KR" altLang="en-US" sz="1600" dirty="0" err="1" smtClean="0"/>
+              <a:t>서블릿에서</a:t>
+            </a:r>
+            <a:r>
+              <a:rPr lang="ko-KR" altLang="en-US" sz="1600" dirty="0" smtClean="0"/>
+              <a:t> 세션을 이용하려면 </a:t>
+            </a:r>
+            <a:r>
+              <a:rPr lang="en-US" altLang="ko-KR" sz="1600" dirty="0" err="1" smtClean="0"/>
+              <a:t>HttpSession</a:t>
+            </a:r>
+            <a:r>
+              <a:rPr lang="en-US" altLang="ko-KR" sz="1600" dirty="0" smtClean="0"/>
+              <a:t> </a:t>
+            </a:r>
+            <a:r>
+              <a:rPr lang="ko-KR" altLang="en-US" sz="1600" dirty="0" smtClean="0"/>
+              <a:t>인터페이스의 객체를 생성해야 한다</a:t>
+            </a:r>
+            <a:r>
+              <a:rPr lang="en-US" altLang="ko-KR" sz="1600" dirty="0" smtClean="0"/>
+              <a:t>. </a:t>
+            </a:r>
+            <a:r>
+              <a:rPr lang="en-US" altLang="ko-KR" sz="1600" dirty="0" err="1" smtClean="0"/>
+              <a:t>HttpSession</a:t>
+            </a:r>
+            <a:r>
+              <a:rPr lang="ko-KR" altLang="en-US" sz="1600" dirty="0" smtClean="0"/>
+              <a:t>객체는 </a:t>
+            </a:r>
+            <a:r>
+              <a:rPr lang="en-US" altLang="ko-KR" sz="1600" dirty="0" err="1" smtClean="0"/>
+              <a:t>HttpServletRequest</a:t>
+            </a:r>
+            <a:r>
+              <a:rPr lang="ko-KR" altLang="en-US" sz="1600" dirty="0" smtClean="0"/>
+              <a:t>의 </a:t>
+            </a:r>
+            <a:r>
+              <a:rPr lang="en-US" altLang="ko-KR" sz="1600" dirty="0" err="1" smtClean="0"/>
+              <a:t>getSession</a:t>
+            </a:r>
+            <a:r>
+              <a:rPr lang="en-US" altLang="ko-KR" sz="1600" dirty="0" smtClean="0"/>
+              <a:t>() </a:t>
+            </a:r>
+            <a:r>
+              <a:rPr lang="ko-KR" altLang="en-US" sz="1600" dirty="0" err="1" smtClean="0"/>
+              <a:t>메서드를</a:t>
+            </a:r>
+            <a:r>
+              <a:rPr lang="ko-KR" altLang="en-US" sz="1600" dirty="0" smtClean="0"/>
+              <a:t> 호출해서 생성한다</a:t>
+            </a:r>
+            <a:r>
+              <a:rPr lang="en-US" altLang="ko-KR" sz="1600" dirty="0" smtClean="0"/>
+              <a:t>. </a:t>
+            </a:r>
+            <a:endParaRPr lang="en-US" altLang="ko-KR" sz="1600" dirty="0"/>
+          </a:p>
+        </p:txBody>
+      </p:sp>
+      <p:pic>
+        <p:nvPicPr>
+          <p:cNvPr id="12" name="그림 11"/>
+          <p:cNvPicPr>
+            <a:picLocks noChangeAspect="1"/>
+          </p:cNvPicPr>
+          <p:nvPr/>
+        </p:nvPicPr>
+        <p:blipFill>
+          <a:blip r:embed="rId2">
+            <a:extLst>
+              <a:ext uri="{28A0092B-C50C-407E-A947-70E740481C1C}">
+                <a14:useLocalDpi xmlns:a14="http://schemas.microsoft.com/office/drawing/2010/main" val="0"/>
+              </a:ext>
+            </a:extLst>
+          </a:blip>
+          <a:stretch>
+            <a:fillRect/>
+          </a:stretch>
+        </p:blipFill>
+        <p:spPr>
+          <a:xfrm>
+            <a:off x="848544" y="2924944"/>
+            <a:ext cx="4914419" cy="3146096"/>
+          </a:xfrm>
+          <a:prstGeom prst="rect">
+            <a:avLst/>
+          </a:prstGeom>
+          <a:ln>
+            <a:solidFill>
+              <a:schemeClr val="bg1">
+                <a:lumMod val="85000"/>
+              </a:schemeClr>
+            </a:solidFill>
+          </a:ln>
+        </p:spPr>
+      </p:pic>
+      <p:pic>
+        <p:nvPicPr>
+          <p:cNvPr id="11" name="그림 10"/>
+          <p:cNvPicPr>
+            <a:picLocks noChangeAspect="1"/>
+          </p:cNvPicPr>
+          <p:nvPr/>
+        </p:nvPicPr>
+        <p:blipFill>
+          <a:blip r:embed="rId3">
+            <a:extLst>
+              <a:ext uri="{28A0092B-C50C-407E-A947-70E740481C1C}">
+                <a14:useLocalDpi xmlns:a14="http://schemas.microsoft.com/office/drawing/2010/main" val="0"/>
+              </a:ext>
+            </a:extLst>
+          </a:blip>
+          <a:stretch>
+            <a:fillRect/>
+          </a:stretch>
+        </p:blipFill>
+        <p:spPr>
+          <a:xfrm>
+            <a:off x="3512840" y="4365104"/>
+            <a:ext cx="6002432" cy="1594723"/>
+          </a:xfrm>
+          <a:prstGeom prst="rect">
+            <a:avLst/>
+          </a:prstGeom>
+          <a:ln>
+            <a:solidFill>
+              <a:schemeClr val="bg1">
+                <a:lumMod val="85000"/>
+              </a:schemeClr>
+            </a:solidFill>
+          </a:ln>
+        </p:spPr>
+      </p:pic>
+    </p:spTree>
+    <p:extLst>
+      <p:ext uri="{BB962C8B-B14F-4D97-AF65-F5344CB8AC3E}">
+        <p14:creationId xmlns:p14="http://schemas.microsoft.com/office/powerpoint/2010/main" val="2556190687"/>
+      </p:ext>
+    </p:extLst>
+  </p:cSld>
+  <p:clrMapOvr>
+    <a:masterClrMapping/>
+  </p:clrMapOvr>
+  <p:timing>
+    <p:tnLst>
+      <p:par>
+        <p:cTn id="1" dur="indefinite" restart="never" nodeType="tmRoot"/>
+      </p:par>
+    </p:tnLst>
+  </p:timing>
+</p:sld>
+</file>
+
+<file path=ppt/slides/slide5.xml><?xml version="1.0" encoding="utf-8"?>
+<p:sld xmlns:a="http://schemas.openxmlformats.org/drawingml/2006/main" xmlns:r="http://schemas.openxmlformats.org/officeDocument/2006/relationships" xmlns:p="http://schemas.openxmlformats.org/presentationml/2006/main">
+  <p:cSld>
+    <p:spTree>
+      <p:nvGrpSpPr>
+        <p:cNvPr id="1" name=""/>
+        <p:cNvGrpSpPr/>
+        <p:nvPr/>
+      </p:nvGrpSpPr>
+      <p:grpSpPr>
+        <a:xfrm>
+          <a:off x="0" y="0"/>
+          <a:ext cx="0" cy="0"/>
+          <a:chOff x="0" y="0"/>
+          <a:chExt cx="0" cy="0"/>
+        </a:xfrm>
+      </p:grpSpPr>
+      <p:sp>
+        <p:nvSpPr>
+          <p:cNvPr id="15" name="제목 5"/>
+          <p:cNvSpPr txBox="1">
+            <a:spLocks/>
+          </p:cNvSpPr>
+          <p:nvPr/>
+        </p:nvSpPr>
+        <p:spPr>
+          <a:xfrm>
+            <a:off x="0" y="-27384"/>
+            <a:ext cx="7995338" cy="854968"/>
+          </a:xfrm>
+          <a:prstGeom prst="rect">
+            <a:avLst/>
+          </a:prstGeom>
+        </p:spPr>
+        <p:txBody>
+          <a:bodyPr anchor="ctr" anchorCtr="0"/>
+          <a:lstStyle>
+            <a:lvl1pPr algn="l" defTabSz="914400" rtl="0" eaLnBrk="1" latinLnBrk="1" hangingPunct="1">
+              <a:spcBef>
+                <a:spcPct val="0"/>
+              </a:spcBef>
+              <a:buNone/>
+              <a:defRPr sz="3200" kern="1200">
+                <a:solidFill>
+                  <a:schemeClr val="bg1"/>
+                </a:solidFill>
+                <a:latin typeface="HY헤드라인M" panose="02030600000101010101" pitchFamily="18" charset="-127"/>
+                <a:ea typeface="HY헤드라인M" panose="02030600000101010101" pitchFamily="18" charset="-127"/>
+                <a:cs typeface="+mj-cs"/>
+              </a:defRPr>
+            </a:lvl1pPr>
+          </a:lstStyle>
+          <a:p>
+            <a:r>
+              <a:rPr lang="en-US" altLang="ko-KR" dirty="0" smtClean="0"/>
+              <a:t> </a:t>
+            </a:r>
+            <a:r>
+              <a:rPr lang="ko-KR" altLang="en-US" b="1" dirty="0" err="1">
+                <a:latin typeface="휴먼엑스포" panose="02030504000101010101" pitchFamily="18" charset="-127"/>
+                <a:ea typeface="휴먼엑스포" panose="02030504000101010101" pitchFamily="18" charset="-127"/>
+              </a:rPr>
+              <a:t>서블릿</a:t>
+            </a:r>
+            <a:r>
+              <a:rPr lang="ko-KR" altLang="en-US" b="1" dirty="0">
+                <a:latin typeface="휴먼엑스포" panose="02030504000101010101" pitchFamily="18" charset="-127"/>
+                <a:ea typeface="휴먼엑스포" panose="02030504000101010101" pitchFamily="18" charset="-127"/>
+              </a:rPr>
+              <a:t> </a:t>
+            </a:r>
+            <a:r>
+              <a:rPr lang="en-US" altLang="ko-KR" b="1" dirty="0">
+                <a:latin typeface="휴먼엑스포" panose="02030504000101010101" pitchFamily="18" charset="-127"/>
+                <a:ea typeface="휴먼엑스포" panose="02030504000101010101" pitchFamily="18" charset="-127"/>
+              </a:rPr>
+              <a:t>– Servlet</a:t>
+            </a:r>
+            <a:endParaRPr lang="ko-KR" altLang="en-US" dirty="0"/>
+          </a:p>
+        </p:txBody>
+      </p:sp>
+      <p:sp>
+        <p:nvSpPr>
+          <p:cNvPr id="7" name="TextBox 6"/>
+          <p:cNvSpPr txBox="1"/>
+          <p:nvPr/>
+        </p:nvSpPr>
+        <p:spPr>
+          <a:xfrm>
+            <a:off x="632520" y="1065217"/>
+            <a:ext cx="8928992" cy="3708708"/>
+          </a:xfrm>
+          <a:prstGeom prst="rect">
+            <a:avLst/>
+          </a:prstGeom>
+          <a:noFill/>
+        </p:spPr>
+        <p:txBody>
+          <a:bodyPr wrap="square" rtlCol="0">
+            <a:spAutoFit/>
+          </a:bodyPr>
+          <a:lstStyle/>
+          <a:p>
+            <a:pPr>
+              <a:lnSpc>
+                <a:spcPct val="200000"/>
+              </a:lnSpc>
+            </a:pPr>
+            <a:r>
+              <a:rPr lang="ko-KR" altLang="en-US" sz="2000" b="1" dirty="0" err="1" smtClean="0"/>
+              <a:t>서블릿</a:t>
+            </a:r>
+            <a:r>
+              <a:rPr lang="ko-KR" altLang="en-US" sz="2000" b="1" dirty="0" smtClean="0"/>
+              <a:t> </a:t>
+            </a:r>
+            <a:r>
+              <a:rPr lang="en-US" altLang="ko-KR" sz="2000" b="1" dirty="0" smtClean="0"/>
+              <a:t>vs </a:t>
+            </a:r>
+            <a:r>
+              <a:rPr lang="en-US" altLang="ko-KR" sz="2000" b="1" dirty="0" smtClean="0">
+                <a:solidFill>
+                  <a:srgbClr val="0070C0"/>
+                </a:solidFill>
+              </a:rPr>
+              <a:t>JSP</a:t>
+            </a:r>
+          </a:p>
+          <a:p>
+            <a:pPr>
+              <a:lnSpc>
+                <a:spcPct val="150000"/>
+              </a:lnSpc>
+            </a:pPr>
+            <a:r>
+              <a:rPr lang="ko-KR" altLang="en-US" sz="1600" dirty="0" err="1" smtClean="0"/>
+              <a:t>서블릿은</a:t>
+            </a:r>
+            <a:r>
+              <a:rPr lang="ko-KR" altLang="en-US" sz="1600" dirty="0" smtClean="0"/>
+              <a:t> </a:t>
+            </a:r>
+            <a:r>
+              <a:rPr lang="ko-KR" altLang="en-US" sz="1600" dirty="0" err="1" smtClean="0"/>
+              <a:t>서버쪽에서</a:t>
+            </a:r>
+            <a:r>
+              <a:rPr lang="ko-KR" altLang="en-US" sz="1600" dirty="0" smtClean="0"/>
+              <a:t> 실행되면서 클라이언트의 요청에 따라 동적으로 서비스를 제공하는 </a:t>
+            </a:r>
+            <a:r>
+              <a:rPr lang="ko-KR" altLang="en-US" sz="1600" b="1" dirty="0" smtClean="0">
+                <a:solidFill>
+                  <a:srgbClr val="C00000"/>
+                </a:solidFill>
+              </a:rPr>
+              <a:t>자바 클래스 이다</a:t>
+            </a:r>
+            <a:r>
+              <a:rPr lang="en-US" altLang="ko-KR" sz="1600" b="1" dirty="0" smtClean="0">
+                <a:solidFill>
+                  <a:srgbClr val="C00000"/>
+                </a:solidFill>
+              </a:rPr>
+              <a:t>.</a:t>
+            </a:r>
+            <a:r>
+              <a:rPr lang="en-US" altLang="ko-KR" b="1" dirty="0">
+                <a:solidFill>
+                  <a:srgbClr val="0070C0"/>
+                </a:solidFill>
+              </a:rPr>
+              <a:t> </a:t>
+            </a:r>
+            <a:endParaRPr lang="en-US" altLang="ko-KR" b="1" dirty="0" smtClean="0">
+              <a:solidFill>
+                <a:srgbClr val="0070C0"/>
+              </a:solidFill>
+            </a:endParaRPr>
+          </a:p>
+          <a:p>
+            <a:pPr>
+              <a:lnSpc>
+                <a:spcPct val="150000"/>
+              </a:lnSpc>
+            </a:pPr>
+            <a:r>
+              <a:rPr lang="ko-KR" altLang="en-US" sz="1600" dirty="0" err="1" smtClean="0"/>
+              <a:t>서블릿의</a:t>
+            </a:r>
+            <a:r>
+              <a:rPr lang="ko-KR" altLang="en-US" sz="1600" dirty="0" smtClean="0"/>
+              <a:t> 문제점을 보완하여 등장한 것이 </a:t>
+            </a:r>
+            <a:r>
+              <a:rPr lang="en-US" altLang="ko-KR" sz="1600" b="1" dirty="0" smtClean="0">
+                <a:solidFill>
+                  <a:srgbClr val="0070C0"/>
+                </a:solidFill>
+              </a:rPr>
+              <a:t>JSP(Java Server Pages)</a:t>
+            </a:r>
+            <a:r>
+              <a:rPr lang="ko-KR" altLang="en-US" sz="1600" dirty="0" smtClean="0"/>
+              <a:t>이다</a:t>
+            </a:r>
+            <a:r>
+              <a:rPr lang="en-US" altLang="ko-KR" sz="1600" dirty="0" smtClean="0"/>
+              <a:t>.</a:t>
+            </a:r>
+          </a:p>
+          <a:p>
+            <a:pPr>
+              <a:lnSpc>
+                <a:spcPct val="150000"/>
+              </a:lnSpc>
+            </a:pPr>
+            <a:r>
+              <a:rPr lang="ko-KR" altLang="en-US" sz="1600" dirty="0" smtClean="0"/>
+              <a:t>화면의 기능이나 구성이 복잡해짐에 따라 사용자를 고려하는 요구사항이 늘어났고 디자이너의 경우 화면의 수월한 기능 구현과 개발 후의 화면의 편리한 유지관리를 목적으로 도입 된 것이다</a:t>
+            </a:r>
+            <a:r>
+              <a:rPr lang="en-US" altLang="ko-KR" sz="1600" dirty="0" smtClean="0"/>
+              <a:t>.</a:t>
+            </a:r>
+          </a:p>
+          <a:p>
+            <a:pPr>
+              <a:lnSpc>
+                <a:spcPct val="150000"/>
+              </a:lnSpc>
+            </a:pPr>
+            <a:endParaRPr lang="en-US" altLang="ko-KR" sz="1600" dirty="0" smtClean="0"/>
+          </a:p>
+          <a:p>
+            <a:pPr>
+              <a:lnSpc>
+                <a:spcPct val="150000"/>
+              </a:lnSpc>
+            </a:pPr>
+            <a:r>
+              <a:rPr lang="ko-KR" altLang="en-US" sz="1600" dirty="0" smtClean="0"/>
+              <a:t>현재는 웹 애플리케이션을 개발할 때 </a:t>
+            </a:r>
+            <a:r>
+              <a:rPr lang="en-US" altLang="ko-KR" sz="1600" dirty="0" smtClean="0">
+                <a:solidFill>
+                  <a:srgbClr val="0070C0"/>
+                </a:solidFill>
+              </a:rPr>
+              <a:t>JSP</a:t>
+            </a:r>
+            <a:r>
+              <a:rPr lang="ko-KR" altLang="en-US" sz="1600" dirty="0" smtClean="0"/>
+              <a:t>는 화면 계층</a:t>
+            </a:r>
+            <a:r>
+              <a:rPr lang="en-US" altLang="ko-KR" sz="1600" dirty="0" smtClean="0"/>
+              <a:t>(</a:t>
+            </a:r>
+            <a:r>
+              <a:rPr lang="ko-KR" altLang="en-US" sz="1600" dirty="0" smtClean="0"/>
+              <a:t>프레젠테이</a:t>
+            </a:r>
+            <a:r>
+              <a:rPr lang="ko-KR" altLang="en-US" sz="1600" dirty="0"/>
+              <a:t>션</a:t>
+            </a:r>
+            <a:r>
+              <a:rPr lang="ko-KR" altLang="en-US" sz="1600" dirty="0" smtClean="0"/>
+              <a:t> 계층</a:t>
+            </a:r>
+            <a:r>
+              <a:rPr lang="en-US" altLang="ko-KR" sz="1600" dirty="0" smtClean="0"/>
+              <a:t>)</a:t>
+            </a:r>
+            <a:r>
+              <a:rPr lang="ko-KR" altLang="en-US" sz="1600" dirty="0" smtClean="0"/>
+              <a:t>으로 </a:t>
+            </a:r>
+            <a:r>
+              <a:rPr lang="ko-KR" altLang="en-US" sz="1600" dirty="0" err="1" smtClean="0"/>
+              <a:t>서블릿은</a:t>
+            </a:r>
+            <a:r>
+              <a:rPr lang="ko-KR" altLang="en-US" sz="1600" dirty="0" smtClean="0"/>
+              <a:t> 비즈니스 </a:t>
+            </a:r>
+            <a:r>
+              <a:rPr lang="ko-KR" altLang="en-US" sz="1600" dirty="0" err="1" smtClean="0"/>
+              <a:t>로직</a:t>
+            </a:r>
+            <a:r>
+              <a:rPr lang="en-US" altLang="ko-KR" sz="1600" dirty="0" smtClean="0"/>
+              <a:t>(Controller)</a:t>
+            </a:r>
+            <a:r>
+              <a:rPr lang="ko-KR" altLang="en-US" sz="1600" dirty="0" smtClean="0"/>
+              <a:t>으로 역할을 나누어 기능을 구현하고 있다</a:t>
+            </a:r>
+            <a:r>
+              <a:rPr lang="en-US" altLang="ko-KR" sz="1600" b="1" dirty="0" smtClean="0">
+                <a:solidFill>
+                  <a:srgbClr val="C00000"/>
+                </a:solidFill>
+              </a:rPr>
+              <a:t>.(</a:t>
+            </a:r>
+            <a:r>
+              <a:rPr lang="ko-KR" altLang="en-US" sz="1600" b="1" dirty="0" smtClean="0">
+                <a:solidFill>
+                  <a:srgbClr val="C00000"/>
+                </a:solidFill>
+              </a:rPr>
+              <a:t>모델</a:t>
+            </a:r>
+            <a:r>
+              <a:rPr lang="en-US" altLang="ko-KR" sz="1600" b="1" dirty="0" smtClean="0">
+                <a:solidFill>
+                  <a:srgbClr val="C00000"/>
+                </a:solidFill>
+              </a:rPr>
+              <a:t>2 </a:t>
+            </a:r>
+            <a:r>
+              <a:rPr lang="ko-KR" altLang="en-US" sz="1600" b="1" dirty="0" smtClean="0">
+                <a:solidFill>
+                  <a:srgbClr val="C00000"/>
+                </a:solidFill>
+              </a:rPr>
+              <a:t>방식</a:t>
+            </a:r>
+            <a:r>
+              <a:rPr lang="en-US" altLang="ko-KR" sz="1600" b="1" dirty="0" smtClean="0">
+                <a:solidFill>
+                  <a:srgbClr val="C00000"/>
+                </a:solidFill>
+              </a:rPr>
+              <a:t>- MVC </a:t>
+            </a:r>
+            <a:r>
+              <a:rPr lang="ko-KR" altLang="en-US" sz="1600" b="1" dirty="0" smtClean="0">
+                <a:solidFill>
+                  <a:srgbClr val="C00000"/>
+                </a:solidFill>
+              </a:rPr>
+              <a:t>패턴</a:t>
+            </a:r>
+            <a:r>
+              <a:rPr lang="en-US" altLang="ko-KR" sz="1600" b="1" dirty="0" smtClean="0">
+                <a:solidFill>
+                  <a:srgbClr val="C00000"/>
+                </a:solidFill>
+              </a:rPr>
+              <a:t>)</a:t>
+            </a:r>
+          </a:p>
+        </p:txBody>
+      </p:sp>
+    </p:spTree>
+    <p:extLst>
+      <p:ext uri="{BB962C8B-B14F-4D97-AF65-F5344CB8AC3E}">
+        <p14:creationId xmlns:p14="http://schemas.microsoft.com/office/powerpoint/2010/main" val="2241920699"/>
+      </p:ext>
+    </p:extLst>
+  </p:cSld>
+  <p:clrMapOvr>
+    <a:masterClrMapping/>
+  </p:clrMapOvr>
+  <p:timing>
+    <p:tnLst>
+      <p:par>
+        <p:cTn id="1" dur="indefinite" restart="never" nodeType="tmRoot"/>
+      </p:par>
+    </p:tnLst>
+  </p:timing>
+</p:sld>
+</file>
+
+<file path=ppt/slides/slide50.xml><?xml version="1.0" encoding="utf-8"?>
+<p:sld xmlns:a="http://schemas.openxmlformats.org/drawingml/2006/main" xmlns:r="http://schemas.openxmlformats.org/officeDocument/2006/relationships" xmlns:p="http://schemas.openxmlformats.org/presentationml/2006/main">
+  <p:cSld>
+    <p:spTree>
+      <p:nvGrpSpPr>
+        <p:cNvPr id="1" name=""/>
+        <p:cNvGrpSpPr/>
+        <p:nvPr/>
+      </p:nvGrpSpPr>
+      <p:grpSpPr>
+        <a:xfrm>
+          <a:off x="0" y="0"/>
+          <a:ext cx="0" cy="0"/>
+          <a:chOff x="0" y="0"/>
+          <a:chExt cx="0" cy="0"/>
+        </a:xfrm>
+      </p:grpSpPr>
+      <p:sp>
+        <p:nvSpPr>
+          <p:cNvPr id="15" name="제목 5"/>
+          <p:cNvSpPr txBox="1">
+            <a:spLocks/>
+          </p:cNvSpPr>
+          <p:nvPr/>
+        </p:nvSpPr>
+        <p:spPr>
+          <a:xfrm>
+            <a:off x="0" y="-27384"/>
+            <a:ext cx="7995338" cy="854968"/>
+          </a:xfrm>
+          <a:prstGeom prst="rect">
+            <a:avLst/>
+          </a:prstGeom>
+        </p:spPr>
+        <p:txBody>
+          <a:bodyPr anchor="ctr" anchorCtr="0"/>
+          <a:lstStyle>
+            <a:lvl1pPr algn="l" defTabSz="914400" rtl="0" eaLnBrk="1" latinLnBrk="1" hangingPunct="1">
+              <a:spcBef>
+                <a:spcPct val="0"/>
+              </a:spcBef>
+              <a:buNone/>
+              <a:defRPr sz="3200" kern="1200">
+                <a:solidFill>
+                  <a:schemeClr val="bg1"/>
+                </a:solidFill>
+                <a:latin typeface="HY헤드라인M" panose="02030600000101010101" pitchFamily="18" charset="-127"/>
+                <a:ea typeface="HY헤드라인M" panose="02030600000101010101" pitchFamily="18" charset="-127"/>
+                <a:cs typeface="+mj-cs"/>
+              </a:defRPr>
+            </a:lvl1pPr>
+          </a:lstStyle>
+          <a:p>
+            <a:r>
+              <a:rPr lang="en-US" altLang="ko-KR" dirty="0" smtClean="0"/>
               <a:t>  </a:t>
             </a:r>
             <a:r>
@@ -20527,7 +21342,7 @@
 </p:sld>
 </file>
 
-<file path=ppt/slides/slide49.xml><?xml version="1.0" encoding="utf-8"?>
+<file path=ppt/slides/slide51.xml><?xml version="1.0" encoding="utf-8"?>
 <p:sld xmlns:a="http://schemas.openxmlformats.org/drawingml/2006/main" xmlns:r="http://schemas.openxmlformats.org/officeDocument/2006/relationships" xmlns:p="http://schemas.openxmlformats.org/presentationml/2006/main">
   <p:cSld>
     <p:spTree>
@@ -21185,388 +22000,7 @@
 </p:sld>
 </file>
 
-<file path=ppt/slides/slide5.xml><?xml version="1.0" encoding="utf-8"?>
-<p:sld xmlns:a="http://schemas.openxmlformats.org/drawingml/2006/main" xmlns:r="http://schemas.openxmlformats.org/officeDocument/2006/relationships" xmlns:p="http://schemas.openxmlformats.org/presentationml/2006/main">
-  <p:cSld>
-    <p:spTree>
-      <p:nvGrpSpPr>
-        <p:cNvPr id="1" name=""/>
-        <p:cNvGrpSpPr/>
-        <p:nvPr/>
-      </p:nvGrpSpPr>
-      <p:grpSpPr>
-        <a:xfrm>
-          <a:off x="0" y="0"/>
-          <a:ext cx="0" cy="0"/>
-          <a:chOff x="0" y="0"/>
-          <a:chExt cx="0" cy="0"/>
-        </a:xfrm>
-      </p:grpSpPr>
-      <p:sp>
-        <p:nvSpPr>
-          <p:cNvPr id="15" name="제목 5"/>
-          <p:cNvSpPr txBox="1">
-            <a:spLocks/>
-          </p:cNvSpPr>
-          <p:nvPr/>
-        </p:nvSpPr>
-        <p:spPr>
-          <a:xfrm>
-            <a:off x="0" y="-27384"/>
-            <a:ext cx="7995338" cy="854968"/>
-          </a:xfrm>
-          <a:prstGeom prst="rect">
-            <a:avLst/>
-          </a:prstGeom>
-        </p:spPr>
-        <p:txBody>
-          <a:bodyPr anchor="ctr" anchorCtr="0"/>
-          <a:lstStyle>
-            <a:lvl1pPr algn="l" defTabSz="914400" rtl="0" eaLnBrk="1" latinLnBrk="1" hangingPunct="1">
-              <a:spcBef>
-                <a:spcPct val="0"/>
-              </a:spcBef>
-              <a:buNone/>
-              <a:defRPr sz="3200" kern="1200">
-                <a:solidFill>
-                  <a:schemeClr val="bg1"/>
-                </a:solidFill>
-                <a:latin typeface="HY헤드라인M" panose="02030600000101010101" pitchFamily="18" charset="-127"/>
-                <a:ea typeface="HY헤드라인M" panose="02030600000101010101" pitchFamily="18" charset="-127"/>
-                <a:cs typeface="+mj-cs"/>
-              </a:defRPr>
-            </a:lvl1pPr>
-          </a:lstStyle>
-          <a:p>
-            <a:r>
-              <a:rPr lang="en-US" altLang="ko-KR" dirty="0" smtClean="0"/>
-              <a:t> </a:t>
-            </a:r>
-            <a:r>
-              <a:rPr lang="ko-KR" altLang="en-US" b="1" dirty="0" err="1">
-                <a:latin typeface="휴먼엑스포" panose="02030504000101010101" pitchFamily="18" charset="-127"/>
-                <a:ea typeface="휴먼엑스포" panose="02030504000101010101" pitchFamily="18" charset="-127"/>
-              </a:rPr>
-              <a:t>서블릿</a:t>
-            </a:r>
-            <a:r>
-              <a:rPr lang="ko-KR" altLang="en-US" b="1" dirty="0">
-                <a:latin typeface="휴먼엑스포" panose="02030504000101010101" pitchFamily="18" charset="-127"/>
-                <a:ea typeface="휴먼엑스포" panose="02030504000101010101" pitchFamily="18" charset="-127"/>
-              </a:rPr>
-              <a:t> </a:t>
-            </a:r>
-            <a:r>
-              <a:rPr lang="en-US" altLang="ko-KR" b="1" dirty="0">
-                <a:latin typeface="휴먼엑스포" panose="02030504000101010101" pitchFamily="18" charset="-127"/>
-                <a:ea typeface="휴먼엑스포" panose="02030504000101010101" pitchFamily="18" charset="-127"/>
-              </a:rPr>
-              <a:t>– Servlet</a:t>
-            </a:r>
-            <a:endParaRPr lang="ko-KR" altLang="en-US" dirty="0"/>
-          </a:p>
-        </p:txBody>
-      </p:sp>
-      <p:sp>
-        <p:nvSpPr>
-          <p:cNvPr id="7" name="TextBox 6"/>
-          <p:cNvSpPr txBox="1"/>
-          <p:nvPr/>
-        </p:nvSpPr>
-        <p:spPr>
-          <a:xfrm>
-            <a:off x="632520" y="1065217"/>
-            <a:ext cx="8928992" cy="3708708"/>
-          </a:xfrm>
-          <a:prstGeom prst="rect">
-            <a:avLst/>
-          </a:prstGeom>
-          <a:noFill/>
-        </p:spPr>
-        <p:txBody>
-          <a:bodyPr wrap="square" rtlCol="0">
-            <a:spAutoFit/>
-          </a:bodyPr>
-          <a:lstStyle/>
-          <a:p>
-            <a:pPr>
-              <a:lnSpc>
-                <a:spcPct val="200000"/>
-              </a:lnSpc>
-            </a:pPr>
-            <a:r>
-              <a:rPr lang="ko-KR" altLang="en-US" sz="2000" b="1" dirty="0" err="1" smtClean="0"/>
-              <a:t>서블릿</a:t>
-            </a:r>
-            <a:r>
-              <a:rPr lang="ko-KR" altLang="en-US" sz="2000" b="1" dirty="0" smtClean="0"/>
-              <a:t> </a:t>
-            </a:r>
-            <a:r>
-              <a:rPr lang="en-US" altLang="ko-KR" sz="2000" b="1" dirty="0" smtClean="0"/>
-              <a:t>vs </a:t>
-            </a:r>
-            <a:r>
-              <a:rPr lang="en-US" altLang="ko-KR" sz="2000" b="1" dirty="0" smtClean="0">
-                <a:solidFill>
-                  <a:srgbClr val="0070C0"/>
-                </a:solidFill>
-              </a:rPr>
-              <a:t>JSP</a:t>
-            </a:r>
-          </a:p>
-          <a:p>
-            <a:pPr>
-              <a:lnSpc>
-                <a:spcPct val="150000"/>
-              </a:lnSpc>
-            </a:pPr>
-            <a:r>
-              <a:rPr lang="ko-KR" altLang="en-US" sz="1600" dirty="0" err="1" smtClean="0"/>
-              <a:t>서블릿은</a:t>
-            </a:r>
-            <a:r>
-              <a:rPr lang="ko-KR" altLang="en-US" sz="1600" dirty="0" smtClean="0"/>
-              <a:t> </a:t>
-            </a:r>
-            <a:r>
-              <a:rPr lang="ko-KR" altLang="en-US" sz="1600" dirty="0" err="1" smtClean="0"/>
-              <a:t>서버쪽에서</a:t>
-            </a:r>
-            <a:r>
-              <a:rPr lang="ko-KR" altLang="en-US" sz="1600" dirty="0" smtClean="0"/>
-              <a:t> 실행되면서 클라이언트의 요청에 따라 동적으로 서비스를 제공하는 </a:t>
-            </a:r>
-            <a:r>
-              <a:rPr lang="ko-KR" altLang="en-US" sz="1600" b="1" dirty="0" smtClean="0">
-                <a:solidFill>
-                  <a:srgbClr val="C00000"/>
-                </a:solidFill>
-              </a:rPr>
-              <a:t>자바 클래스 이다</a:t>
-            </a:r>
-            <a:r>
-              <a:rPr lang="en-US" altLang="ko-KR" sz="1600" b="1" dirty="0" smtClean="0">
-                <a:solidFill>
-                  <a:srgbClr val="C00000"/>
-                </a:solidFill>
-              </a:rPr>
-              <a:t>.</a:t>
-            </a:r>
-            <a:r>
-              <a:rPr lang="en-US" altLang="ko-KR" b="1" dirty="0">
-                <a:solidFill>
-                  <a:srgbClr val="0070C0"/>
-                </a:solidFill>
-              </a:rPr>
-              <a:t> </a:t>
-            </a:r>
-            <a:endParaRPr lang="en-US" altLang="ko-KR" b="1" dirty="0" smtClean="0">
-              <a:solidFill>
-                <a:srgbClr val="0070C0"/>
-              </a:solidFill>
-            </a:endParaRPr>
-          </a:p>
-          <a:p>
-            <a:pPr>
-              <a:lnSpc>
-                <a:spcPct val="150000"/>
-              </a:lnSpc>
-            </a:pPr>
-            <a:r>
-              <a:rPr lang="ko-KR" altLang="en-US" sz="1600" dirty="0" err="1" smtClean="0"/>
-              <a:t>서블릿의</a:t>
-            </a:r>
-            <a:r>
-              <a:rPr lang="ko-KR" altLang="en-US" sz="1600" dirty="0" smtClean="0"/>
-              <a:t> 문제점을 보완하여 등장한 것이 </a:t>
-            </a:r>
-            <a:r>
-              <a:rPr lang="en-US" altLang="ko-KR" sz="1600" b="1" dirty="0" smtClean="0">
-                <a:solidFill>
-                  <a:srgbClr val="0070C0"/>
-                </a:solidFill>
-              </a:rPr>
-              <a:t>JSP(Java Server Pages)</a:t>
-            </a:r>
-            <a:r>
-              <a:rPr lang="ko-KR" altLang="en-US" sz="1600" dirty="0" smtClean="0"/>
-              <a:t>이다</a:t>
-            </a:r>
-            <a:r>
-              <a:rPr lang="en-US" altLang="ko-KR" sz="1600" dirty="0" smtClean="0"/>
-              <a:t>.</a:t>
-            </a:r>
-          </a:p>
-          <a:p>
-            <a:pPr>
-              <a:lnSpc>
-                <a:spcPct val="150000"/>
-              </a:lnSpc>
-            </a:pPr>
-            <a:r>
-              <a:rPr lang="ko-KR" altLang="en-US" sz="1600" dirty="0" smtClean="0"/>
-              <a:t>화면의 기능이나 구성이 복잡해짐에 따라 사용자를 고려하는 요구사항이 늘어났고 디자이너의 경우 화면의 수월한 기능 구현과 개발 후의 화면의 편리한 유지관리를 목적으로 도입 된 것이다</a:t>
-            </a:r>
-            <a:r>
-              <a:rPr lang="en-US" altLang="ko-KR" sz="1600" dirty="0" smtClean="0"/>
-              <a:t>.</a:t>
-            </a:r>
-          </a:p>
-          <a:p>
-            <a:pPr>
-              <a:lnSpc>
-                <a:spcPct val="150000"/>
-              </a:lnSpc>
-            </a:pPr>
-            <a:endParaRPr lang="en-US" altLang="ko-KR" sz="1600" dirty="0" smtClean="0"/>
-          </a:p>
-          <a:p>
-            <a:pPr>
-              <a:lnSpc>
-                <a:spcPct val="150000"/>
-              </a:lnSpc>
-            </a:pPr>
-            <a:r>
-              <a:rPr lang="ko-KR" altLang="en-US" sz="1600" dirty="0" smtClean="0"/>
-              <a:t>현재는 웹 애플리케이션을 개발할 때 </a:t>
-            </a:r>
-            <a:r>
-              <a:rPr lang="en-US" altLang="ko-KR" sz="1600" dirty="0" smtClean="0">
-                <a:solidFill>
-                  <a:srgbClr val="0070C0"/>
-                </a:solidFill>
-              </a:rPr>
-              <a:t>JSP</a:t>
-            </a:r>
-            <a:r>
-              <a:rPr lang="ko-KR" altLang="en-US" sz="1600" dirty="0" smtClean="0"/>
-              <a:t>는 화면 계층</a:t>
-            </a:r>
-            <a:r>
-              <a:rPr lang="en-US" altLang="ko-KR" sz="1600" dirty="0" smtClean="0"/>
-              <a:t>(</a:t>
-            </a:r>
-            <a:r>
-              <a:rPr lang="ko-KR" altLang="en-US" sz="1600" dirty="0" smtClean="0"/>
-              <a:t>프레젠테이</a:t>
-            </a:r>
-            <a:r>
-              <a:rPr lang="ko-KR" altLang="en-US" sz="1600" dirty="0"/>
-              <a:t>션</a:t>
-            </a:r>
-            <a:r>
-              <a:rPr lang="ko-KR" altLang="en-US" sz="1600" dirty="0" smtClean="0"/>
-              <a:t> 계층</a:t>
-            </a:r>
-            <a:r>
-              <a:rPr lang="en-US" altLang="ko-KR" sz="1600" dirty="0" smtClean="0"/>
-              <a:t>)</a:t>
-            </a:r>
-            <a:r>
-              <a:rPr lang="ko-KR" altLang="en-US" sz="1600" dirty="0" smtClean="0"/>
-              <a:t>으로 </a:t>
-            </a:r>
-            <a:r>
-              <a:rPr lang="ko-KR" altLang="en-US" sz="1600" dirty="0" err="1" smtClean="0"/>
-              <a:t>서블릿은</a:t>
-            </a:r>
-            <a:r>
-              <a:rPr lang="ko-KR" altLang="en-US" sz="1600" dirty="0" smtClean="0"/>
-              <a:t> 비즈니스 </a:t>
-            </a:r>
-            <a:r>
-              <a:rPr lang="ko-KR" altLang="en-US" sz="1600" dirty="0" err="1" smtClean="0"/>
-              <a:t>로직</a:t>
-            </a:r>
-            <a:r>
-              <a:rPr lang="en-US" altLang="ko-KR" sz="1600" dirty="0" smtClean="0"/>
-              <a:t>(Controller)</a:t>
-            </a:r>
-            <a:r>
-              <a:rPr lang="ko-KR" altLang="en-US" sz="1600" dirty="0" smtClean="0"/>
-              <a:t>으로 역할을 나누어 기능을 구현하고 있다</a:t>
-            </a:r>
-            <a:r>
-              <a:rPr lang="en-US" altLang="ko-KR" sz="1600" b="1" dirty="0" smtClean="0">
-                <a:solidFill>
-                  <a:srgbClr val="C00000"/>
-                </a:solidFill>
-              </a:rPr>
-              <a:t>.(</a:t>
-            </a:r>
-            <a:r>
-              <a:rPr lang="ko-KR" altLang="en-US" sz="1600" b="1" dirty="0" smtClean="0">
-                <a:solidFill>
-                  <a:srgbClr val="C00000"/>
-                </a:solidFill>
-              </a:rPr>
-              <a:t>모델</a:t>
-            </a:r>
-            <a:r>
-              <a:rPr lang="en-US" altLang="ko-KR" sz="1600" b="1" dirty="0" smtClean="0">
-                <a:solidFill>
-                  <a:srgbClr val="C00000"/>
-                </a:solidFill>
-              </a:rPr>
-              <a:t>2 </a:t>
-            </a:r>
-            <a:r>
-              <a:rPr lang="ko-KR" altLang="en-US" sz="1600" b="1" dirty="0" smtClean="0">
-                <a:solidFill>
-                  <a:srgbClr val="C00000"/>
-                </a:solidFill>
-              </a:rPr>
-              <a:t>방식</a:t>
-            </a:r>
-            <a:r>
-              <a:rPr lang="en-US" altLang="ko-KR" sz="1600" b="1" dirty="0" smtClean="0">
-                <a:solidFill>
-                  <a:srgbClr val="C00000"/>
-                </a:solidFill>
-              </a:rPr>
-              <a:t>- MVC </a:t>
-            </a:r>
-            <a:r>
-              <a:rPr lang="ko-KR" altLang="en-US" sz="1600" b="1" dirty="0" smtClean="0">
-                <a:solidFill>
-                  <a:srgbClr val="C00000"/>
-                </a:solidFill>
-              </a:rPr>
-              <a:t>패턴</a:t>
-            </a:r>
-            <a:r>
-              <a:rPr lang="en-US" altLang="ko-KR" sz="1600" b="1" dirty="0" smtClean="0">
-                <a:solidFill>
-                  <a:srgbClr val="C00000"/>
-                </a:solidFill>
-              </a:rPr>
-              <a:t>)</a:t>
-            </a:r>
-          </a:p>
-        </p:txBody>
-      </p:sp>
-    </p:spTree>
-    <p:extLst>
-      <p:ext uri="{BB962C8B-B14F-4D97-AF65-F5344CB8AC3E}">
-        <p14:creationId xmlns:p14="http://schemas.microsoft.com/office/powerpoint/2010/main" val="2241920699"/>
-      </p:ext>
-    </p:extLst>
-  </p:cSld>
-  <p:clrMapOvr>
-    <a:masterClrMapping/>
-  </p:clrMapOvr>
-  <p:timing>
-    <p:tnLst>
-      <p:par>
-        <p:cTn id="1" dur="indefinite" restart="never" nodeType="tmRoot"/>
-      </p:par>
-    </p:tnLst>
-  </p:timing>
-</p:sld>
-</file>
-
-<file path=ppt/slides/slide50.xml><?xml version="1.0" encoding="utf-8"?>
+<file path=ppt/slides/slide52.xml><?xml version="1.0" encoding="utf-8"?>
 <p:sld xmlns:a="http://schemas.openxmlformats.org/drawingml/2006/main" xmlns:r="http://schemas.openxmlformats.org/officeDocument/2006/relationships" xmlns:p="http://schemas.openxmlformats.org/presentationml/2006/main">
   <p:cSld>
     <p:spTree>
@@ -22466,7 +22900,7 @@
 </p:sld>
 </file>
 
-<file path=ppt/slides/slide51.xml><?xml version="1.0" encoding="utf-8"?>
+<file path=ppt/slides/slide53.xml><?xml version="1.0" encoding="utf-8"?>
 <p:sld xmlns:a="http://schemas.openxmlformats.org/drawingml/2006/main" xmlns:r="http://schemas.openxmlformats.org/officeDocument/2006/relationships" xmlns:p="http://schemas.openxmlformats.org/presentationml/2006/main">
   <p:cSld>
     <p:spTree>
@@ -22881,7 +23315,7 @@
 </p:sld>
 </file>
 
-<file path=ppt/slides/slide52.xml><?xml version="1.0" encoding="utf-8"?>
+<file path=ppt/slides/slide54.xml><?xml version="1.0" encoding="utf-8"?>
 <p:sld xmlns:a="http://schemas.openxmlformats.org/drawingml/2006/main" xmlns:r="http://schemas.openxmlformats.org/officeDocument/2006/relationships" xmlns:p="http://schemas.openxmlformats.org/presentationml/2006/main">
   <p:cSld>
     <p:spTree>
@@ -23132,7 +23566,7 @@
 </p:sld>
 </file>
 
-<file path=ppt/slides/slide53.xml><?xml version="1.0" encoding="utf-8"?>
+<file path=ppt/slides/slide55.xml><?xml version="1.0" encoding="utf-8"?>
 <p:sld xmlns:a="http://schemas.openxmlformats.org/drawingml/2006/main" xmlns:r="http://schemas.openxmlformats.org/officeDocument/2006/relationships" xmlns:p="http://schemas.openxmlformats.org/presentationml/2006/main">
   <p:cSld>
     <p:spTree>

--- a/ppt/jsp_ppt/4장. jsp 서블릿 API.pptx
+++ b/ppt/jsp_ppt/4장. jsp 서블릿 API.pptx
@@ -262,7 +262,7 @@
           <a:p>
             <a:fld id="{7665CDAC-D627-4E87-877A-1B781DD4CADC}" type="datetimeFigureOut">
               <a:rPr lang="ko-KR" altLang="en-US" smtClean="0"/>
-              <a:t>2023-06-01</a:t>
+              <a:t>2023-06-09</a:t>
             </a:fld>
             <a:endParaRPr lang="ko-KR" altLang="en-US"/>
           </a:p>
@@ -1052,7 +1052,7 @@
           <a:p>
             <a:fld id="{F4AC81B4-D91A-4578-85B3-829E63FCFE17}" type="datetime1">
               <a:rPr lang="ko-KR" altLang="en-US" smtClean="0"/>
-              <a:t>2023-06-01</a:t>
+              <a:t>2023-06-09</a:t>
             </a:fld>
             <a:endParaRPr lang="ko-KR" altLang="en-US"/>
           </a:p>
@@ -1427,7 +1427,7 @@
           <a:p>
             <a:fld id="{F5B77542-37E5-48F2-BAE7-80CC6B0EB6A3}" type="datetime1">
               <a:rPr lang="ko-KR" altLang="en-US" smtClean="0"/>
-              <a:t>2023-06-01</a:t>
+              <a:t>2023-06-09</a:t>
             </a:fld>
             <a:endParaRPr lang="ko-KR" altLang="en-US"/>
           </a:p>
@@ -1607,7 +1607,7 @@
           <a:p>
             <a:fld id="{227CF174-B5AC-4A98-B673-0BE8126D3F27}" type="datetime1">
               <a:rPr lang="ko-KR" altLang="en-US" smtClean="0"/>
-              <a:t>2023-06-01</a:t>
+              <a:t>2023-06-09</a:t>
             </a:fld>
             <a:endParaRPr lang="ko-KR" altLang="en-US"/>
           </a:p>
@@ -1781,7 +1781,7 @@
           <a:p>
             <a:fld id="{E20FDEC8-1339-42E8-9704-2977280C2FD3}" type="datetime1">
               <a:rPr lang="ko-KR" altLang="en-US" smtClean="0"/>
-              <a:t>2023-06-01</a:t>
+              <a:t>2023-06-09</a:t>
             </a:fld>
             <a:endParaRPr lang="ko-KR" altLang="en-US"/>
           </a:p>
@@ -2027,7 +2027,7 @@
           <a:p>
             <a:fld id="{4D18DC76-A282-4817-B790-197F054E1215}" type="datetime1">
               <a:rPr lang="ko-KR" altLang="en-US" smtClean="0"/>
-              <a:t>2023-06-01</a:t>
+              <a:t>2023-06-09</a:t>
             </a:fld>
             <a:endParaRPr lang="ko-KR" altLang="en-US"/>
           </a:p>
@@ -2315,7 +2315,7 @@
           <a:p>
             <a:fld id="{6680AA6C-13D8-43E4-90F0-E6C88A2B9F16}" type="datetime1">
               <a:rPr lang="ko-KR" altLang="en-US" smtClean="0"/>
-              <a:t>2023-06-01</a:t>
+              <a:t>2023-06-09</a:t>
             </a:fld>
             <a:endParaRPr lang="ko-KR" altLang="en-US"/>
           </a:p>
@@ -2737,7 +2737,7 @@
           <a:p>
             <a:fld id="{3EF5B03B-20CC-436E-8601-C933C6C1F4A6}" type="datetime1">
               <a:rPr lang="ko-KR" altLang="en-US" smtClean="0"/>
-              <a:t>2023-06-01</a:t>
+              <a:t>2023-06-09</a:t>
             </a:fld>
             <a:endParaRPr lang="ko-KR" altLang="en-US"/>
           </a:p>
@@ -2855,7 +2855,7 @@
           <a:p>
             <a:fld id="{87B5A15D-8B08-482F-AB47-E416EC355EB6}" type="datetime1">
               <a:rPr lang="ko-KR" altLang="en-US" smtClean="0"/>
-              <a:t>2023-06-01</a:t>
+              <a:t>2023-06-09</a:t>
             </a:fld>
             <a:endParaRPr lang="ko-KR" altLang="en-US"/>
           </a:p>
@@ -2950,7 +2950,7 @@
           <a:p>
             <a:fld id="{A877D7F8-7B64-44F8-A411-CBD22F28CBFF}" type="datetime1">
               <a:rPr lang="ko-KR" altLang="en-US" smtClean="0"/>
-              <a:t>2023-06-01</a:t>
+              <a:t>2023-06-09</a:t>
             </a:fld>
             <a:endParaRPr lang="ko-KR" altLang="en-US"/>
           </a:p>
@@ -3227,7 +3227,7 @@
           <a:p>
             <a:fld id="{E12DBD9B-2BB6-4D1F-BCB4-1E48829C93C3}" type="datetime1">
               <a:rPr lang="ko-KR" altLang="en-US" smtClean="0"/>
-              <a:t>2023-06-01</a:t>
+              <a:t>2023-06-09</a:t>
             </a:fld>
             <a:endParaRPr lang="ko-KR" altLang="en-US"/>
           </a:p>
@@ -3480,7 +3480,7 @@
           <a:p>
             <a:fld id="{17564C48-0CD7-40EB-BE64-BBF4DB8C56AF}" type="datetime1">
               <a:rPr lang="ko-KR" altLang="en-US" smtClean="0"/>
-              <a:t>2023-06-01</a:t>
+              <a:t>2023-06-09</a:t>
             </a:fld>
             <a:endParaRPr lang="ko-KR" altLang="en-US"/>
           </a:p>
@@ -3660,7 +3660,7 @@
           <a:p>
             <a:fld id="{C116BCB4-B68B-4638-8167-F4BDC0A30DA1}" type="datetime1">
               <a:rPr lang="ko-KR" altLang="en-US" smtClean="0"/>
-              <a:t>2023-06-01</a:t>
+              <a:t>2023-06-09</a:t>
             </a:fld>
             <a:endParaRPr lang="ko-KR" altLang="en-US"/>
           </a:p>
@@ -15215,11 +15215,7 @@
             </a:r>
             <a:r>
               <a:rPr lang="ko-KR" altLang="en-US" sz="2000" b="1" dirty="0" smtClean="0"/>
-              <a:t>방식 요청 동시에 </a:t>
-            </a:r>
-            <a:r>
-              <a:rPr lang="ko-KR" altLang="en-US" sz="2000" b="1" dirty="0" smtClean="0"/>
-              <a:t>처리하기 </a:t>
+              <a:t>방식 요청 동시에 처리하기 </a:t>
             </a:r>
             <a:r>
               <a:rPr lang="en-US" altLang="ko-KR" sz="2000" b="1" dirty="0" smtClean="0"/>
@@ -15248,7 +15244,6 @@
               <a:rPr lang="en-US" altLang="ko-KR" b="1" dirty="0" smtClean="0"/>
               <a:t>1</a:t>
             </a:r>
-            <a:endParaRPr lang="en-US" altLang="ko-KR" b="1" dirty="0" smtClean="0"/>
           </a:p>
         </p:txBody>
       </p:sp>
@@ -17853,15 +17848,7 @@
                   <a:sysClr val="windowText" lastClr="000000"/>
                 </a:solidFill>
               </a:rPr>
-              <a:t>주소 </a:t>
-            </a:r>
-            <a:r>
-              <a:rPr lang="ko-KR" altLang="en-US" sz="1600" dirty="0" smtClean="0">
-                <a:solidFill>
-                  <a:sysClr val="windowText" lastClr="000000"/>
-                </a:solidFill>
-              </a:rPr>
-              <a:t>표시줄에 </a:t>
+              <a:t>주소 표시줄에 </a:t>
             </a:r>
             <a:r>
               <a:rPr lang="en-US" altLang="ko-KR" sz="1600" dirty="0" smtClean="0">
@@ -17893,15 +17880,7 @@
                   <a:sysClr val="windowText" lastClr="000000"/>
                 </a:solidFill>
               </a:rPr>
-              <a:t>로 요청</a:t>
-            </a:r>
-            <a:r>
-              <a:rPr lang="ko-KR" altLang="en-US" sz="1600" dirty="0" smtClean="0">
-                <a:solidFill>
-                  <a:sysClr val="windowText" lastClr="000000"/>
-                </a:solidFill>
-              </a:rPr>
-              <a:t>하면 </a:t>
+              <a:t>로 요청하면 </a:t>
             </a:r>
             <a:r>
               <a:rPr lang="en-US" altLang="ko-KR" sz="1600" dirty="0" smtClean="0">
@@ -18035,11 +18014,6 @@
               </a:rPr>
               <a:t>redirect/FirstServlet.java</a:t>
             </a:r>
-            <a:endParaRPr lang="en-US" altLang="ko-KR" sz="1600" dirty="0" smtClean="0">
-              <a:solidFill>
-                <a:sysClr val="windowText" lastClr="000000"/>
-              </a:solidFill>
-            </a:endParaRPr>
           </a:p>
         </p:txBody>
       </p:sp>
@@ -18311,11 +18285,6 @@
               </a:rPr>
               <a:t>redirect/SecondServlet.java</a:t>
             </a:r>
-            <a:endParaRPr lang="en-US" altLang="ko-KR" sz="1600" dirty="0" smtClean="0">
-              <a:solidFill>
-                <a:sysClr val="windowText" lastClr="000000"/>
-              </a:solidFill>
-            </a:endParaRPr>
           </a:p>
         </p:txBody>
       </p:sp>
@@ -19544,11 +19513,6 @@
               </a:rPr>
               <a:t>dispatch/FirstServlet.java</a:t>
             </a:r>
-            <a:endParaRPr lang="en-US" altLang="ko-KR" sz="1600" dirty="0" smtClean="0">
-              <a:solidFill>
-                <a:sysClr val="windowText" lastClr="000000"/>
-              </a:solidFill>
-            </a:endParaRPr>
           </a:p>
         </p:txBody>
       </p:sp>
@@ -19816,11 +19780,6 @@
               </a:rPr>
               <a:t>dispatch/SecondServlet.java</a:t>
             </a:r>
-            <a:endParaRPr lang="en-US" altLang="ko-KR" sz="1600" dirty="0" smtClean="0">
-              <a:solidFill>
-                <a:sysClr val="windowText" lastClr="000000"/>
-              </a:solidFill>
-            </a:endParaRPr>
           </a:p>
         </p:txBody>
       </p:sp>
@@ -23635,90 +23594,87 @@
           </a:p>
         </p:txBody>
       </p:sp>
-      <p:sp>
-        <p:nvSpPr>
-          <p:cNvPr id="5" name="TextBox 4"/>
-          <p:cNvSpPr txBox="1"/>
-          <p:nvPr/>
-        </p:nvSpPr>
-        <p:spPr>
-          <a:xfrm>
-            <a:off x="776536" y="980728"/>
-            <a:ext cx="8496944" cy="553998"/>
-          </a:xfrm>
-          <a:prstGeom prst="rect">
-            <a:avLst/>
-          </a:prstGeom>
-          <a:noFill/>
-        </p:spPr>
-        <p:txBody>
-          <a:bodyPr wrap="square" rtlCol="0">
-            <a:spAutoFit/>
-          </a:bodyPr>
-          <a:lstStyle/>
-          <a:p>
-            <a:pPr>
-              <a:lnSpc>
-                <a:spcPct val="150000"/>
-              </a:lnSpc>
-            </a:pPr>
-            <a:r>
-              <a:rPr lang="ko-KR" altLang="en-US" sz="2000" b="1" dirty="0" err="1" smtClean="0"/>
-              <a:t>서블릿에서</a:t>
-            </a:r>
-            <a:r>
-              <a:rPr lang="ko-KR" altLang="en-US" sz="2000" b="1" dirty="0" smtClean="0"/>
-              <a:t> 세</a:t>
-            </a:r>
-            <a:r>
-              <a:rPr lang="ko-KR" altLang="en-US" sz="2000" b="1" dirty="0"/>
-              <a:t>션</a:t>
-            </a:r>
-            <a:r>
-              <a:rPr lang="ko-KR" altLang="en-US" sz="2000" b="1" dirty="0" smtClean="0"/>
-              <a:t> 사용하기</a:t>
-            </a:r>
-            <a:endParaRPr lang="en-US" altLang="ko-KR" dirty="0"/>
-          </a:p>
-        </p:txBody>
-      </p:sp>
-      <p:pic>
-        <p:nvPicPr>
-          <p:cNvPr id="3" name="그림 2"/>
-          <p:cNvPicPr>
-            <a:picLocks noChangeAspect="1"/>
-          </p:cNvPicPr>
-          <p:nvPr/>
-        </p:nvPicPr>
-        <p:blipFill>
-          <a:blip r:embed="rId2">
-            <a:extLst>
-              <a:ext uri="{28A0092B-C50C-407E-A947-70E740481C1C}">
-                <a14:useLocalDpi xmlns:a14="http://schemas.microsoft.com/office/drawing/2010/main" val="0"/>
-              </a:ext>
-            </a:extLst>
-          </a:blip>
-          <a:stretch>
-            <a:fillRect/>
-          </a:stretch>
-        </p:blipFill>
-        <p:spPr>
-          <a:xfrm>
-            <a:off x="890798" y="1484665"/>
-            <a:ext cx="8268417" cy="4968671"/>
-          </a:xfrm>
-          <a:prstGeom prst="rect">
-            <a:avLst/>
-          </a:prstGeom>
-          <a:ln>
-            <a:solidFill>
-              <a:schemeClr val="bg1">
-                <a:lumMod val="85000"/>
-              </a:schemeClr>
-            </a:solidFill>
-          </a:ln>
-        </p:spPr>
-      </p:pic>
+      <p:grpSp>
+        <p:nvGrpSpPr>
+          <p:cNvPr id="4" name="그룹 3"/>
+          <p:cNvGrpSpPr/>
+          <p:nvPr/>
+        </p:nvGrpSpPr>
+        <p:grpSpPr>
+          <a:xfrm>
+            <a:off x="867742" y="1088921"/>
+            <a:ext cx="8268417" cy="5220399"/>
+            <a:chOff x="867742" y="1088921"/>
+            <a:chExt cx="8268417" cy="5220399"/>
+          </a:xfrm>
+        </p:grpSpPr>
+        <p:pic>
+          <p:nvPicPr>
+            <p:cNvPr id="3" name="그림 2"/>
+            <p:cNvPicPr>
+              <a:picLocks noChangeAspect="1"/>
+            </p:cNvPicPr>
+            <p:nvPr/>
+          </p:nvPicPr>
+          <p:blipFill rotWithShape="1">
+            <a:blip r:embed="rId2">
+              <a:extLst>
+                <a:ext uri="{28A0092B-C50C-407E-A947-70E740481C1C}">
+                  <a14:useLocalDpi xmlns:a14="http://schemas.microsoft.com/office/drawing/2010/main" val="0"/>
+                </a:ext>
+              </a:extLst>
+            </a:blip>
+            <a:srcRect t="4350"/>
+            <a:stretch/>
+          </p:blipFill>
+          <p:spPr>
+            <a:xfrm>
+              <a:off x="867742" y="1556792"/>
+              <a:ext cx="8268417" cy="4752528"/>
+            </a:xfrm>
+            <a:prstGeom prst="rect">
+              <a:avLst/>
+            </a:prstGeom>
+            <a:ln>
+              <a:solidFill>
+                <a:schemeClr val="bg1">
+                  <a:lumMod val="85000"/>
+                </a:schemeClr>
+              </a:solidFill>
+            </a:ln>
+          </p:spPr>
+        </p:pic>
+        <p:pic>
+          <p:nvPicPr>
+            <p:cNvPr id="2" name="그림 1"/>
+            <p:cNvPicPr>
+              <a:picLocks noChangeAspect="1"/>
+            </p:cNvPicPr>
+            <p:nvPr/>
+          </p:nvPicPr>
+          <p:blipFill>
+            <a:blip r:embed="rId3">
+              <a:extLst>
+                <a:ext uri="{28A0092B-C50C-407E-A947-70E740481C1C}">
+                  <a14:useLocalDpi xmlns:a14="http://schemas.microsoft.com/office/drawing/2010/main" val="0"/>
+                </a:ext>
+              </a:extLst>
+            </a:blip>
+            <a:stretch>
+              <a:fillRect/>
+            </a:stretch>
+          </p:blipFill>
+          <p:spPr>
+            <a:xfrm>
+              <a:off x="867742" y="1088921"/>
+              <a:ext cx="2476715" cy="350550"/>
+            </a:xfrm>
+            <a:prstGeom prst="rect">
+              <a:avLst/>
+            </a:prstGeom>
+          </p:spPr>
+        </p:pic>
+      </p:grpSp>
     </p:spTree>
     <p:extLst>
       <p:ext uri="{BB962C8B-B14F-4D97-AF65-F5344CB8AC3E}">
